--- a/Session_2_ML_DL_intro_python_MT2024.pptx
+++ b/Session_2_ML_DL_intro_python_MT2024.pptx
@@ -5,22 +5,23 @@
     <p:sldMasterId id="2147483648" r:id="rId1"/>
   </p:sldMasterIdLst>
   <p:sldIdLst>
-    <p:sldId id="256" r:id="rId2"/>
-    <p:sldId id="257" r:id="rId3"/>
-    <p:sldId id="258" r:id="rId4"/>
+    <p:sldId id="257" r:id="rId2"/>
+    <p:sldId id="258" r:id="rId3"/>
+    <p:sldId id="265" r:id="rId4"/>
     <p:sldId id="259" r:id="rId5"/>
     <p:sldId id="260" r:id="rId6"/>
     <p:sldId id="261" r:id="rId7"/>
     <p:sldId id="262" r:id="rId8"/>
     <p:sldId id="263" r:id="rId9"/>
+    <p:sldId id="264" r:id="rId10"/>
   </p:sldIdLst>
-  <p:sldSz cx="9144000" cy="6858000" type="screen4x3"/>
+  <p:sldSz cx="12192000" cy="6858000"/>
   <p:notesSz cx="6858000" cy="9144000"/>
   <p:defaultTextStyle>
     <a:defPPr>
       <a:defRPr lang="en-US"/>
     </a:defPPr>
-    <a:lvl1pPr marL="0" algn="l" defTabSz="457200" rtl="0" eaLnBrk="1" latinLnBrk="0" hangingPunct="1">
+    <a:lvl1pPr marL="0" algn="l" defTabSz="914400" rtl="0" eaLnBrk="1" latinLnBrk="0" hangingPunct="1">
       <a:defRPr sz="1800" kern="1200">
         <a:solidFill>
           <a:schemeClr val="tx1"/>
@@ -30,7 +31,7 @@
         <a:cs typeface="+mn-cs"/>
       </a:defRPr>
     </a:lvl1pPr>
-    <a:lvl2pPr marL="457200" algn="l" defTabSz="457200" rtl="0" eaLnBrk="1" latinLnBrk="0" hangingPunct="1">
+    <a:lvl2pPr marL="457200" algn="l" defTabSz="914400" rtl="0" eaLnBrk="1" latinLnBrk="0" hangingPunct="1">
       <a:defRPr sz="1800" kern="1200">
         <a:solidFill>
           <a:schemeClr val="tx1"/>
@@ -40,7 +41,7 @@
         <a:cs typeface="+mn-cs"/>
       </a:defRPr>
     </a:lvl2pPr>
-    <a:lvl3pPr marL="914400" algn="l" defTabSz="457200" rtl="0" eaLnBrk="1" latinLnBrk="0" hangingPunct="1">
+    <a:lvl3pPr marL="914400" algn="l" defTabSz="914400" rtl="0" eaLnBrk="1" latinLnBrk="0" hangingPunct="1">
       <a:defRPr sz="1800" kern="1200">
         <a:solidFill>
           <a:schemeClr val="tx1"/>
@@ -50,7 +51,7 @@
         <a:cs typeface="+mn-cs"/>
       </a:defRPr>
     </a:lvl3pPr>
-    <a:lvl4pPr marL="1371600" algn="l" defTabSz="457200" rtl="0" eaLnBrk="1" latinLnBrk="0" hangingPunct="1">
+    <a:lvl4pPr marL="1371600" algn="l" defTabSz="914400" rtl="0" eaLnBrk="1" latinLnBrk="0" hangingPunct="1">
       <a:defRPr sz="1800" kern="1200">
         <a:solidFill>
           <a:schemeClr val="tx1"/>
@@ -60,7 +61,7 @@
         <a:cs typeface="+mn-cs"/>
       </a:defRPr>
     </a:lvl4pPr>
-    <a:lvl5pPr marL="1828800" algn="l" defTabSz="457200" rtl="0" eaLnBrk="1" latinLnBrk="0" hangingPunct="1">
+    <a:lvl5pPr marL="1828800" algn="l" defTabSz="914400" rtl="0" eaLnBrk="1" latinLnBrk="0" hangingPunct="1">
       <a:defRPr sz="1800" kern="1200">
         <a:solidFill>
           <a:schemeClr val="tx1"/>
@@ -70,7 +71,7 @@
         <a:cs typeface="+mn-cs"/>
       </a:defRPr>
     </a:lvl5pPr>
-    <a:lvl6pPr marL="2286000" algn="l" defTabSz="457200" rtl="0" eaLnBrk="1" latinLnBrk="0" hangingPunct="1">
+    <a:lvl6pPr marL="2286000" algn="l" defTabSz="914400" rtl="0" eaLnBrk="1" latinLnBrk="0" hangingPunct="1">
       <a:defRPr sz="1800" kern="1200">
         <a:solidFill>
           <a:schemeClr val="tx1"/>
@@ -80,7 +81,7 @@
         <a:cs typeface="+mn-cs"/>
       </a:defRPr>
     </a:lvl6pPr>
-    <a:lvl7pPr marL="2743200" algn="l" defTabSz="457200" rtl="0" eaLnBrk="1" latinLnBrk="0" hangingPunct="1">
+    <a:lvl7pPr marL="2743200" algn="l" defTabSz="914400" rtl="0" eaLnBrk="1" latinLnBrk="0" hangingPunct="1">
       <a:defRPr sz="1800" kern="1200">
         <a:solidFill>
           <a:schemeClr val="tx1"/>
@@ -90,7 +91,7 @@
         <a:cs typeface="+mn-cs"/>
       </a:defRPr>
     </a:lvl7pPr>
-    <a:lvl8pPr marL="3200400" algn="l" defTabSz="457200" rtl="0" eaLnBrk="1" latinLnBrk="0" hangingPunct="1">
+    <a:lvl8pPr marL="3200400" algn="l" defTabSz="914400" rtl="0" eaLnBrk="1" latinLnBrk="0" hangingPunct="1">
       <a:defRPr sz="1800" kern="1200">
         <a:solidFill>
           <a:schemeClr val="tx1"/>
@@ -100,7 +101,7 @@
         <a:cs typeface="+mn-cs"/>
       </a:defRPr>
     </a:lvl8pPr>
-    <a:lvl9pPr marL="3657600" algn="l" defTabSz="457200" rtl="0" eaLnBrk="1" latinLnBrk="0" hangingPunct="1">
+    <a:lvl9pPr marL="3657600" algn="l" defTabSz="914400" rtl="0" eaLnBrk="1" latinLnBrk="0" hangingPunct="1">
       <a:defRPr sz="1800" kern="1200">
         <a:solidFill>
           <a:schemeClr val="tx1"/>
@@ -111,23 +112,360 @@
       </a:defRPr>
     </a:lvl9pPr>
   </p:defaultTextStyle>
-  <p:extLst>
-    <p:ext uri="{EFAFB233-063F-42B5-8137-9DF3F51BA10A}">
-      <p15:sldGuideLst xmlns:p15="http://schemas.microsoft.com/office/powerpoint/2012/main">
-        <p15:guide id="1" orient="horz" pos="2160">
-          <p15:clr>
-            <a:srgbClr val="A4A3A4"/>
-          </p15:clr>
-        </p15:guide>
-        <p15:guide id="2" pos="2880">
-          <p15:clr>
-            <a:srgbClr val="A4A3A4"/>
-          </p15:clr>
-        </p15:guide>
-      </p15:sldGuideLst>
-    </p:ext>
-  </p:extLst>
 </p:presentation>
+</file>
+
+<file path=ppt/revisionInfo.xml><?xml version="1.0" encoding="utf-8"?>
+<p1510:revInfo xmlns:a="http://schemas.openxmlformats.org/drawingml/2006/main" xmlns:r="http://schemas.openxmlformats.org/officeDocument/2006/relationships" xmlns:p1510="http://schemas.microsoft.com/office/powerpoint/2015/10/main">
+  <p1510:revLst>
+    <p1510:client id="{9FCB31F7-5283-B647-BE13-D62A0C626711}" v="297" dt="2024-11-03T21:35:40.042"/>
+  </p1510:revLst>
+</p1510:revInfo>
+</file>
+
+<file path=ppt/changesInfos/changesInfo1.xml><?xml version="1.0" encoding="utf-8"?>
+<pc:chgInfo xmlns:a="http://schemas.openxmlformats.org/drawingml/2006/main" xmlns:r="http://schemas.openxmlformats.org/officeDocument/2006/relationships" xmlns:ac="http://schemas.microsoft.com/office/drawing/2013/main/command" xmlns:pc="http://schemas.microsoft.com/office/powerpoint/2013/main/command">
+  <pc:docChgLst>
+    <pc:chgData name="Srinivasa Rao" userId="a6b54366-f13d-4292-8bb4-f06c50909b1e" providerId="ADAL" clId="{9FCB31F7-5283-B647-BE13-D62A0C626711}"/>
+    <pc:docChg chg="undo custSel addSld modSld">
+      <pc:chgData name="Srinivasa Rao" userId="a6b54366-f13d-4292-8bb4-f06c50909b1e" providerId="ADAL" clId="{9FCB31F7-5283-B647-BE13-D62A0C626711}" dt="2024-11-03T21:35:40.042" v="284" actId="255"/>
+      <pc:docMkLst>
+        <pc:docMk/>
+      </pc:docMkLst>
+      <pc:sldChg chg="modSp mod">
+        <pc:chgData name="Srinivasa Rao" userId="a6b54366-f13d-4292-8bb4-f06c50909b1e" providerId="ADAL" clId="{9FCB31F7-5283-B647-BE13-D62A0C626711}" dt="2024-11-03T21:35:40.042" v="284" actId="255"/>
+        <pc:sldMkLst>
+          <pc:docMk/>
+          <pc:sldMk cId="0" sldId="257"/>
+        </pc:sldMkLst>
+        <pc:spChg chg="mod">
+          <ac:chgData name="Srinivasa Rao" userId="a6b54366-f13d-4292-8bb4-f06c50909b1e" providerId="ADAL" clId="{9FCB31F7-5283-B647-BE13-D62A0C626711}" dt="2024-11-03T21:35:40.042" v="284" actId="255"/>
+          <ac:spMkLst>
+            <pc:docMk/>
+            <pc:sldMk cId="0" sldId="257"/>
+            <ac:spMk id="3" creationId="{00000000-0000-0000-0000-000000000000}"/>
+          </ac:spMkLst>
+        </pc:spChg>
+      </pc:sldChg>
+      <pc:sldChg chg="addSp delSp modSp mod">
+        <pc:chgData name="Srinivasa Rao" userId="a6b54366-f13d-4292-8bb4-f06c50909b1e" providerId="ADAL" clId="{9FCB31F7-5283-B647-BE13-D62A0C626711}" dt="2024-11-03T21:25:33.639" v="140" actId="1076"/>
+        <pc:sldMkLst>
+          <pc:docMk/>
+          <pc:sldMk cId="0" sldId="258"/>
+        </pc:sldMkLst>
+        <pc:spChg chg="mod">
+          <ac:chgData name="Srinivasa Rao" userId="a6b54366-f13d-4292-8bb4-f06c50909b1e" providerId="ADAL" clId="{9FCB31F7-5283-B647-BE13-D62A0C626711}" dt="2024-11-03T21:03:19.245" v="30" actId="20577"/>
+          <ac:spMkLst>
+            <pc:docMk/>
+            <pc:sldMk cId="0" sldId="258"/>
+            <ac:spMk id="2" creationId="{00000000-0000-0000-0000-000000000000}"/>
+          </ac:spMkLst>
+        </pc:spChg>
+        <pc:spChg chg="del mod">
+          <ac:chgData name="Srinivasa Rao" userId="a6b54366-f13d-4292-8bb4-f06c50909b1e" providerId="ADAL" clId="{9FCB31F7-5283-B647-BE13-D62A0C626711}" dt="2024-11-03T21:12:20.543" v="97" actId="478"/>
+          <ac:spMkLst>
+            <pc:docMk/>
+            <pc:sldMk cId="0" sldId="258"/>
+            <ac:spMk id="3" creationId="{00000000-0000-0000-0000-000000000000}"/>
+          </ac:spMkLst>
+        </pc:spChg>
+        <pc:spChg chg="del">
+          <ac:chgData name="Srinivasa Rao" userId="a6b54366-f13d-4292-8bb4-f06c50909b1e" providerId="ADAL" clId="{9FCB31F7-5283-B647-BE13-D62A0C626711}" dt="2024-11-03T21:03:41.184" v="78" actId="478"/>
+          <ac:spMkLst>
+            <pc:docMk/>
+            <pc:sldMk cId="0" sldId="258"/>
+            <ac:spMk id="4" creationId="{7BD79B23-7083-4365-5437-288A00E87209}"/>
+          </ac:spMkLst>
+        </pc:spChg>
+        <pc:spChg chg="add del mod">
+          <ac:chgData name="Srinivasa Rao" userId="a6b54366-f13d-4292-8bb4-f06c50909b1e" providerId="ADAL" clId="{9FCB31F7-5283-B647-BE13-D62A0C626711}" dt="2024-11-03T21:12:17.436" v="96" actId="478"/>
+          <ac:spMkLst>
+            <pc:docMk/>
+            <pc:sldMk cId="0" sldId="258"/>
+            <ac:spMk id="5" creationId="{28ED9842-909B-4AC5-C5DE-6A109AFFB7EF}"/>
+          </ac:spMkLst>
+        </pc:spChg>
+        <pc:spChg chg="add del mod">
+          <ac:chgData name="Srinivasa Rao" userId="a6b54366-f13d-4292-8bb4-f06c50909b1e" providerId="ADAL" clId="{9FCB31F7-5283-B647-BE13-D62A0C626711}" dt="2024-11-03T21:12:17.436" v="96" actId="478"/>
+          <ac:spMkLst>
+            <pc:docMk/>
+            <pc:sldMk cId="0" sldId="258"/>
+            <ac:spMk id="6" creationId="{8B98AF89-F735-5504-0B24-33E2EFEDD768}"/>
+          </ac:spMkLst>
+        </pc:spChg>
+        <pc:spChg chg="add del mod">
+          <ac:chgData name="Srinivasa Rao" userId="a6b54366-f13d-4292-8bb4-f06c50909b1e" providerId="ADAL" clId="{9FCB31F7-5283-B647-BE13-D62A0C626711}" dt="2024-11-03T21:12:17.436" v="96" actId="478"/>
+          <ac:spMkLst>
+            <pc:docMk/>
+            <pc:sldMk cId="0" sldId="258"/>
+            <ac:spMk id="7" creationId="{44C78915-9119-3705-3802-0528AB155AB8}"/>
+          </ac:spMkLst>
+        </pc:spChg>
+        <pc:spChg chg="add del mod">
+          <ac:chgData name="Srinivasa Rao" userId="a6b54366-f13d-4292-8bb4-f06c50909b1e" providerId="ADAL" clId="{9FCB31F7-5283-B647-BE13-D62A0C626711}" dt="2024-11-03T21:12:17.436" v="96" actId="478"/>
+          <ac:spMkLst>
+            <pc:docMk/>
+            <pc:sldMk cId="0" sldId="258"/>
+            <ac:spMk id="8" creationId="{CC8A1B6F-153A-3A89-82B1-9EEA7FDE60AC}"/>
+          </ac:spMkLst>
+        </pc:spChg>
+        <pc:spChg chg="add del mod">
+          <ac:chgData name="Srinivasa Rao" userId="a6b54366-f13d-4292-8bb4-f06c50909b1e" providerId="ADAL" clId="{9FCB31F7-5283-B647-BE13-D62A0C626711}" dt="2024-11-03T21:12:17.436" v="96" actId="478"/>
+          <ac:spMkLst>
+            <pc:docMk/>
+            <pc:sldMk cId="0" sldId="258"/>
+            <ac:spMk id="9" creationId="{FE05E26D-9D1E-2F5C-EDD7-8B3C6ED2CCD1}"/>
+          </ac:spMkLst>
+        </pc:spChg>
+        <pc:spChg chg="add del mod">
+          <ac:chgData name="Srinivasa Rao" userId="a6b54366-f13d-4292-8bb4-f06c50909b1e" providerId="ADAL" clId="{9FCB31F7-5283-B647-BE13-D62A0C626711}" dt="2024-11-03T21:12:17.436" v="96" actId="478"/>
+          <ac:spMkLst>
+            <pc:docMk/>
+            <pc:sldMk cId="0" sldId="258"/>
+            <ac:spMk id="10" creationId="{097E8033-0C3D-BC8D-6056-8E85A06EAFF1}"/>
+          </ac:spMkLst>
+        </pc:spChg>
+        <pc:spChg chg="add del mod">
+          <ac:chgData name="Srinivasa Rao" userId="a6b54366-f13d-4292-8bb4-f06c50909b1e" providerId="ADAL" clId="{9FCB31F7-5283-B647-BE13-D62A0C626711}" dt="2024-11-03T21:12:17.436" v="96" actId="478"/>
+          <ac:spMkLst>
+            <pc:docMk/>
+            <pc:sldMk cId="0" sldId="258"/>
+            <ac:spMk id="11" creationId="{1A7F8C31-98C9-12E0-975F-386DF0DFED03}"/>
+          </ac:spMkLst>
+        </pc:spChg>
+        <pc:spChg chg="add del mod">
+          <ac:chgData name="Srinivasa Rao" userId="a6b54366-f13d-4292-8bb4-f06c50909b1e" providerId="ADAL" clId="{9FCB31F7-5283-B647-BE13-D62A0C626711}" dt="2024-11-03T21:12:17.436" v="96" actId="478"/>
+          <ac:spMkLst>
+            <pc:docMk/>
+            <pc:sldMk cId="0" sldId="258"/>
+            <ac:spMk id="12" creationId="{8D9FB2CA-DDBC-8DE3-5BFD-83D7FF8AEFC8}"/>
+          </ac:spMkLst>
+        </pc:spChg>
+        <pc:spChg chg="add del mod">
+          <ac:chgData name="Srinivasa Rao" userId="a6b54366-f13d-4292-8bb4-f06c50909b1e" providerId="ADAL" clId="{9FCB31F7-5283-B647-BE13-D62A0C626711}" dt="2024-11-03T21:12:17.436" v="96" actId="478"/>
+          <ac:spMkLst>
+            <pc:docMk/>
+            <pc:sldMk cId="0" sldId="258"/>
+            <ac:spMk id="13" creationId="{67C2587F-683E-78A4-865A-7A7099B2EBB9}"/>
+          </ac:spMkLst>
+        </pc:spChg>
+        <pc:spChg chg="add del mod">
+          <ac:chgData name="Srinivasa Rao" userId="a6b54366-f13d-4292-8bb4-f06c50909b1e" providerId="ADAL" clId="{9FCB31F7-5283-B647-BE13-D62A0C626711}" dt="2024-11-03T21:12:17.436" v="96" actId="478"/>
+          <ac:spMkLst>
+            <pc:docMk/>
+            <pc:sldMk cId="0" sldId="258"/>
+            <ac:spMk id="14" creationId="{30345896-A75A-B646-4FC9-40DA0916BC7F}"/>
+          </ac:spMkLst>
+        </pc:spChg>
+        <pc:spChg chg="add del mod">
+          <ac:chgData name="Srinivasa Rao" userId="a6b54366-f13d-4292-8bb4-f06c50909b1e" providerId="ADAL" clId="{9FCB31F7-5283-B647-BE13-D62A0C626711}" dt="2024-11-03T21:12:17.436" v="96" actId="478"/>
+          <ac:spMkLst>
+            <pc:docMk/>
+            <pc:sldMk cId="0" sldId="258"/>
+            <ac:spMk id="15" creationId="{06AC9D68-DF79-CB0B-66D5-28B087817543}"/>
+          </ac:spMkLst>
+        </pc:spChg>
+        <pc:spChg chg="add del mod">
+          <ac:chgData name="Srinivasa Rao" userId="a6b54366-f13d-4292-8bb4-f06c50909b1e" providerId="ADAL" clId="{9FCB31F7-5283-B647-BE13-D62A0C626711}" dt="2024-11-03T21:12:17.436" v="96" actId="478"/>
+          <ac:spMkLst>
+            <pc:docMk/>
+            <pc:sldMk cId="0" sldId="258"/>
+            <ac:spMk id="16" creationId="{8523E3AA-A68B-966A-B62B-F026C8EE6F6E}"/>
+          </ac:spMkLst>
+        </pc:spChg>
+        <pc:spChg chg="add del mod">
+          <ac:chgData name="Srinivasa Rao" userId="a6b54366-f13d-4292-8bb4-f06c50909b1e" providerId="ADAL" clId="{9FCB31F7-5283-B647-BE13-D62A0C626711}" dt="2024-11-03T21:12:17.436" v="96" actId="478"/>
+          <ac:spMkLst>
+            <pc:docMk/>
+            <pc:sldMk cId="0" sldId="258"/>
+            <ac:spMk id="17" creationId="{0DD30D51-F624-0D5E-F72D-FA2C047387F4}"/>
+          </ac:spMkLst>
+        </pc:spChg>
+        <pc:spChg chg="add del mod">
+          <ac:chgData name="Srinivasa Rao" userId="a6b54366-f13d-4292-8bb4-f06c50909b1e" providerId="ADAL" clId="{9FCB31F7-5283-B647-BE13-D62A0C626711}" dt="2024-11-03T21:12:17.436" v="96" actId="478"/>
+          <ac:spMkLst>
+            <pc:docMk/>
+            <pc:sldMk cId="0" sldId="258"/>
+            <ac:spMk id="18" creationId="{3D26168E-994C-9DBD-55B2-303C716A39AB}"/>
+          </ac:spMkLst>
+        </pc:spChg>
+        <pc:spChg chg="add del mod">
+          <ac:chgData name="Srinivasa Rao" userId="a6b54366-f13d-4292-8bb4-f06c50909b1e" providerId="ADAL" clId="{9FCB31F7-5283-B647-BE13-D62A0C626711}" dt="2024-11-03T21:12:17.436" v="96" actId="478"/>
+          <ac:spMkLst>
+            <pc:docMk/>
+            <pc:sldMk cId="0" sldId="258"/>
+            <ac:spMk id="19" creationId="{0B44CEAA-6DE4-C90B-477F-31E4D747F2AB}"/>
+          </ac:spMkLst>
+        </pc:spChg>
+        <pc:spChg chg="add del mod">
+          <ac:chgData name="Srinivasa Rao" userId="a6b54366-f13d-4292-8bb4-f06c50909b1e" providerId="ADAL" clId="{9FCB31F7-5283-B647-BE13-D62A0C626711}" dt="2024-11-03T21:12:17.436" v="96" actId="478"/>
+          <ac:spMkLst>
+            <pc:docMk/>
+            <pc:sldMk cId="0" sldId="258"/>
+            <ac:spMk id="20" creationId="{3882D1B5-D503-C09B-7AEB-E65EB36B109B}"/>
+          </ac:spMkLst>
+        </pc:spChg>
+        <pc:spChg chg="add del mod">
+          <ac:chgData name="Srinivasa Rao" userId="a6b54366-f13d-4292-8bb4-f06c50909b1e" providerId="ADAL" clId="{9FCB31F7-5283-B647-BE13-D62A0C626711}" dt="2024-11-03T21:12:22.645" v="98" actId="478"/>
+          <ac:spMkLst>
+            <pc:docMk/>
+            <pc:sldMk cId="0" sldId="258"/>
+            <ac:spMk id="22" creationId="{B23001FD-FD84-F820-F2CE-F01C1208AB10}"/>
+          </ac:spMkLst>
+        </pc:spChg>
+        <pc:spChg chg="add mod">
+          <ac:chgData name="Srinivasa Rao" userId="a6b54366-f13d-4292-8bb4-f06c50909b1e" providerId="ADAL" clId="{9FCB31F7-5283-B647-BE13-D62A0C626711}" dt="2024-11-03T21:25:25.403" v="138" actId="13822"/>
+          <ac:spMkLst>
+            <pc:docMk/>
+            <pc:sldMk cId="0" sldId="258"/>
+            <ac:spMk id="31" creationId="{E1EB8228-CD43-F81C-F630-1B964F7B4BC8}"/>
+          </ac:spMkLst>
+        </pc:spChg>
+        <pc:spChg chg="add mod">
+          <ac:chgData name="Srinivasa Rao" userId="a6b54366-f13d-4292-8bb4-f06c50909b1e" providerId="ADAL" clId="{9FCB31F7-5283-B647-BE13-D62A0C626711}" dt="2024-11-03T21:25:33.639" v="140" actId="1076"/>
+          <ac:spMkLst>
+            <pc:docMk/>
+            <pc:sldMk cId="0" sldId="258"/>
+            <ac:spMk id="32" creationId="{5DF2D318-CFB1-5BA2-DC61-7A1CB394BD49}"/>
+          </ac:spMkLst>
+        </pc:spChg>
+        <pc:picChg chg="add mod">
+          <ac:chgData name="Srinivasa Rao" userId="a6b54366-f13d-4292-8bb4-f06c50909b1e" providerId="ADAL" clId="{9FCB31F7-5283-B647-BE13-D62A0C626711}" dt="2024-11-03T21:25:05.321" v="136" actId="1076"/>
+          <ac:picMkLst>
+            <pc:docMk/>
+            <pc:sldMk cId="0" sldId="258"/>
+            <ac:picMk id="23" creationId="{E41D7B26-79CC-7447-E882-960BDF1EB886}"/>
+          </ac:picMkLst>
+        </pc:picChg>
+        <pc:picChg chg="add mod">
+          <ac:chgData name="Srinivasa Rao" userId="a6b54366-f13d-4292-8bb4-f06c50909b1e" providerId="ADAL" clId="{9FCB31F7-5283-B647-BE13-D62A0C626711}" dt="2024-11-03T21:25:01.688" v="135" actId="1076"/>
+          <ac:picMkLst>
+            <pc:docMk/>
+            <pc:sldMk cId="0" sldId="258"/>
+            <ac:picMk id="24" creationId="{D989B2C4-8E8D-4C79-D754-18D2EBF16752}"/>
+          </ac:picMkLst>
+        </pc:picChg>
+        <pc:picChg chg="add mod">
+          <ac:chgData name="Srinivasa Rao" userId="a6b54366-f13d-4292-8bb4-f06c50909b1e" providerId="ADAL" clId="{9FCB31F7-5283-B647-BE13-D62A0C626711}" dt="2024-11-03T21:23:40.654" v="124" actId="1076"/>
+          <ac:picMkLst>
+            <pc:docMk/>
+            <pc:sldMk cId="0" sldId="258"/>
+            <ac:picMk id="25" creationId="{1A722B1F-EFD1-21A6-5B8F-F935A95DA4FD}"/>
+          </ac:picMkLst>
+        </pc:picChg>
+        <pc:picChg chg="add mod">
+          <ac:chgData name="Srinivasa Rao" userId="a6b54366-f13d-4292-8bb4-f06c50909b1e" providerId="ADAL" clId="{9FCB31F7-5283-B647-BE13-D62A0C626711}" dt="2024-11-03T21:23:28.153" v="122" actId="1076"/>
+          <ac:picMkLst>
+            <pc:docMk/>
+            <pc:sldMk cId="0" sldId="258"/>
+            <ac:picMk id="26" creationId="{5C27D97B-6403-50AA-49FA-A2123FB15242}"/>
+          </ac:picMkLst>
+        </pc:picChg>
+        <pc:picChg chg="add mod">
+          <ac:chgData name="Srinivasa Rao" userId="a6b54366-f13d-4292-8bb4-f06c50909b1e" providerId="ADAL" clId="{9FCB31F7-5283-B647-BE13-D62A0C626711}" dt="2024-11-03T21:23:30.970" v="123" actId="1076"/>
+          <ac:picMkLst>
+            <pc:docMk/>
+            <pc:sldMk cId="0" sldId="258"/>
+            <ac:picMk id="27" creationId="{1CD85122-A84C-2D41-FDDE-AECEB34E828D}"/>
+          </ac:picMkLst>
+        </pc:picChg>
+        <pc:picChg chg="add mod">
+          <ac:chgData name="Srinivasa Rao" userId="a6b54366-f13d-4292-8bb4-f06c50909b1e" providerId="ADAL" clId="{9FCB31F7-5283-B647-BE13-D62A0C626711}" dt="2024-11-03T21:24:35.971" v="128"/>
+          <ac:picMkLst>
+            <pc:docMk/>
+            <pc:sldMk cId="0" sldId="258"/>
+            <ac:picMk id="28" creationId="{C699BDC9-3FF6-5B1B-A641-3FE394911EBD}"/>
+          </ac:picMkLst>
+        </pc:picChg>
+        <pc:picChg chg="add mod">
+          <ac:chgData name="Srinivasa Rao" userId="a6b54366-f13d-4292-8bb4-f06c50909b1e" providerId="ADAL" clId="{9FCB31F7-5283-B647-BE13-D62A0C626711}" dt="2024-11-03T21:24:51.255" v="133"/>
+          <ac:picMkLst>
+            <pc:docMk/>
+            <pc:sldMk cId="0" sldId="258"/>
+            <ac:picMk id="29" creationId="{77955A05-583A-DC51-8084-23B3B609F618}"/>
+          </ac:picMkLst>
+        </pc:picChg>
+        <pc:picChg chg="add mod">
+          <ac:chgData name="Srinivasa Rao" userId="a6b54366-f13d-4292-8bb4-f06c50909b1e" providerId="ADAL" clId="{9FCB31F7-5283-B647-BE13-D62A0C626711}" dt="2024-11-03T21:24:55.905" v="134"/>
+          <ac:picMkLst>
+            <pc:docMk/>
+            <pc:sldMk cId="0" sldId="258"/>
+            <ac:picMk id="30" creationId="{C30A5564-9987-7848-09AA-36BFD0A83922}"/>
+          </ac:picMkLst>
+        </pc:picChg>
+      </pc:sldChg>
+      <pc:sldChg chg="addSp modSp mod">
+        <pc:chgData name="Srinivasa Rao" userId="a6b54366-f13d-4292-8bb4-f06c50909b1e" providerId="ADAL" clId="{9FCB31F7-5283-B647-BE13-D62A0C626711}" dt="2024-11-03T21:29:31.540" v="177" actId="1076"/>
+        <pc:sldMkLst>
+          <pc:docMk/>
+          <pc:sldMk cId="0" sldId="260"/>
+        </pc:sldMkLst>
+        <pc:spChg chg="add mod">
+          <ac:chgData name="Srinivasa Rao" userId="a6b54366-f13d-4292-8bb4-f06c50909b1e" providerId="ADAL" clId="{9FCB31F7-5283-B647-BE13-D62A0C626711}" dt="2024-11-03T21:29:31.540" v="177" actId="1076"/>
+          <ac:spMkLst>
+            <pc:docMk/>
+            <pc:sldMk cId="0" sldId="260"/>
+            <ac:spMk id="4" creationId="{19CB0226-241F-F9D2-4AC3-C9BD3B94F1FA}"/>
+          </ac:spMkLst>
+        </pc:spChg>
+        <pc:picChg chg="add mod">
+          <ac:chgData name="Srinivasa Rao" userId="a6b54366-f13d-4292-8bb4-f06c50909b1e" providerId="ADAL" clId="{9FCB31F7-5283-B647-BE13-D62A0C626711}" dt="2024-11-03T21:28:44.889" v="145" actId="1076"/>
+          <ac:picMkLst>
+            <pc:docMk/>
+            <pc:sldMk cId="0" sldId="260"/>
+            <ac:picMk id="1026" creationId="{D857B268-9D04-C7A9-4A47-D98C481A9F92}"/>
+          </ac:picMkLst>
+        </pc:picChg>
+      </pc:sldChg>
+      <pc:sldChg chg="addSp modSp mod">
+        <pc:chgData name="Srinivasa Rao" userId="a6b54366-f13d-4292-8bb4-f06c50909b1e" providerId="ADAL" clId="{9FCB31F7-5283-B647-BE13-D62A0C626711}" dt="2024-11-03T21:34:22.005" v="273" actId="1076"/>
+        <pc:sldMkLst>
+          <pc:docMk/>
+          <pc:sldMk cId="0" sldId="263"/>
+        </pc:sldMkLst>
+        <pc:spChg chg="add mod">
+          <ac:chgData name="Srinivasa Rao" userId="a6b54366-f13d-4292-8bb4-f06c50909b1e" providerId="ADAL" clId="{9FCB31F7-5283-B647-BE13-D62A0C626711}" dt="2024-11-03T21:34:22.005" v="273" actId="1076"/>
+          <ac:spMkLst>
+            <pc:docMk/>
+            <pc:sldMk cId="0" sldId="263"/>
+            <ac:spMk id="4" creationId="{B5358C91-CBF9-A0DB-5BA9-4D747D5B9E36}"/>
+          </ac:spMkLst>
+        </pc:spChg>
+        <pc:spChg chg="add mod">
+          <ac:chgData name="Srinivasa Rao" userId="a6b54366-f13d-4292-8bb4-f06c50909b1e" providerId="ADAL" clId="{9FCB31F7-5283-B647-BE13-D62A0C626711}" dt="2024-11-03T21:34:22.005" v="273" actId="1076"/>
+          <ac:spMkLst>
+            <pc:docMk/>
+            <pc:sldMk cId="0" sldId="263"/>
+            <ac:spMk id="5" creationId="{83CF7AA5-2CF8-49A3-E6C4-758E86CEE932}"/>
+          </ac:spMkLst>
+        </pc:spChg>
+        <pc:picChg chg="add mod">
+          <ac:chgData name="Srinivasa Rao" userId="a6b54366-f13d-4292-8bb4-f06c50909b1e" providerId="ADAL" clId="{9FCB31F7-5283-B647-BE13-D62A0C626711}" dt="2024-11-03T21:34:22.005" v="273" actId="1076"/>
+          <ac:picMkLst>
+            <pc:docMk/>
+            <pc:sldMk cId="0" sldId="263"/>
+            <ac:picMk id="2050" creationId="{6680F5AD-65B5-5314-B6E7-51B0864D56DA}"/>
+          </ac:picMkLst>
+        </pc:picChg>
+      </pc:sldChg>
+      <pc:sldChg chg="modSp add mod">
+        <pc:chgData name="Srinivasa Rao" userId="a6b54366-f13d-4292-8bb4-f06c50909b1e" providerId="ADAL" clId="{9FCB31F7-5283-B647-BE13-D62A0C626711}" dt="2024-11-03T21:35:11.619" v="278" actId="115"/>
+        <pc:sldMkLst>
+          <pc:docMk/>
+          <pc:sldMk cId="774331437" sldId="265"/>
+        </pc:sldMkLst>
+        <pc:spChg chg="mod">
+          <ac:chgData name="Srinivasa Rao" userId="a6b54366-f13d-4292-8bb4-f06c50909b1e" providerId="ADAL" clId="{9FCB31F7-5283-B647-BE13-D62A0C626711}" dt="2024-11-03T21:35:11.619" v="278" actId="115"/>
+          <ac:spMkLst>
+            <pc:docMk/>
+            <pc:sldMk cId="774331437" sldId="265"/>
+            <ac:spMk id="3" creationId="{FA984AB3-0EED-5770-AC70-44FAD3773694}"/>
+          </ac:spMkLst>
+        </pc:spChg>
+      </pc:sldChg>
+    </pc:docChg>
+  </pc:docChgLst>
+</pc:chgInfo>
 </file>
 
 <file path=ppt/slideLayouts/slideLayout1.xml><?xml version="1.0" encoding="utf-8"?>
@@ -149,7 +487,13 @@
       </p:grpSpPr>
       <p:sp>
         <p:nvSpPr>
-          <p:cNvPr id="2" name="Title 1"/>
+          <p:cNvPr id="2" name="Title 1">
+            <a:extLst>
+              <a:ext uri="{FF2B5EF4-FFF2-40B4-BE49-F238E27FC236}">
+                <a16:creationId xmlns:a16="http://schemas.microsoft.com/office/drawing/2014/main" id="{E926F1C5-B853-0322-C00A-17AF6597ADE9}"/>
+              </a:ext>
+            </a:extLst>
+          </p:cNvPr>
           <p:cNvSpPr>
             <a:spLocks noGrp="1"/>
           </p:cNvSpPr>
@@ -159,24 +503,35 @@
         </p:nvSpPr>
         <p:spPr>
           <a:xfrm>
-            <a:off x="685800" y="2130425"/>
-            <a:ext cx="7772400" cy="1470025"/>
+            <a:off x="1524000" y="1122363"/>
+            <a:ext cx="9144000" cy="2387600"/>
           </a:xfrm>
         </p:spPr>
         <p:txBody>
-          <a:bodyPr/>
-          <a:lstStyle/>
-          <a:p>
-            <a:r>
-              <a:rPr lang="en-US"/>
+          <a:bodyPr anchor="b"/>
+          <a:lstStyle>
+            <a:lvl1pPr algn="ctr">
+              <a:defRPr sz="6000"/>
+            </a:lvl1pPr>
+          </a:lstStyle>
+          <a:p>
+            <a:r>
+              <a:rPr lang="en-GB"/>
               <a:t>Click to edit Master title style</a:t>
             </a:r>
-          </a:p>
-        </p:txBody>
-      </p:sp>
-      <p:sp>
-        <p:nvSpPr>
-          <p:cNvPr id="3" name="Subtitle 2"/>
+            <a:endParaRPr lang="en-US"/>
+          </a:p>
+        </p:txBody>
+      </p:sp>
+      <p:sp>
+        <p:nvSpPr>
+          <p:cNvPr id="3" name="Subtitle 2">
+            <a:extLst>
+              <a:ext uri="{FF2B5EF4-FFF2-40B4-BE49-F238E27FC236}">
+                <a16:creationId xmlns:a16="http://schemas.microsoft.com/office/drawing/2014/main" id="{59110488-B072-C2B5-72D3-6F2C23CE977E}"/>
+              </a:ext>
+            </a:extLst>
+          </p:cNvPr>
           <p:cNvSpPr>
             <a:spLocks noGrp="1"/>
           </p:cNvSpPr>
@@ -186,8 +541,8 @@
         </p:nvSpPr>
         <p:spPr>
           <a:xfrm>
-            <a:off x="1371600" y="3886200"/>
-            <a:ext cx="6400800" cy="1752600"/>
+            <a:off x="1524000" y="3602038"/>
+            <a:ext cx="9144000" cy="1655762"/>
           </a:xfrm>
         </p:spPr>
         <p:txBody>
@@ -195,106 +550,59 @@
           <a:lstStyle>
             <a:lvl1pPr marL="0" indent="0" algn="ctr">
               <a:buNone/>
-              <a:defRPr>
-                <a:solidFill>
-                  <a:schemeClr val="tx1">
-                    <a:tint val="75000"/>
-                  </a:schemeClr>
-                </a:solidFill>
-              </a:defRPr>
+              <a:defRPr sz="2400"/>
             </a:lvl1pPr>
             <a:lvl2pPr marL="457200" indent="0" algn="ctr">
               <a:buNone/>
-              <a:defRPr>
-                <a:solidFill>
-                  <a:schemeClr val="tx1">
-                    <a:tint val="75000"/>
-                  </a:schemeClr>
-                </a:solidFill>
-              </a:defRPr>
+              <a:defRPr sz="2000"/>
             </a:lvl2pPr>
             <a:lvl3pPr marL="914400" indent="0" algn="ctr">
               <a:buNone/>
-              <a:defRPr>
-                <a:solidFill>
-                  <a:schemeClr val="tx1">
-                    <a:tint val="75000"/>
-                  </a:schemeClr>
-                </a:solidFill>
-              </a:defRPr>
+              <a:defRPr sz="1800"/>
             </a:lvl3pPr>
             <a:lvl4pPr marL="1371600" indent="0" algn="ctr">
               <a:buNone/>
-              <a:defRPr>
-                <a:solidFill>
-                  <a:schemeClr val="tx1">
-                    <a:tint val="75000"/>
-                  </a:schemeClr>
-                </a:solidFill>
-              </a:defRPr>
+              <a:defRPr sz="1600"/>
             </a:lvl4pPr>
             <a:lvl5pPr marL="1828800" indent="0" algn="ctr">
               <a:buNone/>
-              <a:defRPr>
-                <a:solidFill>
-                  <a:schemeClr val="tx1">
-                    <a:tint val="75000"/>
-                  </a:schemeClr>
-                </a:solidFill>
-              </a:defRPr>
+              <a:defRPr sz="1600"/>
             </a:lvl5pPr>
             <a:lvl6pPr marL="2286000" indent="0" algn="ctr">
               <a:buNone/>
-              <a:defRPr>
-                <a:solidFill>
-                  <a:schemeClr val="tx1">
-                    <a:tint val="75000"/>
-                  </a:schemeClr>
-                </a:solidFill>
-              </a:defRPr>
+              <a:defRPr sz="1600"/>
             </a:lvl6pPr>
             <a:lvl7pPr marL="2743200" indent="0" algn="ctr">
               <a:buNone/>
-              <a:defRPr>
-                <a:solidFill>
-                  <a:schemeClr val="tx1">
-                    <a:tint val="75000"/>
-                  </a:schemeClr>
-                </a:solidFill>
-              </a:defRPr>
+              <a:defRPr sz="1600"/>
             </a:lvl7pPr>
             <a:lvl8pPr marL="3200400" indent="0" algn="ctr">
               <a:buNone/>
-              <a:defRPr>
-                <a:solidFill>
-                  <a:schemeClr val="tx1">
-                    <a:tint val="75000"/>
-                  </a:schemeClr>
-                </a:solidFill>
-              </a:defRPr>
+              <a:defRPr sz="1600"/>
             </a:lvl8pPr>
             <a:lvl9pPr marL="3657600" indent="0" algn="ctr">
               <a:buNone/>
-              <a:defRPr>
-                <a:solidFill>
-                  <a:schemeClr val="tx1">
-                    <a:tint val="75000"/>
-                  </a:schemeClr>
-                </a:solidFill>
-              </a:defRPr>
+              <a:defRPr sz="1600"/>
             </a:lvl9pPr>
           </a:lstStyle>
           <a:p>
             <a:r>
-              <a:rPr lang="en-US"/>
+              <a:rPr lang="en-GB"/>
               <a:t>Click to edit Master subtitle style</a:t>
             </a:r>
-          </a:p>
-        </p:txBody>
-      </p:sp>
-      <p:sp>
-        <p:nvSpPr>
-          <p:cNvPr id="4" name="Date Placeholder 3"/>
+            <a:endParaRPr lang="en-US"/>
+          </a:p>
+        </p:txBody>
+      </p:sp>
+      <p:sp>
+        <p:nvSpPr>
+          <p:cNvPr id="4" name="Date Placeholder 3">
+            <a:extLst>
+              <a:ext uri="{FF2B5EF4-FFF2-40B4-BE49-F238E27FC236}">
+                <a16:creationId xmlns:a16="http://schemas.microsoft.com/office/drawing/2014/main" id="{B1370901-D4A1-4B4D-1904-480332BE7066}"/>
+              </a:ext>
+            </a:extLst>
+          </p:cNvPr>
           <p:cNvSpPr>
             <a:spLocks noGrp="1"/>
           </p:cNvSpPr>
@@ -307,7 +615,7 @@
           <a:bodyPr/>
           <a:lstStyle/>
           <a:p>
-            <a:fld id="{5BCAD085-E8A6-8845-BD4E-CB4CCA059FC4}" type="datetimeFigureOut">
+            <a:fld id="{7C7E9CC2-F8D3-6047-97B4-E95E02B9DE73}" type="datetimeFigureOut">
               <a:rPr lang="en-US" smtClean="0"/>
               <a:t>11/3/24</a:t>
             </a:fld>
@@ -317,7 +625,13 @@
       </p:sp>
       <p:sp>
         <p:nvSpPr>
-          <p:cNvPr id="5" name="Footer Placeholder 4"/>
+          <p:cNvPr id="5" name="Footer Placeholder 4">
+            <a:extLst>
+              <a:ext uri="{FF2B5EF4-FFF2-40B4-BE49-F238E27FC236}">
+                <a16:creationId xmlns:a16="http://schemas.microsoft.com/office/drawing/2014/main" id="{7AB6191C-DD78-3657-D8CA-7E9C1E5D3811}"/>
+              </a:ext>
+            </a:extLst>
+          </p:cNvPr>
           <p:cNvSpPr>
             <a:spLocks noGrp="1"/>
           </p:cNvSpPr>
@@ -336,7 +650,13 @@
       </p:sp>
       <p:sp>
         <p:nvSpPr>
-          <p:cNvPr id="6" name="Slide Number Placeholder 5"/>
+          <p:cNvPr id="6" name="Slide Number Placeholder 5">
+            <a:extLst>
+              <a:ext uri="{FF2B5EF4-FFF2-40B4-BE49-F238E27FC236}">
+                <a16:creationId xmlns:a16="http://schemas.microsoft.com/office/drawing/2014/main" id="{B9EFA9E1-D48C-00E1-A09B-05D81168A4DD}"/>
+              </a:ext>
+            </a:extLst>
+          </p:cNvPr>
           <p:cNvSpPr>
             <a:spLocks noGrp="1"/>
           </p:cNvSpPr>
@@ -349,7 +669,7 @@
           <a:bodyPr/>
           <a:lstStyle/>
           <a:p>
-            <a:fld id="{C1FF6DA9-008F-8B48-92A6-B652298478BF}" type="slidenum">
+            <a:fld id="{9AD09F3C-134B-6540-A1A0-1AA7CAF26D93}" type="slidenum">
               <a:rPr lang="en-US" smtClean="0"/>
               <a:t>‹#›</a:t>
             </a:fld>
@@ -360,7 +680,7 @@
     </p:spTree>
     <p:extLst>
       <p:ext uri="{BB962C8B-B14F-4D97-AF65-F5344CB8AC3E}">
-        <p14:creationId xmlns:p14="http://schemas.microsoft.com/office/powerpoint/2010/main" val="3168075583"/>
+        <p14:creationId xmlns:p14="http://schemas.microsoft.com/office/powerpoint/2010/main" val="682551708"/>
       </p:ext>
     </p:extLst>
   </p:cSld>
@@ -389,7 +709,13 @@
       </p:grpSpPr>
       <p:sp>
         <p:nvSpPr>
-          <p:cNvPr id="2" name="Title 1"/>
+          <p:cNvPr id="2" name="Title 1">
+            <a:extLst>
+              <a:ext uri="{FF2B5EF4-FFF2-40B4-BE49-F238E27FC236}">
+                <a16:creationId xmlns:a16="http://schemas.microsoft.com/office/drawing/2014/main" id="{78103AB3-AABE-B40E-FB14-3C87940241B0}"/>
+              </a:ext>
+            </a:extLst>
+          </p:cNvPr>
           <p:cNvSpPr>
             <a:spLocks noGrp="1"/>
           </p:cNvSpPr>
@@ -403,15 +729,22 @@
           <a:lstStyle/>
           <a:p>
             <a:r>
-              <a:rPr lang="en-US"/>
+              <a:rPr lang="en-GB"/>
               <a:t>Click to edit Master title style</a:t>
             </a:r>
-          </a:p>
-        </p:txBody>
-      </p:sp>
-      <p:sp>
-        <p:nvSpPr>
-          <p:cNvPr id="3" name="Vertical Text Placeholder 2"/>
+            <a:endParaRPr lang="en-US"/>
+          </a:p>
+        </p:txBody>
+      </p:sp>
+      <p:sp>
+        <p:nvSpPr>
+          <p:cNvPr id="3" name="Vertical Text Placeholder 2">
+            <a:extLst>
+              <a:ext uri="{FF2B5EF4-FFF2-40B4-BE49-F238E27FC236}">
+                <a16:creationId xmlns:a16="http://schemas.microsoft.com/office/drawing/2014/main" id="{74B27703-9733-97F6-FC36-FFDA1E63E47D}"/>
+              </a:ext>
+            </a:extLst>
+          </p:cNvPr>
           <p:cNvSpPr>
             <a:spLocks noGrp="1"/>
           </p:cNvSpPr>
@@ -426,43 +759,50 @@
           <a:p>
             <a:pPr lvl="0"/>
             <a:r>
-              <a:rPr lang="en-US"/>
+              <a:rPr lang="en-GB"/>
               <a:t>Click to edit Master text styles</a:t>
             </a:r>
           </a:p>
           <a:p>
             <a:pPr lvl="1"/>
             <a:r>
-              <a:rPr lang="en-US"/>
+              <a:rPr lang="en-GB"/>
               <a:t>Second level</a:t>
             </a:r>
           </a:p>
           <a:p>
             <a:pPr lvl="2"/>
             <a:r>
-              <a:rPr lang="en-US"/>
+              <a:rPr lang="en-GB"/>
               <a:t>Third level</a:t>
             </a:r>
           </a:p>
           <a:p>
             <a:pPr lvl="3"/>
             <a:r>
-              <a:rPr lang="en-US"/>
+              <a:rPr lang="en-GB"/>
               <a:t>Fourth level</a:t>
             </a:r>
           </a:p>
           <a:p>
             <a:pPr lvl="4"/>
             <a:r>
-              <a:rPr lang="en-US"/>
+              <a:rPr lang="en-GB"/>
               <a:t>Fifth level</a:t>
             </a:r>
-          </a:p>
-        </p:txBody>
-      </p:sp>
-      <p:sp>
-        <p:nvSpPr>
-          <p:cNvPr id="4" name="Date Placeholder 3"/>
+            <a:endParaRPr lang="en-US"/>
+          </a:p>
+        </p:txBody>
+      </p:sp>
+      <p:sp>
+        <p:nvSpPr>
+          <p:cNvPr id="4" name="Date Placeholder 3">
+            <a:extLst>
+              <a:ext uri="{FF2B5EF4-FFF2-40B4-BE49-F238E27FC236}">
+                <a16:creationId xmlns:a16="http://schemas.microsoft.com/office/drawing/2014/main" id="{F84130AC-BC09-784B-E546-60E9269394AD}"/>
+              </a:ext>
+            </a:extLst>
+          </p:cNvPr>
           <p:cNvSpPr>
             <a:spLocks noGrp="1"/>
           </p:cNvSpPr>
@@ -475,7 +815,7 @@
           <a:bodyPr/>
           <a:lstStyle/>
           <a:p>
-            <a:fld id="{5BCAD085-E8A6-8845-BD4E-CB4CCA059FC4}" type="datetimeFigureOut">
+            <a:fld id="{7C7E9CC2-F8D3-6047-97B4-E95E02B9DE73}" type="datetimeFigureOut">
               <a:rPr lang="en-US" smtClean="0"/>
               <a:t>11/3/24</a:t>
             </a:fld>
@@ -485,7 +825,13 @@
       </p:sp>
       <p:sp>
         <p:nvSpPr>
-          <p:cNvPr id="5" name="Footer Placeholder 4"/>
+          <p:cNvPr id="5" name="Footer Placeholder 4">
+            <a:extLst>
+              <a:ext uri="{FF2B5EF4-FFF2-40B4-BE49-F238E27FC236}">
+                <a16:creationId xmlns:a16="http://schemas.microsoft.com/office/drawing/2014/main" id="{20DE451D-47A9-541A-449A-2D8B19E4AFCF}"/>
+              </a:ext>
+            </a:extLst>
+          </p:cNvPr>
           <p:cNvSpPr>
             <a:spLocks noGrp="1"/>
           </p:cNvSpPr>
@@ -504,7 +850,13 @@
       </p:sp>
       <p:sp>
         <p:nvSpPr>
-          <p:cNvPr id="6" name="Slide Number Placeholder 5"/>
+          <p:cNvPr id="6" name="Slide Number Placeholder 5">
+            <a:extLst>
+              <a:ext uri="{FF2B5EF4-FFF2-40B4-BE49-F238E27FC236}">
+                <a16:creationId xmlns:a16="http://schemas.microsoft.com/office/drawing/2014/main" id="{616A186C-1B20-15E4-1994-242769539D9E}"/>
+              </a:ext>
+            </a:extLst>
+          </p:cNvPr>
           <p:cNvSpPr>
             <a:spLocks noGrp="1"/>
           </p:cNvSpPr>
@@ -517,7 +869,7 @@
           <a:bodyPr/>
           <a:lstStyle/>
           <a:p>
-            <a:fld id="{C1FF6DA9-008F-8B48-92A6-B652298478BF}" type="slidenum">
+            <a:fld id="{9AD09F3C-134B-6540-A1A0-1AA7CAF26D93}" type="slidenum">
               <a:rPr lang="en-US" smtClean="0"/>
               <a:t>‹#›</a:t>
             </a:fld>
@@ -528,7 +880,7 @@
     </p:spTree>
     <p:extLst>
       <p:ext uri="{BB962C8B-B14F-4D97-AF65-F5344CB8AC3E}">
-        <p14:creationId xmlns:p14="http://schemas.microsoft.com/office/powerpoint/2010/main" val="2910927964"/>
+        <p14:creationId xmlns:p14="http://schemas.microsoft.com/office/powerpoint/2010/main" val="3306992013"/>
       </p:ext>
     </p:extLst>
   </p:cSld>
@@ -557,7 +909,13 @@
       </p:grpSpPr>
       <p:sp>
         <p:nvSpPr>
-          <p:cNvPr id="2" name="Vertical Title 1"/>
+          <p:cNvPr id="2" name="Vertical Title 1">
+            <a:extLst>
+              <a:ext uri="{FF2B5EF4-FFF2-40B4-BE49-F238E27FC236}">
+                <a16:creationId xmlns:a16="http://schemas.microsoft.com/office/drawing/2014/main" id="{C76AEFC0-BC02-E367-9093-C353AF948C9C}"/>
+              </a:ext>
+            </a:extLst>
+          </p:cNvPr>
           <p:cNvSpPr>
             <a:spLocks noGrp="1"/>
           </p:cNvSpPr>
@@ -567,8 +925,8 @@
         </p:nvSpPr>
         <p:spPr>
           <a:xfrm>
-            <a:off x="6629400" y="274638"/>
-            <a:ext cx="2057400" cy="5851525"/>
+            <a:off x="8724900" y="365125"/>
+            <a:ext cx="2628900" cy="5811838"/>
           </a:xfrm>
         </p:spPr>
         <p:txBody>
@@ -576,15 +934,22 @@
           <a:lstStyle/>
           <a:p>
             <a:r>
-              <a:rPr lang="en-US"/>
+              <a:rPr lang="en-GB"/>
               <a:t>Click to edit Master title style</a:t>
             </a:r>
-          </a:p>
-        </p:txBody>
-      </p:sp>
-      <p:sp>
-        <p:nvSpPr>
-          <p:cNvPr id="3" name="Vertical Text Placeholder 2"/>
+            <a:endParaRPr lang="en-US"/>
+          </a:p>
+        </p:txBody>
+      </p:sp>
+      <p:sp>
+        <p:nvSpPr>
+          <p:cNvPr id="3" name="Vertical Text Placeholder 2">
+            <a:extLst>
+              <a:ext uri="{FF2B5EF4-FFF2-40B4-BE49-F238E27FC236}">
+                <a16:creationId xmlns:a16="http://schemas.microsoft.com/office/drawing/2014/main" id="{A920EA68-BFF7-3D93-2938-28BBE64B6151}"/>
+              </a:ext>
+            </a:extLst>
+          </p:cNvPr>
           <p:cNvSpPr>
             <a:spLocks noGrp="1"/>
           </p:cNvSpPr>
@@ -594,8 +959,8 @@
         </p:nvSpPr>
         <p:spPr>
           <a:xfrm>
-            <a:off x="457200" y="274638"/>
-            <a:ext cx="6019800" cy="5851525"/>
+            <a:off x="838200" y="365125"/>
+            <a:ext cx="7734300" cy="5811838"/>
           </a:xfrm>
         </p:spPr>
         <p:txBody>
@@ -604,43 +969,50 @@
           <a:p>
             <a:pPr lvl="0"/>
             <a:r>
-              <a:rPr lang="en-US"/>
+              <a:rPr lang="en-GB"/>
               <a:t>Click to edit Master text styles</a:t>
             </a:r>
           </a:p>
           <a:p>
             <a:pPr lvl="1"/>
             <a:r>
-              <a:rPr lang="en-US"/>
+              <a:rPr lang="en-GB"/>
               <a:t>Second level</a:t>
             </a:r>
           </a:p>
           <a:p>
             <a:pPr lvl="2"/>
             <a:r>
-              <a:rPr lang="en-US"/>
+              <a:rPr lang="en-GB"/>
               <a:t>Third level</a:t>
             </a:r>
           </a:p>
           <a:p>
             <a:pPr lvl="3"/>
             <a:r>
-              <a:rPr lang="en-US"/>
+              <a:rPr lang="en-GB"/>
               <a:t>Fourth level</a:t>
             </a:r>
           </a:p>
           <a:p>
             <a:pPr lvl="4"/>
             <a:r>
-              <a:rPr lang="en-US"/>
+              <a:rPr lang="en-GB"/>
               <a:t>Fifth level</a:t>
             </a:r>
-          </a:p>
-        </p:txBody>
-      </p:sp>
-      <p:sp>
-        <p:nvSpPr>
-          <p:cNvPr id="4" name="Date Placeholder 3"/>
+            <a:endParaRPr lang="en-US"/>
+          </a:p>
+        </p:txBody>
+      </p:sp>
+      <p:sp>
+        <p:nvSpPr>
+          <p:cNvPr id="4" name="Date Placeholder 3">
+            <a:extLst>
+              <a:ext uri="{FF2B5EF4-FFF2-40B4-BE49-F238E27FC236}">
+                <a16:creationId xmlns:a16="http://schemas.microsoft.com/office/drawing/2014/main" id="{6770E071-52F0-412C-AD41-83433D38DFC9}"/>
+              </a:ext>
+            </a:extLst>
+          </p:cNvPr>
           <p:cNvSpPr>
             <a:spLocks noGrp="1"/>
           </p:cNvSpPr>
@@ -653,7 +1025,7 @@
           <a:bodyPr/>
           <a:lstStyle/>
           <a:p>
-            <a:fld id="{5BCAD085-E8A6-8845-BD4E-CB4CCA059FC4}" type="datetimeFigureOut">
+            <a:fld id="{7C7E9CC2-F8D3-6047-97B4-E95E02B9DE73}" type="datetimeFigureOut">
               <a:rPr lang="en-US" smtClean="0"/>
               <a:t>11/3/24</a:t>
             </a:fld>
@@ -663,7 +1035,13 @@
       </p:sp>
       <p:sp>
         <p:nvSpPr>
-          <p:cNvPr id="5" name="Footer Placeholder 4"/>
+          <p:cNvPr id="5" name="Footer Placeholder 4">
+            <a:extLst>
+              <a:ext uri="{FF2B5EF4-FFF2-40B4-BE49-F238E27FC236}">
+                <a16:creationId xmlns:a16="http://schemas.microsoft.com/office/drawing/2014/main" id="{6A45C1B3-097A-46B5-8325-2D347C4FFBC8}"/>
+              </a:ext>
+            </a:extLst>
+          </p:cNvPr>
           <p:cNvSpPr>
             <a:spLocks noGrp="1"/>
           </p:cNvSpPr>
@@ -682,7 +1060,13 @@
       </p:sp>
       <p:sp>
         <p:nvSpPr>
-          <p:cNvPr id="6" name="Slide Number Placeholder 5"/>
+          <p:cNvPr id="6" name="Slide Number Placeholder 5">
+            <a:extLst>
+              <a:ext uri="{FF2B5EF4-FFF2-40B4-BE49-F238E27FC236}">
+                <a16:creationId xmlns:a16="http://schemas.microsoft.com/office/drawing/2014/main" id="{1B56B4FE-34FA-3FA0-0E45-EE050B3C4D3D}"/>
+              </a:ext>
+            </a:extLst>
+          </p:cNvPr>
           <p:cNvSpPr>
             <a:spLocks noGrp="1"/>
           </p:cNvSpPr>
@@ -695,7 +1079,7 @@
           <a:bodyPr/>
           <a:lstStyle/>
           <a:p>
-            <a:fld id="{C1FF6DA9-008F-8B48-92A6-B652298478BF}" type="slidenum">
+            <a:fld id="{9AD09F3C-134B-6540-A1A0-1AA7CAF26D93}" type="slidenum">
               <a:rPr lang="en-US" smtClean="0"/>
               <a:t>‹#›</a:t>
             </a:fld>
@@ -706,7 +1090,7 @@
     </p:spTree>
     <p:extLst>
       <p:ext uri="{BB962C8B-B14F-4D97-AF65-F5344CB8AC3E}">
-        <p14:creationId xmlns:p14="http://schemas.microsoft.com/office/powerpoint/2010/main" val="3612223792"/>
+        <p14:creationId xmlns:p14="http://schemas.microsoft.com/office/powerpoint/2010/main" val="1914560874"/>
       </p:ext>
     </p:extLst>
   </p:cSld>
@@ -735,7 +1119,13 @@
       </p:grpSpPr>
       <p:sp>
         <p:nvSpPr>
-          <p:cNvPr id="2" name="Title 1"/>
+          <p:cNvPr id="2" name="Title 1">
+            <a:extLst>
+              <a:ext uri="{FF2B5EF4-FFF2-40B4-BE49-F238E27FC236}">
+                <a16:creationId xmlns:a16="http://schemas.microsoft.com/office/drawing/2014/main" id="{44D94136-12F3-5395-DCFB-177690B6611E}"/>
+              </a:ext>
+            </a:extLst>
+          </p:cNvPr>
           <p:cNvSpPr>
             <a:spLocks noGrp="1"/>
           </p:cNvSpPr>
@@ -749,15 +1139,22 @@
           <a:lstStyle/>
           <a:p>
             <a:r>
-              <a:rPr lang="en-US"/>
+              <a:rPr lang="en-GB"/>
               <a:t>Click to edit Master title style</a:t>
             </a:r>
-          </a:p>
-        </p:txBody>
-      </p:sp>
-      <p:sp>
-        <p:nvSpPr>
-          <p:cNvPr id="3" name="Content Placeholder 2"/>
+            <a:endParaRPr lang="en-US"/>
+          </a:p>
+        </p:txBody>
+      </p:sp>
+      <p:sp>
+        <p:nvSpPr>
+          <p:cNvPr id="3" name="Content Placeholder 2">
+            <a:extLst>
+              <a:ext uri="{FF2B5EF4-FFF2-40B4-BE49-F238E27FC236}">
+                <a16:creationId xmlns:a16="http://schemas.microsoft.com/office/drawing/2014/main" id="{F4C6F560-F0C9-DF4A-E9DB-22B584A04800}"/>
+              </a:ext>
+            </a:extLst>
+          </p:cNvPr>
           <p:cNvSpPr>
             <a:spLocks noGrp="1"/>
           </p:cNvSpPr>
@@ -772,43 +1169,50 @@
           <a:p>
             <a:pPr lvl="0"/>
             <a:r>
-              <a:rPr lang="en-US"/>
+              <a:rPr lang="en-GB"/>
               <a:t>Click to edit Master text styles</a:t>
             </a:r>
           </a:p>
           <a:p>
             <a:pPr lvl="1"/>
             <a:r>
-              <a:rPr lang="en-US"/>
+              <a:rPr lang="en-GB"/>
               <a:t>Second level</a:t>
             </a:r>
           </a:p>
           <a:p>
             <a:pPr lvl="2"/>
             <a:r>
-              <a:rPr lang="en-US"/>
+              <a:rPr lang="en-GB"/>
               <a:t>Third level</a:t>
             </a:r>
           </a:p>
           <a:p>
             <a:pPr lvl="3"/>
             <a:r>
-              <a:rPr lang="en-US"/>
+              <a:rPr lang="en-GB"/>
               <a:t>Fourth level</a:t>
             </a:r>
           </a:p>
           <a:p>
             <a:pPr lvl="4"/>
             <a:r>
-              <a:rPr lang="en-US"/>
+              <a:rPr lang="en-GB"/>
               <a:t>Fifth level</a:t>
             </a:r>
-          </a:p>
-        </p:txBody>
-      </p:sp>
-      <p:sp>
-        <p:nvSpPr>
-          <p:cNvPr id="4" name="Date Placeholder 3"/>
+            <a:endParaRPr lang="en-US"/>
+          </a:p>
+        </p:txBody>
+      </p:sp>
+      <p:sp>
+        <p:nvSpPr>
+          <p:cNvPr id="4" name="Date Placeholder 3">
+            <a:extLst>
+              <a:ext uri="{FF2B5EF4-FFF2-40B4-BE49-F238E27FC236}">
+                <a16:creationId xmlns:a16="http://schemas.microsoft.com/office/drawing/2014/main" id="{30303C5A-7A11-2BB1-B1A7-D9AE1656EE80}"/>
+              </a:ext>
+            </a:extLst>
+          </p:cNvPr>
           <p:cNvSpPr>
             <a:spLocks noGrp="1"/>
           </p:cNvSpPr>
@@ -821,7 +1225,7 @@
           <a:bodyPr/>
           <a:lstStyle/>
           <a:p>
-            <a:fld id="{5BCAD085-E8A6-8845-BD4E-CB4CCA059FC4}" type="datetimeFigureOut">
+            <a:fld id="{7C7E9CC2-F8D3-6047-97B4-E95E02B9DE73}" type="datetimeFigureOut">
               <a:rPr lang="en-US" smtClean="0"/>
               <a:t>11/3/24</a:t>
             </a:fld>
@@ -831,7 +1235,13 @@
       </p:sp>
       <p:sp>
         <p:nvSpPr>
-          <p:cNvPr id="5" name="Footer Placeholder 4"/>
+          <p:cNvPr id="5" name="Footer Placeholder 4">
+            <a:extLst>
+              <a:ext uri="{FF2B5EF4-FFF2-40B4-BE49-F238E27FC236}">
+                <a16:creationId xmlns:a16="http://schemas.microsoft.com/office/drawing/2014/main" id="{9346A89B-CCC1-D130-8177-B043DA101291}"/>
+              </a:ext>
+            </a:extLst>
+          </p:cNvPr>
           <p:cNvSpPr>
             <a:spLocks noGrp="1"/>
           </p:cNvSpPr>
@@ -850,7 +1260,13 @@
       </p:sp>
       <p:sp>
         <p:nvSpPr>
-          <p:cNvPr id="6" name="Slide Number Placeholder 5"/>
+          <p:cNvPr id="6" name="Slide Number Placeholder 5">
+            <a:extLst>
+              <a:ext uri="{FF2B5EF4-FFF2-40B4-BE49-F238E27FC236}">
+                <a16:creationId xmlns:a16="http://schemas.microsoft.com/office/drawing/2014/main" id="{C11A4D06-7390-0707-C6FF-F317A911B8AC}"/>
+              </a:ext>
+            </a:extLst>
+          </p:cNvPr>
           <p:cNvSpPr>
             <a:spLocks noGrp="1"/>
           </p:cNvSpPr>
@@ -863,7 +1279,7 @@
           <a:bodyPr/>
           <a:lstStyle/>
           <a:p>
-            <a:fld id="{C1FF6DA9-008F-8B48-92A6-B652298478BF}" type="slidenum">
+            <a:fld id="{9AD09F3C-134B-6540-A1A0-1AA7CAF26D93}" type="slidenum">
               <a:rPr lang="en-US" smtClean="0"/>
               <a:t>‹#›</a:t>
             </a:fld>
@@ -874,7 +1290,7 @@
     </p:spTree>
     <p:extLst>
       <p:ext uri="{BB962C8B-B14F-4D97-AF65-F5344CB8AC3E}">
-        <p14:creationId xmlns:p14="http://schemas.microsoft.com/office/powerpoint/2010/main" val="2614314258"/>
+        <p14:creationId xmlns:p14="http://schemas.microsoft.com/office/powerpoint/2010/main" val="1411585747"/>
       </p:ext>
     </p:extLst>
   </p:cSld>
@@ -903,7 +1319,13 @@
       </p:grpSpPr>
       <p:sp>
         <p:nvSpPr>
-          <p:cNvPr id="2" name="Title 1"/>
+          <p:cNvPr id="2" name="Title 1">
+            <a:extLst>
+              <a:ext uri="{FF2B5EF4-FFF2-40B4-BE49-F238E27FC236}">
+                <a16:creationId xmlns:a16="http://schemas.microsoft.com/office/drawing/2014/main" id="{FE875A35-975A-5BCC-212F-E718EF9AB611}"/>
+              </a:ext>
+            </a:extLst>
+          </p:cNvPr>
           <p:cNvSpPr>
             <a:spLocks noGrp="1"/>
           </p:cNvSpPr>
@@ -913,28 +1335,35 @@
         </p:nvSpPr>
         <p:spPr>
           <a:xfrm>
-            <a:off x="722313" y="4406900"/>
-            <a:ext cx="7772400" cy="1362075"/>
+            <a:off x="831850" y="1709738"/>
+            <a:ext cx="10515600" cy="2852737"/>
           </a:xfrm>
         </p:spPr>
         <p:txBody>
-          <a:bodyPr anchor="t"/>
+          <a:bodyPr anchor="b"/>
           <a:lstStyle>
-            <a:lvl1pPr algn="l">
-              <a:defRPr sz="4000" b="1" cap="all"/>
+            <a:lvl1pPr>
+              <a:defRPr sz="6000"/>
             </a:lvl1pPr>
           </a:lstStyle>
           <a:p>
             <a:r>
-              <a:rPr lang="en-US"/>
+              <a:rPr lang="en-GB"/>
               <a:t>Click to edit Master title style</a:t>
             </a:r>
-          </a:p>
-        </p:txBody>
-      </p:sp>
-      <p:sp>
-        <p:nvSpPr>
-          <p:cNvPr id="3" name="Text Placeholder 2"/>
+            <a:endParaRPr lang="en-US"/>
+          </a:p>
+        </p:txBody>
+      </p:sp>
+      <p:sp>
+        <p:nvSpPr>
+          <p:cNvPr id="3" name="Text Placeholder 2">
+            <a:extLst>
+              <a:ext uri="{FF2B5EF4-FFF2-40B4-BE49-F238E27FC236}">
+                <a16:creationId xmlns:a16="http://schemas.microsoft.com/office/drawing/2014/main" id="{3A9144BC-50F1-05D8-8DAB-66CA434FFC16}"/>
+              </a:ext>
+            </a:extLst>
+          </p:cNvPr>
           <p:cNvSpPr>
             <a:spLocks noGrp="1"/>
           </p:cNvSpPr>
@@ -944,99 +1373,99 @@
         </p:nvSpPr>
         <p:spPr>
           <a:xfrm>
-            <a:off x="722313" y="2906713"/>
-            <a:ext cx="7772400" cy="1500187"/>
+            <a:off x="831850" y="4589463"/>
+            <a:ext cx="10515600" cy="1500187"/>
           </a:xfrm>
         </p:spPr>
         <p:txBody>
-          <a:bodyPr anchor="b"/>
+          <a:bodyPr/>
           <a:lstStyle>
             <a:lvl1pPr marL="0" indent="0">
               <a:buNone/>
-              <a:defRPr sz="2000">
+              <a:defRPr sz="2400">
                 <a:solidFill>
                   <a:schemeClr val="tx1">
-                    <a:tint val="75000"/>
+                    <a:tint val="82000"/>
                   </a:schemeClr>
                 </a:solidFill>
               </a:defRPr>
             </a:lvl1pPr>
             <a:lvl2pPr marL="457200" indent="0">
               <a:buNone/>
-              <a:defRPr sz="1800">
+              <a:defRPr sz="2000">
                 <a:solidFill>
                   <a:schemeClr val="tx1">
-                    <a:tint val="75000"/>
+                    <a:tint val="82000"/>
                   </a:schemeClr>
                 </a:solidFill>
               </a:defRPr>
             </a:lvl2pPr>
             <a:lvl3pPr marL="914400" indent="0">
               <a:buNone/>
-              <a:defRPr sz="1600">
+              <a:defRPr sz="1800">
                 <a:solidFill>
                   <a:schemeClr val="tx1">
-                    <a:tint val="75000"/>
+                    <a:tint val="82000"/>
                   </a:schemeClr>
                 </a:solidFill>
               </a:defRPr>
             </a:lvl3pPr>
             <a:lvl4pPr marL="1371600" indent="0">
               <a:buNone/>
-              <a:defRPr sz="1400">
+              <a:defRPr sz="1600">
                 <a:solidFill>
                   <a:schemeClr val="tx1">
-                    <a:tint val="75000"/>
+                    <a:tint val="82000"/>
                   </a:schemeClr>
                 </a:solidFill>
               </a:defRPr>
             </a:lvl4pPr>
             <a:lvl5pPr marL="1828800" indent="0">
               <a:buNone/>
-              <a:defRPr sz="1400">
+              <a:defRPr sz="1600">
                 <a:solidFill>
                   <a:schemeClr val="tx1">
-                    <a:tint val="75000"/>
+                    <a:tint val="82000"/>
                   </a:schemeClr>
                 </a:solidFill>
               </a:defRPr>
             </a:lvl5pPr>
             <a:lvl6pPr marL="2286000" indent="0">
               <a:buNone/>
-              <a:defRPr sz="1400">
+              <a:defRPr sz="1600">
                 <a:solidFill>
                   <a:schemeClr val="tx1">
-                    <a:tint val="75000"/>
+                    <a:tint val="82000"/>
                   </a:schemeClr>
                 </a:solidFill>
               </a:defRPr>
             </a:lvl6pPr>
             <a:lvl7pPr marL="2743200" indent="0">
               <a:buNone/>
-              <a:defRPr sz="1400">
+              <a:defRPr sz="1600">
                 <a:solidFill>
                   <a:schemeClr val="tx1">
-                    <a:tint val="75000"/>
+                    <a:tint val="82000"/>
                   </a:schemeClr>
                 </a:solidFill>
               </a:defRPr>
             </a:lvl7pPr>
             <a:lvl8pPr marL="3200400" indent="0">
               <a:buNone/>
-              <a:defRPr sz="1400">
+              <a:defRPr sz="1600">
                 <a:solidFill>
                   <a:schemeClr val="tx1">
-                    <a:tint val="75000"/>
+                    <a:tint val="82000"/>
                   </a:schemeClr>
                 </a:solidFill>
               </a:defRPr>
             </a:lvl8pPr>
             <a:lvl9pPr marL="3657600" indent="0">
               <a:buNone/>
-              <a:defRPr sz="1400">
+              <a:defRPr sz="1600">
                 <a:solidFill>
                   <a:schemeClr val="tx1">
-                    <a:tint val="75000"/>
+                    <a:tint val="82000"/>
                   </a:schemeClr>
                 </a:solidFill>
               </a:defRPr>
@@ -1045,7 +1474,7 @@
           <a:p>
             <a:pPr lvl="0"/>
             <a:r>
-              <a:rPr lang="en-US"/>
+              <a:rPr lang="en-GB"/>
               <a:t>Click to edit Master text styles</a:t>
             </a:r>
           </a:p>
@@ -1053,7 +1482,13 @@
       </p:sp>
       <p:sp>
         <p:nvSpPr>
-          <p:cNvPr id="4" name="Date Placeholder 3"/>
+          <p:cNvPr id="4" name="Date Placeholder 3">
+            <a:extLst>
+              <a:ext uri="{FF2B5EF4-FFF2-40B4-BE49-F238E27FC236}">
+                <a16:creationId xmlns:a16="http://schemas.microsoft.com/office/drawing/2014/main" id="{158F5195-D379-FB7D-839E-711E88753D80}"/>
+              </a:ext>
+            </a:extLst>
+          </p:cNvPr>
           <p:cNvSpPr>
             <a:spLocks noGrp="1"/>
           </p:cNvSpPr>
@@ -1066,7 +1501,7 @@
           <a:bodyPr/>
           <a:lstStyle/>
           <a:p>
-            <a:fld id="{5BCAD085-E8A6-8845-BD4E-CB4CCA059FC4}" type="datetimeFigureOut">
+            <a:fld id="{7C7E9CC2-F8D3-6047-97B4-E95E02B9DE73}" type="datetimeFigureOut">
               <a:rPr lang="en-US" smtClean="0"/>
               <a:t>11/3/24</a:t>
             </a:fld>
@@ -1076,7 +1511,13 @@
       </p:sp>
       <p:sp>
         <p:nvSpPr>
-          <p:cNvPr id="5" name="Footer Placeholder 4"/>
+          <p:cNvPr id="5" name="Footer Placeholder 4">
+            <a:extLst>
+              <a:ext uri="{FF2B5EF4-FFF2-40B4-BE49-F238E27FC236}">
+                <a16:creationId xmlns:a16="http://schemas.microsoft.com/office/drawing/2014/main" id="{9F9E54A3-AB42-D969-5B42-680F65656EBB}"/>
+              </a:ext>
+            </a:extLst>
+          </p:cNvPr>
           <p:cNvSpPr>
             <a:spLocks noGrp="1"/>
           </p:cNvSpPr>
@@ -1095,7 +1536,13 @@
       </p:sp>
       <p:sp>
         <p:nvSpPr>
-          <p:cNvPr id="6" name="Slide Number Placeholder 5"/>
+          <p:cNvPr id="6" name="Slide Number Placeholder 5">
+            <a:extLst>
+              <a:ext uri="{FF2B5EF4-FFF2-40B4-BE49-F238E27FC236}">
+                <a16:creationId xmlns:a16="http://schemas.microsoft.com/office/drawing/2014/main" id="{7A32EC0E-357F-CFF7-5C49-057B3E3A85E6}"/>
+              </a:ext>
+            </a:extLst>
+          </p:cNvPr>
           <p:cNvSpPr>
             <a:spLocks noGrp="1"/>
           </p:cNvSpPr>
@@ -1108,7 +1555,7 @@
           <a:bodyPr/>
           <a:lstStyle/>
           <a:p>
-            <a:fld id="{C1FF6DA9-008F-8B48-92A6-B652298478BF}" type="slidenum">
+            <a:fld id="{9AD09F3C-134B-6540-A1A0-1AA7CAF26D93}" type="slidenum">
               <a:rPr lang="en-US" smtClean="0"/>
               <a:t>‹#›</a:t>
             </a:fld>
@@ -1119,7 +1566,7 @@
     </p:spTree>
     <p:extLst>
       <p:ext uri="{BB962C8B-B14F-4D97-AF65-F5344CB8AC3E}">
-        <p14:creationId xmlns:p14="http://schemas.microsoft.com/office/powerpoint/2010/main" val="960648375"/>
+        <p14:creationId xmlns:p14="http://schemas.microsoft.com/office/powerpoint/2010/main" val="950274487"/>
       </p:ext>
     </p:extLst>
   </p:cSld>
@@ -1148,7 +1595,13 @@
       </p:grpSpPr>
       <p:sp>
         <p:nvSpPr>
-          <p:cNvPr id="2" name="Title 1"/>
+          <p:cNvPr id="2" name="Title 1">
+            <a:extLst>
+              <a:ext uri="{FF2B5EF4-FFF2-40B4-BE49-F238E27FC236}">
+                <a16:creationId xmlns:a16="http://schemas.microsoft.com/office/drawing/2014/main" id="{01A65BAB-4917-4565-2648-BEA1B49D742A}"/>
+              </a:ext>
+            </a:extLst>
+          </p:cNvPr>
           <p:cNvSpPr>
             <a:spLocks noGrp="1"/>
           </p:cNvSpPr>
@@ -1162,15 +1615,22 @@
           <a:lstStyle/>
           <a:p>
             <a:r>
-              <a:rPr lang="en-US"/>
+              <a:rPr lang="en-GB"/>
               <a:t>Click to edit Master title style</a:t>
             </a:r>
-          </a:p>
-        </p:txBody>
-      </p:sp>
-      <p:sp>
-        <p:nvSpPr>
-          <p:cNvPr id="3" name="Content Placeholder 2"/>
+            <a:endParaRPr lang="en-US"/>
+          </a:p>
+        </p:txBody>
+      </p:sp>
+      <p:sp>
+        <p:nvSpPr>
+          <p:cNvPr id="3" name="Content Placeholder 2">
+            <a:extLst>
+              <a:ext uri="{FF2B5EF4-FFF2-40B4-BE49-F238E27FC236}">
+                <a16:creationId xmlns:a16="http://schemas.microsoft.com/office/drawing/2014/main" id="{EC43F4DA-0AD3-C584-2467-0375A654F871}"/>
+              </a:ext>
+            </a:extLst>
+          </p:cNvPr>
           <p:cNvSpPr>
             <a:spLocks noGrp="1"/>
           </p:cNvSpPr>
@@ -1180,81 +1640,60 @@
         </p:nvSpPr>
         <p:spPr>
           <a:xfrm>
-            <a:off x="457200" y="1600200"/>
-            <a:ext cx="4038600" cy="4525963"/>
+            <a:off x="838200" y="1825625"/>
+            <a:ext cx="5181600" cy="4351338"/>
           </a:xfrm>
         </p:spPr>
         <p:txBody>
           <a:bodyPr/>
-          <a:lstStyle>
-            <a:lvl1pPr>
-              <a:defRPr sz="2800"/>
-            </a:lvl1pPr>
-            <a:lvl2pPr>
-              <a:defRPr sz="2400"/>
-            </a:lvl2pPr>
-            <a:lvl3pPr>
-              <a:defRPr sz="2000"/>
-            </a:lvl3pPr>
-            <a:lvl4pPr>
-              <a:defRPr sz="1800"/>
-            </a:lvl4pPr>
-            <a:lvl5pPr>
-              <a:defRPr sz="1800"/>
-            </a:lvl5pPr>
-            <a:lvl6pPr>
-              <a:defRPr sz="1800"/>
-            </a:lvl6pPr>
-            <a:lvl7pPr>
-              <a:defRPr sz="1800"/>
-            </a:lvl7pPr>
-            <a:lvl8pPr>
-              <a:defRPr sz="1800"/>
-            </a:lvl8pPr>
-            <a:lvl9pPr>
-              <a:defRPr sz="1800"/>
-            </a:lvl9pPr>
-          </a:lstStyle>
+          <a:lstStyle/>
           <a:p>
             <a:pPr lvl="0"/>
             <a:r>
-              <a:rPr lang="en-US"/>
+              <a:rPr lang="en-GB"/>
               <a:t>Click to edit Master text styles</a:t>
             </a:r>
           </a:p>
           <a:p>
             <a:pPr lvl="1"/>
             <a:r>
-              <a:rPr lang="en-US"/>
+              <a:rPr lang="en-GB"/>
               <a:t>Second level</a:t>
             </a:r>
           </a:p>
           <a:p>
             <a:pPr lvl="2"/>
             <a:r>
-              <a:rPr lang="en-US"/>
+              <a:rPr lang="en-GB"/>
               <a:t>Third level</a:t>
             </a:r>
           </a:p>
           <a:p>
             <a:pPr lvl="3"/>
             <a:r>
-              <a:rPr lang="en-US"/>
+              <a:rPr lang="en-GB"/>
               <a:t>Fourth level</a:t>
             </a:r>
           </a:p>
           <a:p>
             <a:pPr lvl="4"/>
             <a:r>
-              <a:rPr lang="en-US"/>
+              <a:rPr lang="en-GB"/>
               <a:t>Fifth level</a:t>
             </a:r>
-          </a:p>
-        </p:txBody>
-      </p:sp>
-      <p:sp>
-        <p:nvSpPr>
-          <p:cNvPr id="4" name="Content Placeholder 3"/>
+            <a:endParaRPr lang="en-US"/>
+          </a:p>
+        </p:txBody>
+      </p:sp>
+      <p:sp>
+        <p:nvSpPr>
+          <p:cNvPr id="4" name="Content Placeholder 3">
+            <a:extLst>
+              <a:ext uri="{FF2B5EF4-FFF2-40B4-BE49-F238E27FC236}">
+                <a16:creationId xmlns:a16="http://schemas.microsoft.com/office/drawing/2014/main" id="{714A778E-E039-AB40-8C1E-9BD27DCF075B}"/>
+              </a:ext>
+            </a:extLst>
+          </p:cNvPr>
           <p:cNvSpPr>
             <a:spLocks noGrp="1"/>
           </p:cNvSpPr>
@@ -1264,81 +1703,60 @@
         </p:nvSpPr>
         <p:spPr>
           <a:xfrm>
-            <a:off x="4648200" y="1600200"/>
-            <a:ext cx="4038600" cy="4525963"/>
+            <a:off x="6172200" y="1825625"/>
+            <a:ext cx="5181600" cy="4351338"/>
           </a:xfrm>
         </p:spPr>
         <p:txBody>
           <a:bodyPr/>
-          <a:lstStyle>
-            <a:lvl1pPr>
-              <a:defRPr sz="2800"/>
-            </a:lvl1pPr>
-            <a:lvl2pPr>
-              <a:defRPr sz="2400"/>
-            </a:lvl2pPr>
-            <a:lvl3pPr>
-              <a:defRPr sz="2000"/>
-            </a:lvl3pPr>
-            <a:lvl4pPr>
-              <a:defRPr sz="1800"/>
-            </a:lvl4pPr>
-            <a:lvl5pPr>
-              <a:defRPr sz="1800"/>
-            </a:lvl5pPr>
-            <a:lvl6pPr>
-              <a:defRPr sz="1800"/>
-            </a:lvl6pPr>
-            <a:lvl7pPr>
-              <a:defRPr sz="1800"/>
-            </a:lvl7pPr>
-            <a:lvl8pPr>
-              <a:defRPr sz="1800"/>
-            </a:lvl8pPr>
-            <a:lvl9pPr>
-              <a:defRPr sz="1800"/>
-            </a:lvl9pPr>
-          </a:lstStyle>
+          <a:lstStyle/>
           <a:p>
             <a:pPr lvl="0"/>
             <a:r>
-              <a:rPr lang="en-US"/>
+              <a:rPr lang="en-GB"/>
               <a:t>Click to edit Master text styles</a:t>
             </a:r>
           </a:p>
           <a:p>
             <a:pPr lvl="1"/>
             <a:r>
-              <a:rPr lang="en-US"/>
+              <a:rPr lang="en-GB"/>
               <a:t>Second level</a:t>
             </a:r>
           </a:p>
           <a:p>
             <a:pPr lvl="2"/>
             <a:r>
-              <a:rPr lang="en-US"/>
+              <a:rPr lang="en-GB"/>
               <a:t>Third level</a:t>
             </a:r>
           </a:p>
           <a:p>
             <a:pPr lvl="3"/>
             <a:r>
-              <a:rPr lang="en-US"/>
+              <a:rPr lang="en-GB"/>
               <a:t>Fourth level</a:t>
             </a:r>
           </a:p>
           <a:p>
             <a:pPr lvl="4"/>
             <a:r>
-              <a:rPr lang="en-US"/>
+              <a:rPr lang="en-GB"/>
               <a:t>Fifth level</a:t>
             </a:r>
-          </a:p>
-        </p:txBody>
-      </p:sp>
-      <p:sp>
-        <p:nvSpPr>
-          <p:cNvPr id="5" name="Date Placeholder 4"/>
+            <a:endParaRPr lang="en-US"/>
+          </a:p>
+        </p:txBody>
+      </p:sp>
+      <p:sp>
+        <p:nvSpPr>
+          <p:cNvPr id="5" name="Date Placeholder 4">
+            <a:extLst>
+              <a:ext uri="{FF2B5EF4-FFF2-40B4-BE49-F238E27FC236}">
+                <a16:creationId xmlns:a16="http://schemas.microsoft.com/office/drawing/2014/main" id="{B2ABAD52-74E6-FC12-A95C-322C3AC1ED93}"/>
+              </a:ext>
+            </a:extLst>
+          </p:cNvPr>
           <p:cNvSpPr>
             <a:spLocks noGrp="1"/>
           </p:cNvSpPr>
@@ -1351,7 +1769,7 @@
           <a:bodyPr/>
           <a:lstStyle/>
           <a:p>
-            <a:fld id="{5BCAD085-E8A6-8845-BD4E-CB4CCA059FC4}" type="datetimeFigureOut">
+            <a:fld id="{7C7E9CC2-F8D3-6047-97B4-E95E02B9DE73}" type="datetimeFigureOut">
               <a:rPr lang="en-US" smtClean="0"/>
               <a:t>11/3/24</a:t>
             </a:fld>
@@ -1361,7 +1779,13 @@
       </p:sp>
       <p:sp>
         <p:nvSpPr>
-          <p:cNvPr id="6" name="Footer Placeholder 5"/>
+          <p:cNvPr id="6" name="Footer Placeholder 5">
+            <a:extLst>
+              <a:ext uri="{FF2B5EF4-FFF2-40B4-BE49-F238E27FC236}">
+                <a16:creationId xmlns:a16="http://schemas.microsoft.com/office/drawing/2014/main" id="{EB520C66-06B8-B96B-6534-380EDAB99CE4}"/>
+              </a:ext>
+            </a:extLst>
+          </p:cNvPr>
           <p:cNvSpPr>
             <a:spLocks noGrp="1"/>
           </p:cNvSpPr>
@@ -1380,7 +1804,13 @@
       </p:sp>
       <p:sp>
         <p:nvSpPr>
-          <p:cNvPr id="7" name="Slide Number Placeholder 6"/>
+          <p:cNvPr id="7" name="Slide Number Placeholder 6">
+            <a:extLst>
+              <a:ext uri="{FF2B5EF4-FFF2-40B4-BE49-F238E27FC236}">
+                <a16:creationId xmlns:a16="http://schemas.microsoft.com/office/drawing/2014/main" id="{692024B0-8AAE-8088-F563-2AF9F405FF6C}"/>
+              </a:ext>
+            </a:extLst>
+          </p:cNvPr>
           <p:cNvSpPr>
             <a:spLocks noGrp="1"/>
           </p:cNvSpPr>
@@ -1393,7 +1823,7 @@
           <a:bodyPr/>
           <a:lstStyle/>
           <a:p>
-            <a:fld id="{C1FF6DA9-008F-8B48-92A6-B652298478BF}" type="slidenum">
+            <a:fld id="{9AD09F3C-134B-6540-A1A0-1AA7CAF26D93}" type="slidenum">
               <a:rPr lang="en-US" smtClean="0"/>
               <a:t>‹#›</a:t>
             </a:fld>
@@ -1404,7 +1834,7 @@
     </p:spTree>
     <p:extLst>
       <p:ext uri="{BB962C8B-B14F-4D97-AF65-F5344CB8AC3E}">
-        <p14:creationId xmlns:p14="http://schemas.microsoft.com/office/powerpoint/2010/main" val="2782244947"/>
+        <p14:creationId xmlns:p14="http://schemas.microsoft.com/office/powerpoint/2010/main" val="124474837"/>
       </p:ext>
     </p:extLst>
   </p:cSld>
@@ -1433,44 +1863,58 @@
       </p:grpSpPr>
       <p:sp>
         <p:nvSpPr>
-          <p:cNvPr id="2" name="Title 1"/>
+          <p:cNvPr id="2" name="Title 1">
+            <a:extLst>
+              <a:ext uri="{FF2B5EF4-FFF2-40B4-BE49-F238E27FC236}">
+                <a16:creationId xmlns:a16="http://schemas.microsoft.com/office/drawing/2014/main" id="{746EEBDB-3807-D54B-460E-EFA08CA39BAA}"/>
+              </a:ext>
+            </a:extLst>
+          </p:cNvPr>
           <p:cNvSpPr>
             <a:spLocks noGrp="1"/>
           </p:cNvSpPr>
           <p:nvPr>
             <p:ph type="title"/>
-          </p:nvPr>
-        </p:nvSpPr>
-        <p:spPr/>
-        <p:txBody>
-          <a:bodyPr/>
-          <a:lstStyle>
-            <a:lvl1pPr>
-              <a:defRPr/>
-            </a:lvl1pPr>
-          </a:lstStyle>
-          <a:p>
-            <a:r>
-              <a:rPr lang="en-US"/>
-              <a:t>Click to edit Master title style</a:t>
-            </a:r>
-          </a:p>
-        </p:txBody>
-      </p:sp>
-      <p:sp>
-        <p:nvSpPr>
-          <p:cNvPr id="3" name="Text Placeholder 2"/>
-          <p:cNvSpPr>
-            <a:spLocks noGrp="1"/>
-          </p:cNvSpPr>
-          <p:nvPr>
-            <p:ph type="body" idx="1"/>
           </p:nvPr>
         </p:nvSpPr>
         <p:spPr>
           <a:xfrm>
-            <a:off x="457200" y="1535113"/>
-            <a:ext cx="4040188" cy="639762"/>
+            <a:off x="839788" y="365125"/>
+            <a:ext cx="10515600" cy="1325563"/>
+          </a:xfrm>
+        </p:spPr>
+        <p:txBody>
+          <a:bodyPr/>
+          <a:lstStyle/>
+          <a:p>
+            <a:r>
+              <a:rPr lang="en-GB"/>
+              <a:t>Click to edit Master title style</a:t>
+            </a:r>
+            <a:endParaRPr lang="en-US"/>
+          </a:p>
+        </p:txBody>
+      </p:sp>
+      <p:sp>
+        <p:nvSpPr>
+          <p:cNvPr id="3" name="Text Placeholder 2">
+            <a:extLst>
+              <a:ext uri="{FF2B5EF4-FFF2-40B4-BE49-F238E27FC236}">
+                <a16:creationId xmlns:a16="http://schemas.microsoft.com/office/drawing/2014/main" id="{815E2DAC-845E-2577-BC44-FA1A9BD93D40}"/>
+              </a:ext>
+            </a:extLst>
+          </p:cNvPr>
+          <p:cNvSpPr>
+            <a:spLocks noGrp="1"/>
+          </p:cNvSpPr>
+          <p:nvPr>
+            <p:ph type="body" idx="1"/>
+          </p:nvPr>
+        </p:nvSpPr>
+        <p:spPr>
+          <a:xfrm>
+            <a:off x="839788" y="1681163"/>
+            <a:ext cx="5157787" cy="823912"/>
           </a:xfrm>
         </p:spPr>
         <p:txBody>
@@ -1516,7 +1960,7 @@
           <a:p>
             <a:pPr lvl="0"/>
             <a:r>
-              <a:rPr lang="en-US"/>
+              <a:rPr lang="en-GB"/>
               <a:t>Click to edit Master text styles</a:t>
             </a:r>
           </a:p>
@@ -1524,7 +1968,13 @@
       </p:sp>
       <p:sp>
         <p:nvSpPr>
-          <p:cNvPr id="4" name="Content Placeholder 3"/>
+          <p:cNvPr id="4" name="Content Placeholder 3">
+            <a:extLst>
+              <a:ext uri="{FF2B5EF4-FFF2-40B4-BE49-F238E27FC236}">
+                <a16:creationId xmlns:a16="http://schemas.microsoft.com/office/drawing/2014/main" id="{80143E8B-B5A2-883F-B2C4-0700901E4C7D}"/>
+              </a:ext>
+            </a:extLst>
+          </p:cNvPr>
           <p:cNvSpPr>
             <a:spLocks noGrp="1"/>
           </p:cNvSpPr>
@@ -1534,81 +1984,60 @@
         </p:nvSpPr>
         <p:spPr>
           <a:xfrm>
-            <a:off x="457200" y="2174875"/>
-            <a:ext cx="4040188" cy="3951288"/>
+            <a:off x="839788" y="2505075"/>
+            <a:ext cx="5157787" cy="3684588"/>
           </a:xfrm>
         </p:spPr>
         <p:txBody>
           <a:bodyPr/>
-          <a:lstStyle>
-            <a:lvl1pPr>
-              <a:defRPr sz="2400"/>
-            </a:lvl1pPr>
-            <a:lvl2pPr>
-              <a:defRPr sz="2000"/>
-            </a:lvl2pPr>
-            <a:lvl3pPr>
-              <a:defRPr sz="1800"/>
-            </a:lvl3pPr>
-            <a:lvl4pPr>
-              <a:defRPr sz="1600"/>
-            </a:lvl4pPr>
-            <a:lvl5pPr>
-              <a:defRPr sz="1600"/>
-            </a:lvl5pPr>
-            <a:lvl6pPr>
-              <a:defRPr sz="1600"/>
-            </a:lvl6pPr>
-            <a:lvl7pPr>
-              <a:defRPr sz="1600"/>
-            </a:lvl7pPr>
-            <a:lvl8pPr>
-              <a:defRPr sz="1600"/>
-            </a:lvl8pPr>
-            <a:lvl9pPr>
-              <a:defRPr sz="1600"/>
-            </a:lvl9pPr>
-          </a:lstStyle>
+          <a:lstStyle/>
           <a:p>
             <a:pPr lvl="0"/>
             <a:r>
-              <a:rPr lang="en-US"/>
+              <a:rPr lang="en-GB"/>
               <a:t>Click to edit Master text styles</a:t>
             </a:r>
           </a:p>
           <a:p>
             <a:pPr lvl="1"/>
             <a:r>
-              <a:rPr lang="en-US"/>
+              <a:rPr lang="en-GB"/>
               <a:t>Second level</a:t>
             </a:r>
           </a:p>
           <a:p>
             <a:pPr lvl="2"/>
             <a:r>
-              <a:rPr lang="en-US"/>
+              <a:rPr lang="en-GB"/>
               <a:t>Third level</a:t>
             </a:r>
           </a:p>
           <a:p>
             <a:pPr lvl="3"/>
             <a:r>
-              <a:rPr lang="en-US"/>
+              <a:rPr lang="en-GB"/>
               <a:t>Fourth level</a:t>
             </a:r>
           </a:p>
           <a:p>
             <a:pPr lvl="4"/>
             <a:r>
-              <a:rPr lang="en-US"/>
+              <a:rPr lang="en-GB"/>
               <a:t>Fifth level</a:t>
             </a:r>
-          </a:p>
-        </p:txBody>
-      </p:sp>
-      <p:sp>
-        <p:nvSpPr>
-          <p:cNvPr id="5" name="Text Placeholder 4"/>
+            <a:endParaRPr lang="en-US"/>
+          </a:p>
+        </p:txBody>
+      </p:sp>
+      <p:sp>
+        <p:nvSpPr>
+          <p:cNvPr id="5" name="Text Placeholder 4">
+            <a:extLst>
+              <a:ext uri="{FF2B5EF4-FFF2-40B4-BE49-F238E27FC236}">
+                <a16:creationId xmlns:a16="http://schemas.microsoft.com/office/drawing/2014/main" id="{33674735-B8A6-6EAA-0BEA-696F6AF5126B}"/>
+              </a:ext>
+            </a:extLst>
+          </p:cNvPr>
           <p:cNvSpPr>
             <a:spLocks noGrp="1"/>
           </p:cNvSpPr>
@@ -1618,8 +2047,8 @@
         </p:nvSpPr>
         <p:spPr>
           <a:xfrm>
-            <a:off x="4645025" y="1535113"/>
-            <a:ext cx="4041775" cy="639762"/>
+            <a:off x="6172200" y="1681163"/>
+            <a:ext cx="5183188" cy="823912"/>
           </a:xfrm>
         </p:spPr>
         <p:txBody>
@@ -1665,7 +2094,7 @@
           <a:p>
             <a:pPr lvl="0"/>
             <a:r>
-              <a:rPr lang="en-US"/>
+              <a:rPr lang="en-GB"/>
               <a:t>Click to edit Master text styles</a:t>
             </a:r>
           </a:p>
@@ -1673,7 +2102,13 @@
       </p:sp>
       <p:sp>
         <p:nvSpPr>
-          <p:cNvPr id="6" name="Content Placeholder 5"/>
+          <p:cNvPr id="6" name="Content Placeholder 5">
+            <a:extLst>
+              <a:ext uri="{FF2B5EF4-FFF2-40B4-BE49-F238E27FC236}">
+                <a16:creationId xmlns:a16="http://schemas.microsoft.com/office/drawing/2014/main" id="{9B7EB1DB-94CF-3027-0640-9E3DECA27B10}"/>
+              </a:ext>
+            </a:extLst>
+          </p:cNvPr>
           <p:cNvSpPr>
             <a:spLocks noGrp="1"/>
           </p:cNvSpPr>
@@ -1683,81 +2118,60 @@
         </p:nvSpPr>
         <p:spPr>
           <a:xfrm>
-            <a:off x="4645025" y="2174875"/>
-            <a:ext cx="4041775" cy="3951288"/>
+            <a:off x="6172200" y="2505075"/>
+            <a:ext cx="5183188" cy="3684588"/>
           </a:xfrm>
         </p:spPr>
         <p:txBody>
           <a:bodyPr/>
-          <a:lstStyle>
-            <a:lvl1pPr>
-              <a:defRPr sz="2400"/>
-            </a:lvl1pPr>
-            <a:lvl2pPr>
-              <a:defRPr sz="2000"/>
-            </a:lvl2pPr>
-            <a:lvl3pPr>
-              <a:defRPr sz="1800"/>
-            </a:lvl3pPr>
-            <a:lvl4pPr>
-              <a:defRPr sz="1600"/>
-            </a:lvl4pPr>
-            <a:lvl5pPr>
-              <a:defRPr sz="1600"/>
-            </a:lvl5pPr>
-            <a:lvl6pPr>
-              <a:defRPr sz="1600"/>
-            </a:lvl6pPr>
-            <a:lvl7pPr>
-              <a:defRPr sz="1600"/>
-            </a:lvl7pPr>
-            <a:lvl8pPr>
-              <a:defRPr sz="1600"/>
-            </a:lvl8pPr>
-            <a:lvl9pPr>
-              <a:defRPr sz="1600"/>
-            </a:lvl9pPr>
-          </a:lstStyle>
+          <a:lstStyle/>
           <a:p>
             <a:pPr lvl="0"/>
             <a:r>
-              <a:rPr lang="en-US"/>
+              <a:rPr lang="en-GB"/>
               <a:t>Click to edit Master text styles</a:t>
             </a:r>
           </a:p>
           <a:p>
             <a:pPr lvl="1"/>
             <a:r>
-              <a:rPr lang="en-US"/>
+              <a:rPr lang="en-GB"/>
               <a:t>Second level</a:t>
             </a:r>
           </a:p>
           <a:p>
             <a:pPr lvl="2"/>
             <a:r>
-              <a:rPr lang="en-US"/>
+              <a:rPr lang="en-GB"/>
               <a:t>Third level</a:t>
             </a:r>
           </a:p>
           <a:p>
             <a:pPr lvl="3"/>
             <a:r>
-              <a:rPr lang="en-US"/>
+              <a:rPr lang="en-GB"/>
               <a:t>Fourth level</a:t>
             </a:r>
           </a:p>
           <a:p>
             <a:pPr lvl="4"/>
             <a:r>
-              <a:rPr lang="en-US"/>
+              <a:rPr lang="en-GB"/>
               <a:t>Fifth level</a:t>
             </a:r>
-          </a:p>
-        </p:txBody>
-      </p:sp>
-      <p:sp>
-        <p:nvSpPr>
-          <p:cNvPr id="7" name="Date Placeholder 6"/>
+            <a:endParaRPr lang="en-US"/>
+          </a:p>
+        </p:txBody>
+      </p:sp>
+      <p:sp>
+        <p:nvSpPr>
+          <p:cNvPr id="7" name="Date Placeholder 6">
+            <a:extLst>
+              <a:ext uri="{FF2B5EF4-FFF2-40B4-BE49-F238E27FC236}">
+                <a16:creationId xmlns:a16="http://schemas.microsoft.com/office/drawing/2014/main" id="{031D6479-6BE6-3412-81D6-16C00C4C4D9E}"/>
+              </a:ext>
+            </a:extLst>
+          </p:cNvPr>
           <p:cNvSpPr>
             <a:spLocks noGrp="1"/>
           </p:cNvSpPr>
@@ -1770,7 +2184,7 @@
           <a:bodyPr/>
           <a:lstStyle/>
           <a:p>
-            <a:fld id="{5BCAD085-E8A6-8845-BD4E-CB4CCA059FC4}" type="datetimeFigureOut">
+            <a:fld id="{7C7E9CC2-F8D3-6047-97B4-E95E02B9DE73}" type="datetimeFigureOut">
               <a:rPr lang="en-US" smtClean="0"/>
               <a:t>11/3/24</a:t>
             </a:fld>
@@ -1780,7 +2194,13 @@
       </p:sp>
       <p:sp>
         <p:nvSpPr>
-          <p:cNvPr id="8" name="Footer Placeholder 7"/>
+          <p:cNvPr id="8" name="Footer Placeholder 7">
+            <a:extLst>
+              <a:ext uri="{FF2B5EF4-FFF2-40B4-BE49-F238E27FC236}">
+                <a16:creationId xmlns:a16="http://schemas.microsoft.com/office/drawing/2014/main" id="{70FE5F98-E1C1-9FB6-F648-8282EEAB0167}"/>
+              </a:ext>
+            </a:extLst>
+          </p:cNvPr>
           <p:cNvSpPr>
             <a:spLocks noGrp="1"/>
           </p:cNvSpPr>
@@ -1799,7 +2219,13 @@
       </p:sp>
       <p:sp>
         <p:nvSpPr>
-          <p:cNvPr id="9" name="Slide Number Placeholder 8"/>
+          <p:cNvPr id="9" name="Slide Number Placeholder 8">
+            <a:extLst>
+              <a:ext uri="{FF2B5EF4-FFF2-40B4-BE49-F238E27FC236}">
+                <a16:creationId xmlns:a16="http://schemas.microsoft.com/office/drawing/2014/main" id="{19496340-051F-0433-B5A8-DF8EA4D76F74}"/>
+              </a:ext>
+            </a:extLst>
+          </p:cNvPr>
           <p:cNvSpPr>
             <a:spLocks noGrp="1"/>
           </p:cNvSpPr>
@@ -1812,7 +2238,7 @@
           <a:bodyPr/>
           <a:lstStyle/>
           <a:p>
-            <a:fld id="{C1FF6DA9-008F-8B48-92A6-B652298478BF}" type="slidenum">
+            <a:fld id="{9AD09F3C-134B-6540-A1A0-1AA7CAF26D93}" type="slidenum">
               <a:rPr lang="en-US" smtClean="0"/>
               <a:t>‹#›</a:t>
             </a:fld>
@@ -1823,7 +2249,7 @@
     </p:spTree>
     <p:extLst>
       <p:ext uri="{BB962C8B-B14F-4D97-AF65-F5344CB8AC3E}">
-        <p14:creationId xmlns:p14="http://schemas.microsoft.com/office/powerpoint/2010/main" val="990158736"/>
+        <p14:creationId xmlns:p14="http://schemas.microsoft.com/office/powerpoint/2010/main" val="3968768902"/>
       </p:ext>
     </p:extLst>
   </p:cSld>
@@ -1852,7 +2278,13 @@
       </p:grpSpPr>
       <p:sp>
         <p:nvSpPr>
-          <p:cNvPr id="2" name="Title 1"/>
+          <p:cNvPr id="2" name="Title 1">
+            <a:extLst>
+              <a:ext uri="{FF2B5EF4-FFF2-40B4-BE49-F238E27FC236}">
+                <a16:creationId xmlns:a16="http://schemas.microsoft.com/office/drawing/2014/main" id="{7B91D7DF-48B6-BA50-D579-7D38E6B0BF74}"/>
+              </a:ext>
+            </a:extLst>
+          </p:cNvPr>
           <p:cNvSpPr>
             <a:spLocks noGrp="1"/>
           </p:cNvSpPr>
@@ -1866,15 +2298,22 @@
           <a:lstStyle/>
           <a:p>
             <a:r>
-              <a:rPr lang="en-US"/>
+              <a:rPr lang="en-GB"/>
               <a:t>Click to edit Master title style</a:t>
             </a:r>
-          </a:p>
-        </p:txBody>
-      </p:sp>
-      <p:sp>
-        <p:nvSpPr>
-          <p:cNvPr id="3" name="Date Placeholder 2"/>
+            <a:endParaRPr lang="en-US"/>
+          </a:p>
+        </p:txBody>
+      </p:sp>
+      <p:sp>
+        <p:nvSpPr>
+          <p:cNvPr id="3" name="Date Placeholder 2">
+            <a:extLst>
+              <a:ext uri="{FF2B5EF4-FFF2-40B4-BE49-F238E27FC236}">
+                <a16:creationId xmlns:a16="http://schemas.microsoft.com/office/drawing/2014/main" id="{E4E97CBC-97D9-01AC-EBFD-D80B573D121B}"/>
+              </a:ext>
+            </a:extLst>
+          </p:cNvPr>
           <p:cNvSpPr>
             <a:spLocks noGrp="1"/>
           </p:cNvSpPr>
@@ -1887,7 +2326,7 @@
           <a:bodyPr/>
           <a:lstStyle/>
           <a:p>
-            <a:fld id="{5BCAD085-E8A6-8845-BD4E-CB4CCA059FC4}" type="datetimeFigureOut">
+            <a:fld id="{7C7E9CC2-F8D3-6047-97B4-E95E02B9DE73}" type="datetimeFigureOut">
               <a:rPr lang="en-US" smtClean="0"/>
               <a:t>11/3/24</a:t>
             </a:fld>
@@ -1897,7 +2336,13 @@
       </p:sp>
       <p:sp>
         <p:nvSpPr>
-          <p:cNvPr id="4" name="Footer Placeholder 3"/>
+          <p:cNvPr id="4" name="Footer Placeholder 3">
+            <a:extLst>
+              <a:ext uri="{FF2B5EF4-FFF2-40B4-BE49-F238E27FC236}">
+                <a16:creationId xmlns:a16="http://schemas.microsoft.com/office/drawing/2014/main" id="{50C94943-21F8-0B8C-4C44-4EE48031D979}"/>
+              </a:ext>
+            </a:extLst>
+          </p:cNvPr>
           <p:cNvSpPr>
             <a:spLocks noGrp="1"/>
           </p:cNvSpPr>
@@ -1916,7 +2361,13 @@
       </p:sp>
       <p:sp>
         <p:nvSpPr>
-          <p:cNvPr id="5" name="Slide Number Placeholder 4"/>
+          <p:cNvPr id="5" name="Slide Number Placeholder 4">
+            <a:extLst>
+              <a:ext uri="{FF2B5EF4-FFF2-40B4-BE49-F238E27FC236}">
+                <a16:creationId xmlns:a16="http://schemas.microsoft.com/office/drawing/2014/main" id="{DEF30447-A207-7F91-E86A-D301A8017751}"/>
+              </a:ext>
+            </a:extLst>
+          </p:cNvPr>
           <p:cNvSpPr>
             <a:spLocks noGrp="1"/>
           </p:cNvSpPr>
@@ -1929,7 +2380,7 @@
           <a:bodyPr/>
           <a:lstStyle/>
           <a:p>
-            <a:fld id="{C1FF6DA9-008F-8B48-92A6-B652298478BF}" type="slidenum">
+            <a:fld id="{9AD09F3C-134B-6540-A1A0-1AA7CAF26D93}" type="slidenum">
               <a:rPr lang="en-US" smtClean="0"/>
               <a:t>‹#›</a:t>
             </a:fld>
@@ -1940,7 +2391,7 @@
     </p:spTree>
     <p:extLst>
       <p:ext uri="{BB962C8B-B14F-4D97-AF65-F5344CB8AC3E}">
-        <p14:creationId xmlns:p14="http://schemas.microsoft.com/office/powerpoint/2010/main" val="727027711"/>
+        <p14:creationId xmlns:p14="http://schemas.microsoft.com/office/powerpoint/2010/main" val="2365357609"/>
       </p:ext>
     </p:extLst>
   </p:cSld>
@@ -1969,7 +2420,13 @@
       </p:grpSpPr>
       <p:sp>
         <p:nvSpPr>
-          <p:cNvPr id="2" name="Date Placeholder 1"/>
+          <p:cNvPr id="2" name="Date Placeholder 1">
+            <a:extLst>
+              <a:ext uri="{FF2B5EF4-FFF2-40B4-BE49-F238E27FC236}">
+                <a16:creationId xmlns:a16="http://schemas.microsoft.com/office/drawing/2014/main" id="{4D6D76AA-9194-A4B4-F826-6838F3FE0A4E}"/>
+              </a:ext>
+            </a:extLst>
+          </p:cNvPr>
           <p:cNvSpPr>
             <a:spLocks noGrp="1"/>
           </p:cNvSpPr>
@@ -1982,7 +2439,7 @@
           <a:bodyPr/>
           <a:lstStyle/>
           <a:p>
-            <a:fld id="{5BCAD085-E8A6-8845-BD4E-CB4CCA059FC4}" type="datetimeFigureOut">
+            <a:fld id="{7C7E9CC2-F8D3-6047-97B4-E95E02B9DE73}" type="datetimeFigureOut">
               <a:rPr lang="en-US" smtClean="0"/>
               <a:t>11/3/24</a:t>
             </a:fld>
@@ -1992,7 +2449,13 @@
       </p:sp>
       <p:sp>
         <p:nvSpPr>
-          <p:cNvPr id="3" name="Footer Placeholder 2"/>
+          <p:cNvPr id="3" name="Footer Placeholder 2">
+            <a:extLst>
+              <a:ext uri="{FF2B5EF4-FFF2-40B4-BE49-F238E27FC236}">
+                <a16:creationId xmlns:a16="http://schemas.microsoft.com/office/drawing/2014/main" id="{8398E4F3-3991-CA17-B56C-CA97BB60FF00}"/>
+              </a:ext>
+            </a:extLst>
+          </p:cNvPr>
           <p:cNvSpPr>
             <a:spLocks noGrp="1"/>
           </p:cNvSpPr>
@@ -2011,7 +2474,13 @@
       </p:sp>
       <p:sp>
         <p:nvSpPr>
-          <p:cNvPr id="4" name="Slide Number Placeholder 3"/>
+          <p:cNvPr id="4" name="Slide Number Placeholder 3">
+            <a:extLst>
+              <a:ext uri="{FF2B5EF4-FFF2-40B4-BE49-F238E27FC236}">
+                <a16:creationId xmlns:a16="http://schemas.microsoft.com/office/drawing/2014/main" id="{D98B9456-9B7F-BA9F-3E3A-250720D57850}"/>
+              </a:ext>
+            </a:extLst>
+          </p:cNvPr>
           <p:cNvSpPr>
             <a:spLocks noGrp="1"/>
           </p:cNvSpPr>
@@ -2024,7 +2493,7 @@
           <a:bodyPr/>
           <a:lstStyle/>
           <a:p>
-            <a:fld id="{C1FF6DA9-008F-8B48-92A6-B652298478BF}" type="slidenum">
+            <a:fld id="{9AD09F3C-134B-6540-A1A0-1AA7CAF26D93}" type="slidenum">
               <a:rPr lang="en-US" smtClean="0"/>
               <a:t>‹#›</a:t>
             </a:fld>
@@ -2035,7 +2504,7 @@
     </p:spTree>
     <p:extLst>
       <p:ext uri="{BB962C8B-B14F-4D97-AF65-F5344CB8AC3E}">
-        <p14:creationId xmlns:p14="http://schemas.microsoft.com/office/powerpoint/2010/main" val="1212999818"/>
+        <p14:creationId xmlns:p14="http://schemas.microsoft.com/office/powerpoint/2010/main" val="531670082"/>
       </p:ext>
     </p:extLst>
   </p:cSld>
@@ -2064,7 +2533,13 @@
       </p:grpSpPr>
       <p:sp>
         <p:nvSpPr>
-          <p:cNvPr id="2" name="Title 1"/>
+          <p:cNvPr id="2" name="Title 1">
+            <a:extLst>
+              <a:ext uri="{FF2B5EF4-FFF2-40B4-BE49-F238E27FC236}">
+                <a16:creationId xmlns:a16="http://schemas.microsoft.com/office/drawing/2014/main" id="{6F210210-48FB-A01C-BB76-D60092B4E22B}"/>
+              </a:ext>
+            </a:extLst>
+          </p:cNvPr>
           <p:cNvSpPr>
             <a:spLocks noGrp="1"/>
           </p:cNvSpPr>
@@ -2074,28 +2549,35 @@
         </p:nvSpPr>
         <p:spPr>
           <a:xfrm>
-            <a:off x="457200" y="273050"/>
-            <a:ext cx="3008313" cy="1162050"/>
+            <a:off x="839788" y="457200"/>
+            <a:ext cx="3932237" cy="1600200"/>
           </a:xfrm>
         </p:spPr>
         <p:txBody>
           <a:bodyPr anchor="b"/>
           <a:lstStyle>
-            <a:lvl1pPr algn="l">
-              <a:defRPr sz="2000" b="1"/>
+            <a:lvl1pPr>
+              <a:defRPr sz="3200"/>
             </a:lvl1pPr>
           </a:lstStyle>
           <a:p>
             <a:r>
-              <a:rPr lang="en-US"/>
+              <a:rPr lang="en-GB"/>
               <a:t>Click to edit Master title style</a:t>
             </a:r>
-          </a:p>
-        </p:txBody>
-      </p:sp>
-      <p:sp>
-        <p:nvSpPr>
-          <p:cNvPr id="3" name="Content Placeholder 2"/>
+            <a:endParaRPr lang="en-US"/>
+          </a:p>
+        </p:txBody>
+      </p:sp>
+      <p:sp>
+        <p:nvSpPr>
+          <p:cNvPr id="3" name="Content Placeholder 2">
+            <a:extLst>
+              <a:ext uri="{FF2B5EF4-FFF2-40B4-BE49-F238E27FC236}">
+                <a16:creationId xmlns:a16="http://schemas.microsoft.com/office/drawing/2014/main" id="{3D8EF649-0A7B-191E-68C5-0BA5C7B01274}"/>
+              </a:ext>
+            </a:extLst>
+          </p:cNvPr>
           <p:cNvSpPr>
             <a:spLocks noGrp="1"/>
           </p:cNvSpPr>
@@ -2105,8 +2587,8 @@
         </p:nvSpPr>
         <p:spPr>
           <a:xfrm>
-            <a:off x="3575050" y="273050"/>
-            <a:ext cx="5111750" cy="5853113"/>
+            <a:off x="5183188" y="987425"/>
+            <a:ext cx="6172200" cy="4873625"/>
           </a:xfrm>
         </p:spPr>
         <p:txBody>
@@ -2143,43 +2625,50 @@
           <a:p>
             <a:pPr lvl="0"/>
             <a:r>
-              <a:rPr lang="en-US"/>
+              <a:rPr lang="en-GB"/>
               <a:t>Click to edit Master text styles</a:t>
             </a:r>
           </a:p>
           <a:p>
             <a:pPr lvl="1"/>
             <a:r>
-              <a:rPr lang="en-US"/>
+              <a:rPr lang="en-GB"/>
               <a:t>Second level</a:t>
             </a:r>
           </a:p>
           <a:p>
             <a:pPr lvl="2"/>
             <a:r>
-              <a:rPr lang="en-US"/>
+              <a:rPr lang="en-GB"/>
               <a:t>Third level</a:t>
             </a:r>
           </a:p>
           <a:p>
             <a:pPr lvl="3"/>
             <a:r>
-              <a:rPr lang="en-US"/>
+              <a:rPr lang="en-GB"/>
               <a:t>Fourth level</a:t>
             </a:r>
           </a:p>
           <a:p>
             <a:pPr lvl="4"/>
             <a:r>
-              <a:rPr lang="en-US"/>
+              <a:rPr lang="en-GB"/>
               <a:t>Fifth level</a:t>
             </a:r>
-          </a:p>
-        </p:txBody>
-      </p:sp>
-      <p:sp>
-        <p:nvSpPr>
-          <p:cNvPr id="4" name="Text Placeholder 3"/>
+            <a:endParaRPr lang="en-US"/>
+          </a:p>
+        </p:txBody>
+      </p:sp>
+      <p:sp>
+        <p:nvSpPr>
+          <p:cNvPr id="4" name="Text Placeholder 3">
+            <a:extLst>
+              <a:ext uri="{FF2B5EF4-FFF2-40B4-BE49-F238E27FC236}">
+                <a16:creationId xmlns:a16="http://schemas.microsoft.com/office/drawing/2014/main" id="{72250439-9BEF-8CD2-2615-2674243E0CA9}"/>
+              </a:ext>
+            </a:extLst>
+          </p:cNvPr>
           <p:cNvSpPr>
             <a:spLocks noGrp="1"/>
           </p:cNvSpPr>
@@ -2189,8 +2678,8 @@
         </p:nvSpPr>
         <p:spPr>
           <a:xfrm>
-            <a:off x="457200" y="1435100"/>
-            <a:ext cx="3008313" cy="4691063"/>
+            <a:off x="839788" y="2057400"/>
+            <a:ext cx="3932237" cy="3811588"/>
           </a:xfrm>
         </p:spPr>
         <p:txBody>
@@ -2198,45 +2687,45 @@
           <a:lstStyle>
             <a:lvl1pPr marL="0" indent="0">
               <a:buNone/>
-              <a:defRPr sz="1400"/>
+              <a:defRPr sz="1600"/>
             </a:lvl1pPr>
             <a:lvl2pPr marL="457200" indent="0">
               <a:buNone/>
-              <a:defRPr sz="1200"/>
+              <a:defRPr sz="1400"/>
             </a:lvl2pPr>
             <a:lvl3pPr marL="914400" indent="0">
               <a:buNone/>
-              <a:defRPr sz="1000"/>
+              <a:defRPr sz="1200"/>
             </a:lvl3pPr>
             <a:lvl4pPr marL="1371600" indent="0">
               <a:buNone/>
-              <a:defRPr sz="900"/>
+              <a:defRPr sz="1000"/>
             </a:lvl4pPr>
             <a:lvl5pPr marL="1828800" indent="0">
               <a:buNone/>
-              <a:defRPr sz="900"/>
+              <a:defRPr sz="1000"/>
             </a:lvl5pPr>
             <a:lvl6pPr marL="2286000" indent="0">
               <a:buNone/>
-              <a:defRPr sz="900"/>
+              <a:defRPr sz="1000"/>
             </a:lvl6pPr>
             <a:lvl7pPr marL="2743200" indent="0">
               <a:buNone/>
-              <a:defRPr sz="900"/>
+              <a:defRPr sz="1000"/>
             </a:lvl7pPr>
             <a:lvl8pPr marL="3200400" indent="0">
               <a:buNone/>
-              <a:defRPr sz="900"/>
+              <a:defRPr sz="1000"/>
             </a:lvl8pPr>
             <a:lvl9pPr marL="3657600" indent="0">
               <a:buNone/>
-              <a:defRPr sz="900"/>
+              <a:defRPr sz="1000"/>
             </a:lvl9pPr>
           </a:lstStyle>
           <a:p>
             <a:pPr lvl="0"/>
             <a:r>
-              <a:rPr lang="en-US"/>
+              <a:rPr lang="en-GB"/>
               <a:t>Click to edit Master text styles</a:t>
             </a:r>
           </a:p>
@@ -2244,7 +2733,13 @@
       </p:sp>
       <p:sp>
         <p:nvSpPr>
-          <p:cNvPr id="5" name="Date Placeholder 4"/>
+          <p:cNvPr id="5" name="Date Placeholder 4">
+            <a:extLst>
+              <a:ext uri="{FF2B5EF4-FFF2-40B4-BE49-F238E27FC236}">
+                <a16:creationId xmlns:a16="http://schemas.microsoft.com/office/drawing/2014/main" id="{B14BB6BC-4CA9-4833-AC93-AA442F5F6269}"/>
+              </a:ext>
+            </a:extLst>
+          </p:cNvPr>
           <p:cNvSpPr>
             <a:spLocks noGrp="1"/>
           </p:cNvSpPr>
@@ -2257,7 +2752,7 @@
           <a:bodyPr/>
           <a:lstStyle/>
           <a:p>
-            <a:fld id="{5BCAD085-E8A6-8845-BD4E-CB4CCA059FC4}" type="datetimeFigureOut">
+            <a:fld id="{7C7E9CC2-F8D3-6047-97B4-E95E02B9DE73}" type="datetimeFigureOut">
               <a:rPr lang="en-US" smtClean="0"/>
               <a:t>11/3/24</a:t>
             </a:fld>
@@ -2267,7 +2762,13 @@
       </p:sp>
       <p:sp>
         <p:nvSpPr>
-          <p:cNvPr id="6" name="Footer Placeholder 5"/>
+          <p:cNvPr id="6" name="Footer Placeholder 5">
+            <a:extLst>
+              <a:ext uri="{FF2B5EF4-FFF2-40B4-BE49-F238E27FC236}">
+                <a16:creationId xmlns:a16="http://schemas.microsoft.com/office/drawing/2014/main" id="{19FD7A05-BC8D-8D44-3893-85208DEA4CF8}"/>
+              </a:ext>
+            </a:extLst>
+          </p:cNvPr>
           <p:cNvSpPr>
             <a:spLocks noGrp="1"/>
           </p:cNvSpPr>
@@ -2286,7 +2787,13 @@
       </p:sp>
       <p:sp>
         <p:nvSpPr>
-          <p:cNvPr id="7" name="Slide Number Placeholder 6"/>
+          <p:cNvPr id="7" name="Slide Number Placeholder 6">
+            <a:extLst>
+              <a:ext uri="{FF2B5EF4-FFF2-40B4-BE49-F238E27FC236}">
+                <a16:creationId xmlns:a16="http://schemas.microsoft.com/office/drawing/2014/main" id="{B549E0BF-CFE0-2E1D-B1D6-5F078A7DD84A}"/>
+              </a:ext>
+            </a:extLst>
+          </p:cNvPr>
           <p:cNvSpPr>
             <a:spLocks noGrp="1"/>
           </p:cNvSpPr>
@@ -2299,7 +2806,7 @@
           <a:bodyPr/>
           <a:lstStyle/>
           <a:p>
-            <a:fld id="{C1FF6DA9-008F-8B48-92A6-B652298478BF}" type="slidenum">
+            <a:fld id="{9AD09F3C-134B-6540-A1A0-1AA7CAF26D93}" type="slidenum">
               <a:rPr lang="en-US" smtClean="0"/>
               <a:t>‹#›</a:t>
             </a:fld>
@@ -2310,7 +2817,7 @@
     </p:spTree>
     <p:extLst>
       <p:ext uri="{BB962C8B-B14F-4D97-AF65-F5344CB8AC3E}">
-        <p14:creationId xmlns:p14="http://schemas.microsoft.com/office/powerpoint/2010/main" val="1840726560"/>
+        <p14:creationId xmlns:p14="http://schemas.microsoft.com/office/powerpoint/2010/main" val="1903439110"/>
       </p:ext>
     </p:extLst>
   </p:cSld>
@@ -2339,7 +2846,13 @@
       </p:grpSpPr>
       <p:sp>
         <p:nvSpPr>
-          <p:cNvPr id="2" name="Title 1"/>
+          <p:cNvPr id="2" name="Title 1">
+            <a:extLst>
+              <a:ext uri="{FF2B5EF4-FFF2-40B4-BE49-F238E27FC236}">
+                <a16:creationId xmlns:a16="http://schemas.microsoft.com/office/drawing/2014/main" id="{E396CC53-5C2D-1EAE-8CCE-30491165F29C}"/>
+              </a:ext>
+            </a:extLst>
+          </p:cNvPr>
           <p:cNvSpPr>
             <a:spLocks noGrp="1"/>
           </p:cNvSpPr>
@@ -2349,28 +2862,35 @@
         </p:nvSpPr>
         <p:spPr>
           <a:xfrm>
-            <a:off x="1792288" y="4800600"/>
-            <a:ext cx="5486400" cy="566738"/>
+            <a:off x="839788" y="457200"/>
+            <a:ext cx="3932237" cy="1600200"/>
           </a:xfrm>
         </p:spPr>
         <p:txBody>
           <a:bodyPr anchor="b"/>
           <a:lstStyle>
-            <a:lvl1pPr algn="l">
-              <a:defRPr sz="2000" b="1"/>
+            <a:lvl1pPr>
+              <a:defRPr sz="3200"/>
             </a:lvl1pPr>
           </a:lstStyle>
           <a:p>
             <a:r>
-              <a:rPr lang="en-US"/>
+              <a:rPr lang="en-GB"/>
               <a:t>Click to edit Master title style</a:t>
             </a:r>
-          </a:p>
-        </p:txBody>
-      </p:sp>
-      <p:sp>
-        <p:nvSpPr>
-          <p:cNvPr id="3" name="Picture Placeholder 2"/>
+            <a:endParaRPr lang="en-US"/>
+          </a:p>
+        </p:txBody>
+      </p:sp>
+      <p:sp>
+        <p:nvSpPr>
+          <p:cNvPr id="3" name="Picture Placeholder 2">
+            <a:extLst>
+              <a:ext uri="{FF2B5EF4-FFF2-40B4-BE49-F238E27FC236}">
+                <a16:creationId xmlns:a16="http://schemas.microsoft.com/office/drawing/2014/main" id="{1F378DAA-D8F5-0948-A528-A1FE5A800AF2}"/>
+              </a:ext>
+            </a:extLst>
+          </p:cNvPr>
           <p:cNvSpPr>
             <a:spLocks noGrp="1"/>
           </p:cNvSpPr>
@@ -2380,8 +2900,8 @@
         </p:nvSpPr>
         <p:spPr>
           <a:xfrm>
-            <a:off x="1792288" y="612775"/>
-            <a:ext cx="5486400" cy="4114800"/>
+            <a:off x="5183188" y="987425"/>
+            <a:ext cx="6172200" cy="4873625"/>
           </a:xfrm>
         </p:spPr>
         <p:txBody>
@@ -2431,7 +2951,13 @@
       </p:sp>
       <p:sp>
         <p:nvSpPr>
-          <p:cNvPr id="4" name="Text Placeholder 3"/>
+          <p:cNvPr id="4" name="Text Placeholder 3">
+            <a:extLst>
+              <a:ext uri="{FF2B5EF4-FFF2-40B4-BE49-F238E27FC236}">
+                <a16:creationId xmlns:a16="http://schemas.microsoft.com/office/drawing/2014/main" id="{7AC3E09D-4437-B8C4-E812-1D0BE0EA9FD2}"/>
+              </a:ext>
+            </a:extLst>
+          </p:cNvPr>
           <p:cNvSpPr>
             <a:spLocks noGrp="1"/>
           </p:cNvSpPr>
@@ -2441,8 +2967,8 @@
         </p:nvSpPr>
         <p:spPr>
           <a:xfrm>
-            <a:off x="1792288" y="5367338"/>
-            <a:ext cx="5486400" cy="804862"/>
+            <a:off x="839788" y="2057400"/>
+            <a:ext cx="3932237" cy="3811588"/>
           </a:xfrm>
         </p:spPr>
         <p:txBody>
@@ -2450,45 +2976,45 @@
           <a:lstStyle>
             <a:lvl1pPr marL="0" indent="0">
               <a:buNone/>
-              <a:defRPr sz="1400"/>
+              <a:defRPr sz="1600"/>
             </a:lvl1pPr>
             <a:lvl2pPr marL="457200" indent="0">
               <a:buNone/>
-              <a:defRPr sz="1200"/>
+              <a:defRPr sz="1400"/>
             </a:lvl2pPr>
             <a:lvl3pPr marL="914400" indent="0">
               <a:buNone/>
-              <a:defRPr sz="1000"/>
+              <a:defRPr sz="1200"/>
             </a:lvl3pPr>
             <a:lvl4pPr marL="1371600" indent="0">
               <a:buNone/>
-              <a:defRPr sz="900"/>
+              <a:defRPr sz="1000"/>
             </a:lvl4pPr>
             <a:lvl5pPr marL="1828800" indent="0">
               <a:buNone/>
-              <a:defRPr sz="900"/>
+              <a:defRPr sz="1000"/>
             </a:lvl5pPr>
             <a:lvl6pPr marL="2286000" indent="0">
               <a:buNone/>
-              <a:defRPr sz="900"/>
+              <a:defRPr sz="1000"/>
             </a:lvl6pPr>
             <a:lvl7pPr marL="2743200" indent="0">
               <a:buNone/>
-              <a:defRPr sz="900"/>
+              <a:defRPr sz="1000"/>
             </a:lvl7pPr>
             <a:lvl8pPr marL="3200400" indent="0">
               <a:buNone/>
-              <a:defRPr sz="900"/>
+              <a:defRPr sz="1000"/>
             </a:lvl8pPr>
             <a:lvl9pPr marL="3657600" indent="0">
               <a:buNone/>
-              <a:defRPr sz="900"/>
+              <a:defRPr sz="1000"/>
             </a:lvl9pPr>
           </a:lstStyle>
           <a:p>
             <a:pPr lvl="0"/>
             <a:r>
-              <a:rPr lang="en-US"/>
+              <a:rPr lang="en-GB"/>
               <a:t>Click to edit Master text styles</a:t>
             </a:r>
           </a:p>
@@ -2496,7 +3022,13 @@
       </p:sp>
       <p:sp>
         <p:nvSpPr>
-          <p:cNvPr id="5" name="Date Placeholder 4"/>
+          <p:cNvPr id="5" name="Date Placeholder 4">
+            <a:extLst>
+              <a:ext uri="{FF2B5EF4-FFF2-40B4-BE49-F238E27FC236}">
+                <a16:creationId xmlns:a16="http://schemas.microsoft.com/office/drawing/2014/main" id="{2853DD78-6F70-9005-EC62-C285776881FF}"/>
+              </a:ext>
+            </a:extLst>
+          </p:cNvPr>
           <p:cNvSpPr>
             <a:spLocks noGrp="1"/>
           </p:cNvSpPr>
@@ -2509,7 +3041,7 @@
           <a:bodyPr/>
           <a:lstStyle/>
           <a:p>
-            <a:fld id="{5BCAD085-E8A6-8845-BD4E-CB4CCA059FC4}" type="datetimeFigureOut">
+            <a:fld id="{7C7E9CC2-F8D3-6047-97B4-E95E02B9DE73}" type="datetimeFigureOut">
               <a:rPr lang="en-US" smtClean="0"/>
               <a:t>11/3/24</a:t>
             </a:fld>
@@ -2519,7 +3051,13 @@
       </p:sp>
       <p:sp>
         <p:nvSpPr>
-          <p:cNvPr id="6" name="Footer Placeholder 5"/>
+          <p:cNvPr id="6" name="Footer Placeholder 5">
+            <a:extLst>
+              <a:ext uri="{FF2B5EF4-FFF2-40B4-BE49-F238E27FC236}">
+                <a16:creationId xmlns:a16="http://schemas.microsoft.com/office/drawing/2014/main" id="{BD57CE1D-6801-46E8-04DB-7CB4C5B0A2BC}"/>
+              </a:ext>
+            </a:extLst>
+          </p:cNvPr>
           <p:cNvSpPr>
             <a:spLocks noGrp="1"/>
           </p:cNvSpPr>
@@ -2538,7 +3076,13 @@
       </p:sp>
       <p:sp>
         <p:nvSpPr>
-          <p:cNvPr id="7" name="Slide Number Placeholder 6"/>
+          <p:cNvPr id="7" name="Slide Number Placeholder 6">
+            <a:extLst>
+              <a:ext uri="{FF2B5EF4-FFF2-40B4-BE49-F238E27FC236}">
+                <a16:creationId xmlns:a16="http://schemas.microsoft.com/office/drawing/2014/main" id="{921B1BDC-4D40-57AA-FB54-19377A55F586}"/>
+              </a:ext>
+            </a:extLst>
+          </p:cNvPr>
           <p:cNvSpPr>
             <a:spLocks noGrp="1"/>
           </p:cNvSpPr>
@@ -2551,7 +3095,7 @@
           <a:bodyPr/>
           <a:lstStyle/>
           <a:p>
-            <a:fld id="{C1FF6DA9-008F-8B48-92A6-B652298478BF}" type="slidenum">
+            <a:fld id="{9AD09F3C-134B-6540-A1A0-1AA7CAF26D93}" type="slidenum">
               <a:rPr lang="en-US" smtClean="0"/>
               <a:t>‹#›</a:t>
             </a:fld>
@@ -2562,7 +3106,7 @@
     </p:spTree>
     <p:extLst>
       <p:ext uri="{BB962C8B-B14F-4D97-AF65-F5344CB8AC3E}">
-        <p14:creationId xmlns:p14="http://schemas.microsoft.com/office/powerpoint/2010/main" val="3889236939"/>
+        <p14:creationId xmlns:p14="http://schemas.microsoft.com/office/powerpoint/2010/main" val="1385044109"/>
       </p:ext>
     </p:extLst>
   </p:cSld>
@@ -2596,7 +3140,13 @@
       </p:grpSpPr>
       <p:sp>
         <p:nvSpPr>
-          <p:cNvPr id="2" name="Title Placeholder 1"/>
+          <p:cNvPr id="2" name="Title Placeholder 1">
+            <a:extLst>
+              <a:ext uri="{FF2B5EF4-FFF2-40B4-BE49-F238E27FC236}">
+                <a16:creationId xmlns:a16="http://schemas.microsoft.com/office/drawing/2014/main" id="{A0F8C2EF-B39E-9744-FEF8-BE8490E4A127}"/>
+              </a:ext>
+            </a:extLst>
+          </p:cNvPr>
           <p:cNvSpPr>
             <a:spLocks noGrp="1"/>
           </p:cNvSpPr>
@@ -2606,8 +3156,8 @@
         </p:nvSpPr>
         <p:spPr>
           <a:xfrm>
-            <a:off x="457200" y="274638"/>
-            <a:ext cx="8229600" cy="1143000"/>
+            <a:off x="838200" y="365125"/>
+            <a:ext cx="10515600" cy="1325563"/>
           </a:xfrm>
           <a:prstGeom prst="rect">
             <a:avLst/>
@@ -2620,15 +3170,22 @@
           <a:lstStyle/>
           <a:p>
             <a:r>
-              <a:rPr lang="en-US"/>
+              <a:rPr lang="en-GB"/>
               <a:t>Click to edit Master title style</a:t>
             </a:r>
-          </a:p>
-        </p:txBody>
-      </p:sp>
-      <p:sp>
-        <p:nvSpPr>
-          <p:cNvPr id="3" name="Text Placeholder 2"/>
+            <a:endParaRPr lang="en-US"/>
+          </a:p>
+        </p:txBody>
+      </p:sp>
+      <p:sp>
+        <p:nvSpPr>
+          <p:cNvPr id="3" name="Text Placeholder 2">
+            <a:extLst>
+              <a:ext uri="{FF2B5EF4-FFF2-40B4-BE49-F238E27FC236}">
+                <a16:creationId xmlns:a16="http://schemas.microsoft.com/office/drawing/2014/main" id="{981B3FE4-D0FB-CF00-B2CE-A1070DBBCD15}"/>
+              </a:ext>
+            </a:extLst>
+          </p:cNvPr>
           <p:cNvSpPr>
             <a:spLocks noGrp="1"/>
           </p:cNvSpPr>
@@ -2638,8 +3195,8 @@
         </p:nvSpPr>
         <p:spPr>
           <a:xfrm>
-            <a:off x="457200" y="1600200"/>
-            <a:ext cx="8229600" cy="4525963"/>
+            <a:off x="838200" y="1825625"/>
+            <a:ext cx="10515600" cy="4351338"/>
           </a:xfrm>
           <a:prstGeom prst="rect">
             <a:avLst/>
@@ -2653,43 +3210,50 @@
           <a:p>
             <a:pPr lvl="0"/>
             <a:r>
-              <a:rPr lang="en-US"/>
+              <a:rPr lang="en-GB"/>
               <a:t>Click to edit Master text styles</a:t>
             </a:r>
           </a:p>
           <a:p>
             <a:pPr lvl="1"/>
             <a:r>
-              <a:rPr lang="en-US"/>
+              <a:rPr lang="en-GB"/>
               <a:t>Second level</a:t>
             </a:r>
           </a:p>
           <a:p>
             <a:pPr lvl="2"/>
             <a:r>
-              <a:rPr lang="en-US"/>
+              <a:rPr lang="en-GB"/>
               <a:t>Third level</a:t>
             </a:r>
           </a:p>
           <a:p>
             <a:pPr lvl="3"/>
             <a:r>
-              <a:rPr lang="en-US"/>
+              <a:rPr lang="en-GB"/>
               <a:t>Fourth level</a:t>
             </a:r>
           </a:p>
           <a:p>
             <a:pPr lvl="4"/>
             <a:r>
-              <a:rPr lang="en-US"/>
+              <a:rPr lang="en-GB"/>
               <a:t>Fifth level</a:t>
             </a:r>
-          </a:p>
-        </p:txBody>
-      </p:sp>
-      <p:sp>
-        <p:nvSpPr>
-          <p:cNvPr id="4" name="Date Placeholder 3"/>
+            <a:endParaRPr lang="en-US"/>
+          </a:p>
+        </p:txBody>
+      </p:sp>
+      <p:sp>
+        <p:nvSpPr>
+          <p:cNvPr id="4" name="Date Placeholder 3">
+            <a:extLst>
+              <a:ext uri="{FF2B5EF4-FFF2-40B4-BE49-F238E27FC236}">
+                <a16:creationId xmlns:a16="http://schemas.microsoft.com/office/drawing/2014/main" id="{46B17E50-C528-2AA4-98BC-07BD02E1721F}"/>
+              </a:ext>
+            </a:extLst>
+          </p:cNvPr>
           <p:cNvSpPr>
             <a:spLocks noGrp="1"/>
           </p:cNvSpPr>
@@ -2699,8 +3263,8 @@
         </p:nvSpPr>
         <p:spPr>
           <a:xfrm>
-            <a:off x="457200" y="6356350"/>
-            <a:ext cx="2133600" cy="365125"/>
+            <a:off x="838200" y="6356350"/>
+            <a:ext cx="2743200" cy="365125"/>
           </a:xfrm>
           <a:prstGeom prst="rect">
             <a:avLst/>
@@ -2713,14 +3277,14 @@
               <a:defRPr sz="1200">
                 <a:solidFill>
                   <a:schemeClr val="tx1">
-                    <a:tint val="75000"/>
+                    <a:tint val="82000"/>
                   </a:schemeClr>
                 </a:solidFill>
               </a:defRPr>
             </a:lvl1pPr>
           </a:lstStyle>
           <a:p>
-            <a:fld id="{5BCAD085-E8A6-8845-BD4E-CB4CCA059FC4}" type="datetimeFigureOut">
+            <a:fld id="{7C7E9CC2-F8D3-6047-97B4-E95E02B9DE73}" type="datetimeFigureOut">
               <a:rPr lang="en-US" smtClean="0"/>
               <a:t>11/3/24</a:t>
             </a:fld>
@@ -2730,7 +3294,13 @@
       </p:sp>
       <p:sp>
         <p:nvSpPr>
-          <p:cNvPr id="5" name="Footer Placeholder 4"/>
+          <p:cNvPr id="5" name="Footer Placeholder 4">
+            <a:extLst>
+              <a:ext uri="{FF2B5EF4-FFF2-40B4-BE49-F238E27FC236}">
+                <a16:creationId xmlns:a16="http://schemas.microsoft.com/office/drawing/2014/main" id="{ED6A356F-8421-A372-D892-180BF0D7175A}"/>
+              </a:ext>
+            </a:extLst>
+          </p:cNvPr>
           <p:cNvSpPr>
             <a:spLocks noGrp="1"/>
           </p:cNvSpPr>
@@ -2740,8 +3310,8 @@
         </p:nvSpPr>
         <p:spPr>
           <a:xfrm>
-            <a:off x="3124200" y="6356350"/>
-            <a:ext cx="2895600" cy="365125"/>
+            <a:off x="4038600" y="6356350"/>
+            <a:ext cx="4114800" cy="365125"/>
           </a:xfrm>
           <a:prstGeom prst="rect">
             <a:avLst/>
@@ -2754,7 +3324,7 @@
               <a:defRPr sz="1200">
                 <a:solidFill>
                   <a:schemeClr val="tx1">
-                    <a:tint val="75000"/>
+                    <a:tint val="82000"/>
                   </a:schemeClr>
                 </a:solidFill>
               </a:defRPr>
@@ -2767,7 +3337,13 @@
       </p:sp>
       <p:sp>
         <p:nvSpPr>
-          <p:cNvPr id="6" name="Slide Number Placeholder 5"/>
+          <p:cNvPr id="6" name="Slide Number Placeholder 5">
+            <a:extLst>
+              <a:ext uri="{FF2B5EF4-FFF2-40B4-BE49-F238E27FC236}">
+                <a16:creationId xmlns:a16="http://schemas.microsoft.com/office/drawing/2014/main" id="{56B4C074-92DB-DF7E-09C9-6437B6E7E4CF}"/>
+              </a:ext>
+            </a:extLst>
+          </p:cNvPr>
           <p:cNvSpPr>
             <a:spLocks noGrp="1"/>
           </p:cNvSpPr>
@@ -2777,8 +3353,8 @@
         </p:nvSpPr>
         <p:spPr>
           <a:xfrm>
-            <a:off x="6553200" y="6356350"/>
-            <a:ext cx="2133600" cy="365125"/>
+            <a:off x="8610600" y="6356350"/>
+            <a:ext cx="2743200" cy="365125"/>
           </a:xfrm>
           <a:prstGeom prst="rect">
             <a:avLst/>
@@ -2791,14 +3367,14 @@
               <a:defRPr sz="1200">
                 <a:solidFill>
                   <a:schemeClr val="tx1">
-                    <a:tint val="75000"/>
+                    <a:tint val="82000"/>
                   </a:schemeClr>
                 </a:solidFill>
               </a:defRPr>
             </a:lvl1pPr>
           </a:lstStyle>
           <a:p>
-            <a:fld id="{C1FF6DA9-008F-8B48-92A6-B652298478BF}" type="slidenum">
+            <a:fld id="{9AD09F3C-134B-6540-A1A0-1AA7CAF26D93}" type="slidenum">
               <a:rPr lang="en-US" smtClean="0"/>
               <a:t>‹#›</a:t>
             </a:fld>
@@ -2809,7 +3385,7 @@
     </p:spTree>
     <p:extLst>
       <p:ext uri="{BB962C8B-B14F-4D97-AF65-F5344CB8AC3E}">
-        <p14:creationId xmlns:p14="http://schemas.microsoft.com/office/powerpoint/2010/main" val="2209977519"/>
+        <p14:creationId xmlns:p14="http://schemas.microsoft.com/office/powerpoint/2010/main" val="820787672"/>
       </p:ext>
     </p:extLst>
   </p:cSld>
@@ -2829,7 +3405,10 @@
   </p:sldLayoutIdLst>
   <p:txStyles>
     <p:titleStyle>
-      <a:lvl1pPr algn="ctr" defTabSz="457200" rtl="0" eaLnBrk="1" latinLnBrk="0" hangingPunct="1">
+      <a:lvl1pPr algn="l" defTabSz="914400" rtl="0" eaLnBrk="1" latinLnBrk="0" hangingPunct="1">
+        <a:lnSpc>
+          <a:spcPct val="90000"/>
+        </a:lnSpc>
         <a:spcBef>
           <a:spcPct val="0"/>
         </a:spcBef>
@@ -2845,13 +3424,16 @@
       </a:lvl1pPr>
     </p:titleStyle>
     <p:bodyStyle>
-      <a:lvl1pPr marL="342900" indent="-342900" algn="l" defTabSz="457200" rtl="0" eaLnBrk="1" latinLnBrk="0" hangingPunct="1">
+      <a:lvl1pPr marL="228600" indent="-228600" algn="l" defTabSz="914400" rtl="0" eaLnBrk="1" latinLnBrk="0" hangingPunct="1">
+        <a:lnSpc>
+          <a:spcPct val="90000"/>
+        </a:lnSpc>
         <a:spcBef>
-          <a:spcPct val="20000"/>
+          <a:spcPts val="1000"/>
         </a:spcBef>
-        <a:buFont typeface="Arial"/>
+        <a:buFont typeface="Arial" panose="020B0604020202020204" pitchFamily="34" charset="0"/>
         <a:buChar char="•"/>
-        <a:defRPr sz="3200" kern="1200">
+        <a:defRPr sz="2800" kern="1200">
           <a:solidFill>
             <a:schemeClr val="tx1"/>
           </a:solidFill>
@@ -2860,26 +3442,14 @@
           <a:cs typeface="+mn-cs"/>
         </a:defRPr>
       </a:lvl1pPr>
-      <a:lvl2pPr marL="742950" indent="-285750" algn="l" defTabSz="457200" rtl="0" eaLnBrk="1" latinLnBrk="0" hangingPunct="1">
+      <a:lvl2pPr marL="685800" indent="-228600" algn="l" defTabSz="914400" rtl="0" eaLnBrk="1" latinLnBrk="0" hangingPunct="1">
+        <a:lnSpc>
+          <a:spcPct val="90000"/>
+        </a:lnSpc>
         <a:spcBef>
-          <a:spcPct val="20000"/>
+          <a:spcPts val="500"/>
         </a:spcBef>
-        <a:buFont typeface="Arial"/>
-        <a:buChar char="–"/>
-        <a:defRPr sz="2800" kern="1200">
-          <a:solidFill>
-            <a:schemeClr val="tx1"/>
-          </a:solidFill>
-          <a:latin typeface="+mn-lt"/>
-          <a:ea typeface="+mn-ea"/>
-          <a:cs typeface="+mn-cs"/>
-        </a:defRPr>
-      </a:lvl2pPr>
-      <a:lvl3pPr marL="1143000" indent="-228600" algn="l" defTabSz="457200" rtl="0" eaLnBrk="1" latinLnBrk="0" hangingPunct="1">
-        <a:spcBef>
-          <a:spcPct val="20000"/>
-        </a:spcBef>
-        <a:buFont typeface="Arial"/>
+        <a:buFont typeface="Arial" panose="020B0604020202020204" pitchFamily="34" charset="0"/>
         <a:buChar char="•"/>
         <a:defRPr sz="2400" kern="1200">
           <a:solidFill>
@@ -2889,42 +3459,15 @@
           <a:ea typeface="+mn-ea"/>
           <a:cs typeface="+mn-cs"/>
         </a:defRPr>
-      </a:lvl3pPr>
-      <a:lvl4pPr marL="1600200" indent="-228600" algn="l" defTabSz="457200" rtl="0" eaLnBrk="1" latinLnBrk="0" hangingPunct="1">
+      </a:lvl2pPr>
+      <a:lvl3pPr marL="1143000" indent="-228600" algn="l" defTabSz="914400" rtl="0" eaLnBrk="1" latinLnBrk="0" hangingPunct="1">
+        <a:lnSpc>
+          <a:spcPct val="90000"/>
+        </a:lnSpc>
         <a:spcBef>
-          <a:spcPct val="20000"/>
+          <a:spcPts val="500"/>
         </a:spcBef>
-        <a:buFont typeface="Arial"/>
-        <a:buChar char="–"/>
-        <a:defRPr sz="2000" kern="1200">
-          <a:solidFill>
-            <a:schemeClr val="tx1"/>
-          </a:solidFill>
-          <a:latin typeface="+mn-lt"/>
-          <a:ea typeface="+mn-ea"/>
-          <a:cs typeface="+mn-cs"/>
-        </a:defRPr>
-      </a:lvl4pPr>
-      <a:lvl5pPr marL="2057400" indent="-228600" algn="l" defTabSz="457200" rtl="0" eaLnBrk="1" latinLnBrk="0" hangingPunct="1">
-        <a:spcBef>
-          <a:spcPct val="20000"/>
-        </a:spcBef>
-        <a:buFont typeface="Arial"/>
-        <a:buChar char="»"/>
-        <a:defRPr sz="2000" kern="1200">
-          <a:solidFill>
-            <a:schemeClr val="tx1"/>
-          </a:solidFill>
-          <a:latin typeface="+mn-lt"/>
-          <a:ea typeface="+mn-ea"/>
-          <a:cs typeface="+mn-cs"/>
-        </a:defRPr>
-      </a:lvl5pPr>
-      <a:lvl6pPr marL="2514600" indent="-228600" algn="l" defTabSz="457200" rtl="0" eaLnBrk="1" latinLnBrk="0" hangingPunct="1">
-        <a:spcBef>
-          <a:spcPct val="20000"/>
-        </a:spcBef>
-        <a:buFont typeface="Arial"/>
+        <a:buFont typeface="Arial" panose="020B0604020202020204" pitchFamily="34" charset="0"/>
         <a:buChar char="•"/>
         <a:defRPr sz="2000" kern="1200">
           <a:solidFill>
@@ -2934,14 +3477,71 @@
           <a:ea typeface="+mn-ea"/>
           <a:cs typeface="+mn-cs"/>
         </a:defRPr>
+      </a:lvl3pPr>
+      <a:lvl4pPr marL="1600200" indent="-228600" algn="l" defTabSz="914400" rtl="0" eaLnBrk="1" latinLnBrk="0" hangingPunct="1">
+        <a:lnSpc>
+          <a:spcPct val="90000"/>
+        </a:lnSpc>
+        <a:spcBef>
+          <a:spcPts val="500"/>
+        </a:spcBef>
+        <a:buFont typeface="Arial" panose="020B0604020202020204" pitchFamily="34" charset="0"/>
+        <a:buChar char="•"/>
+        <a:defRPr sz="1800" kern="1200">
+          <a:solidFill>
+            <a:schemeClr val="tx1"/>
+          </a:solidFill>
+          <a:latin typeface="+mn-lt"/>
+          <a:ea typeface="+mn-ea"/>
+          <a:cs typeface="+mn-cs"/>
+        </a:defRPr>
+      </a:lvl4pPr>
+      <a:lvl5pPr marL="2057400" indent="-228600" algn="l" defTabSz="914400" rtl="0" eaLnBrk="1" latinLnBrk="0" hangingPunct="1">
+        <a:lnSpc>
+          <a:spcPct val="90000"/>
+        </a:lnSpc>
+        <a:spcBef>
+          <a:spcPts val="500"/>
+        </a:spcBef>
+        <a:buFont typeface="Arial" panose="020B0604020202020204" pitchFamily="34" charset="0"/>
+        <a:buChar char="•"/>
+        <a:defRPr sz="1800" kern="1200">
+          <a:solidFill>
+            <a:schemeClr val="tx1"/>
+          </a:solidFill>
+          <a:latin typeface="+mn-lt"/>
+          <a:ea typeface="+mn-ea"/>
+          <a:cs typeface="+mn-cs"/>
+        </a:defRPr>
+      </a:lvl5pPr>
+      <a:lvl6pPr marL="2514600" indent="-228600" algn="l" defTabSz="914400" rtl="0" eaLnBrk="1" latinLnBrk="0" hangingPunct="1">
+        <a:lnSpc>
+          <a:spcPct val="90000"/>
+        </a:lnSpc>
+        <a:spcBef>
+          <a:spcPts val="500"/>
+        </a:spcBef>
+        <a:buFont typeface="Arial" panose="020B0604020202020204" pitchFamily="34" charset="0"/>
+        <a:buChar char="•"/>
+        <a:defRPr sz="1800" kern="1200">
+          <a:solidFill>
+            <a:schemeClr val="tx1"/>
+          </a:solidFill>
+          <a:latin typeface="+mn-lt"/>
+          <a:ea typeface="+mn-ea"/>
+          <a:cs typeface="+mn-cs"/>
+        </a:defRPr>
       </a:lvl6pPr>
-      <a:lvl7pPr marL="2971800" indent="-228600" algn="l" defTabSz="457200" rtl="0" eaLnBrk="1" latinLnBrk="0" hangingPunct="1">
+      <a:lvl7pPr marL="2971800" indent="-228600" algn="l" defTabSz="914400" rtl="0" eaLnBrk="1" latinLnBrk="0" hangingPunct="1">
+        <a:lnSpc>
+          <a:spcPct val="90000"/>
+        </a:lnSpc>
         <a:spcBef>
-          <a:spcPct val="20000"/>
+          <a:spcPts val="500"/>
         </a:spcBef>
-        <a:buFont typeface="Arial"/>
+        <a:buFont typeface="Arial" panose="020B0604020202020204" pitchFamily="34" charset="0"/>
         <a:buChar char="•"/>
-        <a:defRPr sz="2000" kern="1200">
+        <a:defRPr sz="1800" kern="1200">
           <a:solidFill>
             <a:schemeClr val="tx1"/>
           </a:solidFill>
@@ -2950,13 +3550,16 @@
           <a:cs typeface="+mn-cs"/>
         </a:defRPr>
       </a:lvl7pPr>
-      <a:lvl8pPr marL="3429000" indent="-228600" algn="l" defTabSz="457200" rtl="0" eaLnBrk="1" latinLnBrk="0" hangingPunct="1">
+      <a:lvl8pPr marL="3429000" indent="-228600" algn="l" defTabSz="914400" rtl="0" eaLnBrk="1" latinLnBrk="0" hangingPunct="1">
+        <a:lnSpc>
+          <a:spcPct val="90000"/>
+        </a:lnSpc>
         <a:spcBef>
-          <a:spcPct val="20000"/>
+          <a:spcPts val="500"/>
         </a:spcBef>
-        <a:buFont typeface="Arial"/>
+        <a:buFont typeface="Arial" panose="020B0604020202020204" pitchFamily="34" charset="0"/>
         <a:buChar char="•"/>
-        <a:defRPr sz="2000" kern="1200">
+        <a:defRPr sz="1800" kern="1200">
           <a:solidFill>
             <a:schemeClr val="tx1"/>
           </a:solidFill>
@@ -2965,13 +3568,16 @@
           <a:cs typeface="+mn-cs"/>
         </a:defRPr>
       </a:lvl8pPr>
-      <a:lvl9pPr marL="3886200" indent="-228600" algn="l" defTabSz="457200" rtl="0" eaLnBrk="1" latinLnBrk="0" hangingPunct="1">
+      <a:lvl9pPr marL="3886200" indent="-228600" algn="l" defTabSz="914400" rtl="0" eaLnBrk="1" latinLnBrk="0" hangingPunct="1">
+        <a:lnSpc>
+          <a:spcPct val="90000"/>
+        </a:lnSpc>
         <a:spcBef>
-          <a:spcPct val="20000"/>
+          <a:spcPts val="500"/>
         </a:spcBef>
-        <a:buFont typeface="Arial"/>
+        <a:buFont typeface="Arial" panose="020B0604020202020204" pitchFamily="34" charset="0"/>
         <a:buChar char="•"/>
-        <a:defRPr sz="2000" kern="1200">
+        <a:defRPr sz="1800" kern="1200">
           <a:solidFill>
             <a:schemeClr val="tx1"/>
           </a:solidFill>
@@ -2985,7 +3591,7 @@
       <a:defPPr>
         <a:defRPr lang="en-US"/>
       </a:defPPr>
-      <a:lvl1pPr marL="0" algn="l" defTabSz="457200" rtl="0" eaLnBrk="1" latinLnBrk="0" hangingPunct="1">
+      <a:lvl1pPr marL="0" algn="l" defTabSz="914400" rtl="0" eaLnBrk="1" latinLnBrk="0" hangingPunct="1">
         <a:defRPr sz="1800" kern="1200">
           <a:solidFill>
             <a:schemeClr val="tx1"/>
@@ -2995,7 +3601,7 @@
           <a:cs typeface="+mn-cs"/>
         </a:defRPr>
       </a:lvl1pPr>
-      <a:lvl2pPr marL="457200" algn="l" defTabSz="457200" rtl="0" eaLnBrk="1" latinLnBrk="0" hangingPunct="1">
+      <a:lvl2pPr marL="457200" algn="l" defTabSz="914400" rtl="0" eaLnBrk="1" latinLnBrk="0" hangingPunct="1">
         <a:defRPr sz="1800" kern="1200">
           <a:solidFill>
             <a:schemeClr val="tx1"/>
@@ -3005,7 +3611,7 @@
           <a:cs typeface="+mn-cs"/>
         </a:defRPr>
       </a:lvl2pPr>
-      <a:lvl3pPr marL="914400" algn="l" defTabSz="457200" rtl="0" eaLnBrk="1" latinLnBrk="0" hangingPunct="1">
+      <a:lvl3pPr marL="914400" algn="l" defTabSz="914400" rtl="0" eaLnBrk="1" latinLnBrk="0" hangingPunct="1">
         <a:defRPr sz="1800" kern="1200">
           <a:solidFill>
             <a:schemeClr val="tx1"/>
@@ -3015,7 +3621,7 @@
           <a:cs typeface="+mn-cs"/>
         </a:defRPr>
       </a:lvl3pPr>
-      <a:lvl4pPr marL="1371600" algn="l" defTabSz="457200" rtl="0" eaLnBrk="1" latinLnBrk="0" hangingPunct="1">
+      <a:lvl4pPr marL="1371600" algn="l" defTabSz="914400" rtl="0" eaLnBrk="1" latinLnBrk="0" hangingPunct="1">
         <a:defRPr sz="1800" kern="1200">
           <a:solidFill>
             <a:schemeClr val="tx1"/>
@@ -3025,7 +3631,7 @@
           <a:cs typeface="+mn-cs"/>
         </a:defRPr>
       </a:lvl4pPr>
-      <a:lvl5pPr marL="1828800" algn="l" defTabSz="457200" rtl="0" eaLnBrk="1" latinLnBrk="0" hangingPunct="1">
+      <a:lvl5pPr marL="1828800" algn="l" defTabSz="914400" rtl="0" eaLnBrk="1" latinLnBrk="0" hangingPunct="1">
         <a:defRPr sz="1800" kern="1200">
           <a:solidFill>
             <a:schemeClr val="tx1"/>
@@ -3035,7 +3641,7 @@
           <a:cs typeface="+mn-cs"/>
         </a:defRPr>
       </a:lvl5pPr>
-      <a:lvl6pPr marL="2286000" algn="l" defTabSz="457200" rtl="0" eaLnBrk="1" latinLnBrk="0" hangingPunct="1">
+      <a:lvl6pPr marL="2286000" algn="l" defTabSz="914400" rtl="0" eaLnBrk="1" latinLnBrk="0" hangingPunct="1">
         <a:defRPr sz="1800" kern="1200">
           <a:solidFill>
             <a:schemeClr val="tx1"/>
@@ -3045,7 +3651,7 @@
           <a:cs typeface="+mn-cs"/>
         </a:defRPr>
       </a:lvl6pPr>
-      <a:lvl7pPr marL="2743200" algn="l" defTabSz="457200" rtl="0" eaLnBrk="1" latinLnBrk="0" hangingPunct="1">
+      <a:lvl7pPr marL="2743200" algn="l" defTabSz="914400" rtl="0" eaLnBrk="1" latinLnBrk="0" hangingPunct="1">
         <a:defRPr sz="1800" kern="1200">
           <a:solidFill>
             <a:schemeClr val="tx1"/>
@@ -3055,7 +3661,7 @@
           <a:cs typeface="+mn-cs"/>
         </a:defRPr>
       </a:lvl7pPr>
-      <a:lvl8pPr marL="3200400" algn="l" defTabSz="457200" rtl="0" eaLnBrk="1" latinLnBrk="0" hangingPunct="1">
+      <a:lvl8pPr marL="3200400" algn="l" defTabSz="914400" rtl="0" eaLnBrk="1" latinLnBrk="0" hangingPunct="1">
         <a:defRPr sz="1800" kern="1200">
           <a:solidFill>
             <a:schemeClr val="tx1"/>
@@ -3065,7 +3671,7 @@
           <a:cs typeface="+mn-cs"/>
         </a:defRPr>
       </a:lvl8pPr>
-      <a:lvl9pPr marL="3657600" algn="l" defTabSz="457200" rtl="0" eaLnBrk="1" latinLnBrk="0" hangingPunct="1">
+      <a:lvl9pPr marL="3657600" algn="l" defTabSz="914400" rtl="0" eaLnBrk="1" latinLnBrk="0" hangingPunct="1">
         <a:defRPr sz="1800" kern="1200">
           <a:solidFill>
             <a:schemeClr val="tx1"/>
@@ -3113,7 +3719,7 @@
           <a:lstStyle/>
           <a:p>
             <a:r>
-              <a:rPr b="1" dirty="0"/>
+              <a:rPr b="1"/>
               <a:t>Introduction to Deep Learning</a:t>
             </a:r>
           </a:p>
@@ -3175,7 +3781,13 @@
           <a:p>
             <a:r>
               <a:rPr lang="en-GB" sz="2400" dirty="0"/>
-              <a:t>In contrast to other ML approaches, DL is a ‘black box’ – the network determines the relative importance of combinations of features through an iterative process</a:t>
+              <a:t>In contrast to other ML approaches, DL is a ‘black box’ </a:t>
+            </a:r>
+          </a:p>
+          <a:p>
+            <a:r>
+              <a:rPr lang="en-GB" sz="2400" dirty="0"/>
+              <a:t>the network determines the relative importance of combinations of features through an iterative process</a:t>
             </a:r>
             <a:endParaRPr sz="2400" dirty="0"/>
           </a:p>
@@ -3222,123 +3834,402 @@
           <a:lstStyle/>
           <a:p>
             <a:r>
-              <a:rPr b="1" dirty="0"/>
-              <a:t>What is a </a:t>
-            </a:r>
-            <a:r>
               <a:rPr lang="en-GB" b="1" dirty="0"/>
-              <a:t>'</a:t>
-            </a:r>
-            <a:r>
-              <a:rPr b="1" dirty="0"/>
-              <a:t>Neuron</a:t>
-            </a:r>
-            <a:r>
-              <a:rPr lang="en-GB" b="1" dirty="0"/>
-              <a:t>'</a:t>
-            </a:r>
-            <a:r>
-              <a:rPr b="1" dirty="0"/>
-              <a:t>?</a:t>
-            </a:r>
-          </a:p>
-        </p:txBody>
-      </p:sp>
-      <p:sp>
-        <p:nvSpPr>
-          <p:cNvPr id="3" name="Content Placeholder 2"/>
-          <p:cNvSpPr>
-            <a:spLocks noGrp="1"/>
-          </p:cNvSpPr>
-          <p:nvPr>
-            <p:ph idx="1"/>
-          </p:nvPr>
-        </p:nvSpPr>
-        <p:spPr/>
-        <p:txBody>
-          <a:bodyPr>
-            <a:normAutofit/>
-          </a:bodyPr>
-          <a:lstStyle/>
-          <a:p>
-            <a:r>
-              <a:rPr sz="2400" dirty="0"/>
-              <a:t>A neuron in a neural network is a mathematical function </a:t>
-            </a:r>
-            <a:endParaRPr lang="en-GB" sz="2400" dirty="0"/>
-          </a:p>
-          <a:p>
-            <a:r>
-              <a:rPr lang="en-GB" sz="2400" dirty="0"/>
-              <a:t>T</a:t>
-            </a:r>
-            <a:r>
-              <a:rPr sz="2400" dirty="0" err="1"/>
-              <a:t>akes</a:t>
-            </a:r>
-            <a:r>
-              <a:rPr sz="2400" dirty="0"/>
-              <a:t> inputs, applies weights and biases, and outputs an activation. </a:t>
-            </a:r>
-            <a:endParaRPr lang="en-GB" sz="2400" dirty="0"/>
-          </a:p>
-          <a:p>
-            <a:r>
-              <a:rPr sz="2400" dirty="0"/>
-              <a:t>Inspired by biological neurons, though greatly simplified.</a:t>
-            </a:r>
-          </a:p>
-        </p:txBody>
-      </p:sp>
-      <p:sp>
-        <p:nvSpPr>
-          <p:cNvPr id="4" name="TextBox 3">
-            <a:extLst>
-              <a:ext uri="{FF2B5EF4-FFF2-40B4-BE49-F238E27FC236}">
-                <a16:creationId xmlns:a16="http://schemas.microsoft.com/office/drawing/2014/main" id="{7BD79B23-7083-4365-5437-288A00E87209}"/>
-              </a:ext>
-            </a:extLst>
-          </p:cNvPr>
-          <p:cNvSpPr txBox="1"/>
+              <a:t>Introduction to image data</a:t>
+            </a:r>
+            <a:endParaRPr b="1" dirty="0"/>
+          </a:p>
+        </p:txBody>
+      </p:sp>
+      <p:pic>
+        <p:nvPicPr>
+          <p:cNvPr id="23" name="Picture 22">
+            <a:extLst>
+              <a:ext uri="{FF2B5EF4-FFF2-40B4-BE49-F238E27FC236}">
+                <a16:creationId xmlns:a16="http://schemas.microsoft.com/office/drawing/2014/main" id="{E41D7B26-79CC-7447-E882-960BDF1EB886}"/>
+              </a:ext>
+            </a:extLst>
+          </p:cNvPr>
+          <p:cNvPicPr>
+            <a:picLocks noChangeAspect="1"/>
+          </p:cNvPicPr>
           <p:nvPr/>
-        </p:nvSpPr>
+        </p:nvPicPr>
+        <p:blipFill>
+          <a:blip r:embed="rId2"/>
+          <a:stretch>
+            <a:fillRect/>
+          </a:stretch>
+        </p:blipFill>
         <p:spPr>
           <a:xfrm>
-            <a:off x="2511631" y="3749633"/>
-            <a:ext cx="4120737" cy="707886"/>
+            <a:off x="3091844" y="1693350"/>
+            <a:ext cx="2002771" cy="2002771"/>
           </a:xfrm>
           <a:prstGeom prst="rect">
             <a:avLst/>
           </a:prstGeom>
-          <a:noFill/>
         </p:spPr>
-        <p:txBody>
-          <a:bodyPr wrap="square" rtlCol="0">
-            <a:spAutoFit/>
-          </a:bodyPr>
+      </p:pic>
+      <p:pic>
+        <p:nvPicPr>
+          <p:cNvPr id="24" name="Picture 23">
+            <a:extLst>
+              <a:ext uri="{FF2B5EF4-FFF2-40B4-BE49-F238E27FC236}">
+                <a16:creationId xmlns:a16="http://schemas.microsoft.com/office/drawing/2014/main" id="{D989B2C4-8E8D-4C79-D754-18D2EBF16752}"/>
+              </a:ext>
+            </a:extLst>
+          </p:cNvPr>
+          <p:cNvPicPr>
+            <a:picLocks noChangeAspect="1"/>
+          </p:cNvPicPr>
+          <p:nvPr/>
+        </p:nvPicPr>
+        <p:blipFill>
+          <a:blip r:embed="rId3"/>
+          <a:stretch>
+            <a:fillRect/>
+          </a:stretch>
+        </p:blipFill>
+        <p:spPr>
+          <a:xfrm>
+            <a:off x="6376848" y="1690687"/>
+            <a:ext cx="2002770" cy="2002770"/>
+          </a:xfrm>
+          <a:prstGeom prst="rect">
+            <a:avLst/>
+          </a:prstGeom>
+        </p:spPr>
+      </p:pic>
+      <p:pic>
+        <p:nvPicPr>
+          <p:cNvPr id="25" name="Picture 24">
+            <a:extLst>
+              <a:ext uri="{FF2B5EF4-FFF2-40B4-BE49-F238E27FC236}">
+                <a16:creationId xmlns:a16="http://schemas.microsoft.com/office/drawing/2014/main" id="{1A722B1F-EFD1-21A6-5B8F-F935A95DA4FD}"/>
+              </a:ext>
+            </a:extLst>
+          </p:cNvPr>
+          <p:cNvPicPr>
+            <a:picLocks noChangeAspect="1"/>
+          </p:cNvPicPr>
+          <p:nvPr/>
+        </p:nvPicPr>
+        <p:blipFill>
+          <a:blip r:embed="rId2">
+            <a:duotone>
+              <a:prstClr val="black"/>
+              <a:schemeClr val="accent4">
+                <a:tint val="45000"/>
+                <a:satMod val="400000"/>
+              </a:schemeClr>
+            </a:duotone>
+          </a:blip>
+          <a:stretch>
+            <a:fillRect/>
+          </a:stretch>
+        </p:blipFill>
+        <p:spPr>
+          <a:xfrm>
+            <a:off x="2584497" y="4291430"/>
+            <a:ext cx="2002771" cy="2002771"/>
+          </a:xfrm>
+          <a:prstGeom prst="rect">
+            <a:avLst/>
+          </a:prstGeom>
+          <a:scene3d>
+            <a:camera prst="isometricLeftDown"/>
+            <a:lightRig rig="threePt" dir="t"/>
+          </a:scene3d>
+        </p:spPr>
+      </p:pic>
+      <p:pic>
+        <p:nvPicPr>
+          <p:cNvPr id="26" name="Picture 25">
+            <a:extLst>
+              <a:ext uri="{FF2B5EF4-FFF2-40B4-BE49-F238E27FC236}">
+                <a16:creationId xmlns:a16="http://schemas.microsoft.com/office/drawing/2014/main" id="{5C27D97B-6403-50AA-49FA-A2123FB15242}"/>
+              </a:ext>
+            </a:extLst>
+          </p:cNvPr>
+          <p:cNvPicPr>
+            <a:picLocks noChangeAspect="1"/>
+          </p:cNvPicPr>
+          <p:nvPr/>
+        </p:nvPicPr>
+        <p:blipFill>
+          <a:blip r:embed="rId2">
+            <a:duotone>
+              <a:prstClr val="black"/>
+              <a:schemeClr val="accent6">
+                <a:tint val="45000"/>
+                <a:satMod val="400000"/>
+              </a:schemeClr>
+            </a:duotone>
+          </a:blip>
+          <a:stretch>
+            <a:fillRect/>
+          </a:stretch>
+        </p:blipFill>
+        <p:spPr>
+          <a:xfrm>
+            <a:off x="1583112" y="4291432"/>
+            <a:ext cx="2002771" cy="2002771"/>
+          </a:xfrm>
+          <a:prstGeom prst="rect">
+            <a:avLst/>
+          </a:prstGeom>
+          <a:scene3d>
+            <a:camera prst="isometricLeftDown"/>
+            <a:lightRig rig="threePt" dir="t"/>
+          </a:scene3d>
+        </p:spPr>
+      </p:pic>
+      <p:pic>
+        <p:nvPicPr>
+          <p:cNvPr id="27" name="Picture 26">
+            <a:extLst>
+              <a:ext uri="{FF2B5EF4-FFF2-40B4-BE49-F238E27FC236}">
+                <a16:creationId xmlns:a16="http://schemas.microsoft.com/office/drawing/2014/main" id="{1CD85122-A84C-2D41-FDDE-AECEB34E828D}"/>
+              </a:ext>
+            </a:extLst>
+          </p:cNvPr>
+          <p:cNvPicPr>
+            <a:picLocks noChangeAspect="1"/>
+          </p:cNvPicPr>
+          <p:nvPr/>
+        </p:nvPicPr>
+        <p:blipFill>
+          <a:blip r:embed="rId2">
+            <a:duotone>
+              <a:prstClr val="black"/>
+              <a:srgbClr val="FF0000">
+                <a:tint val="45000"/>
+                <a:satMod val="400000"/>
+              </a:srgbClr>
+            </a:duotone>
+          </a:blip>
+          <a:stretch>
+            <a:fillRect/>
+          </a:stretch>
+        </p:blipFill>
+        <p:spPr>
+          <a:xfrm>
+            <a:off x="663459" y="4291431"/>
+            <a:ext cx="2002771" cy="2002771"/>
+          </a:xfrm>
+          <a:prstGeom prst="rect">
+            <a:avLst/>
+          </a:prstGeom>
+          <a:scene3d>
+            <a:camera prst="isometricLeftDown"/>
+            <a:lightRig rig="threePt" dir="t"/>
+          </a:scene3d>
+        </p:spPr>
+      </p:pic>
+      <p:pic>
+        <p:nvPicPr>
+          <p:cNvPr id="28" name="Picture 27">
+            <a:extLst>
+              <a:ext uri="{FF2B5EF4-FFF2-40B4-BE49-F238E27FC236}">
+                <a16:creationId xmlns:a16="http://schemas.microsoft.com/office/drawing/2014/main" id="{C699BDC9-3FF6-5B1B-A641-3FE394911EBD}"/>
+              </a:ext>
+            </a:extLst>
+          </p:cNvPr>
+          <p:cNvPicPr>
+            <a:picLocks noChangeAspect="1"/>
+          </p:cNvPicPr>
+          <p:nvPr/>
+        </p:nvPicPr>
+        <p:blipFill>
+          <a:blip r:embed="rId3">
+            <a:duotone>
+              <a:schemeClr val="accent2">
+                <a:shade val="45000"/>
+                <a:satMod val="135000"/>
+              </a:schemeClr>
+              <a:prstClr val="white"/>
+            </a:duotone>
+          </a:blip>
+          <a:stretch>
+            <a:fillRect/>
+          </a:stretch>
+        </p:blipFill>
+        <p:spPr>
+          <a:xfrm>
+            <a:off x="5094615" y="4291431"/>
+            <a:ext cx="2002770" cy="2002770"/>
+          </a:xfrm>
+          <a:prstGeom prst="rect">
+            <a:avLst/>
+          </a:prstGeom>
+        </p:spPr>
+      </p:pic>
+      <p:pic>
+        <p:nvPicPr>
+          <p:cNvPr id="29" name="Picture 28">
+            <a:extLst>
+              <a:ext uri="{FF2B5EF4-FFF2-40B4-BE49-F238E27FC236}">
+                <a16:creationId xmlns:a16="http://schemas.microsoft.com/office/drawing/2014/main" id="{77955A05-583A-DC51-8084-23B3B609F618}"/>
+              </a:ext>
+            </a:extLst>
+          </p:cNvPr>
+          <p:cNvPicPr>
+            <a:picLocks noChangeAspect="1"/>
+          </p:cNvPicPr>
+          <p:nvPr/>
+        </p:nvPicPr>
+        <p:blipFill>
+          <a:blip r:embed="rId3">
+            <a:duotone>
+              <a:schemeClr val="accent6">
+                <a:shade val="45000"/>
+                <a:satMod val="135000"/>
+              </a:schemeClr>
+              <a:prstClr val="white"/>
+            </a:duotone>
+          </a:blip>
+          <a:stretch>
+            <a:fillRect/>
+          </a:stretch>
+        </p:blipFill>
+        <p:spPr>
+          <a:xfrm>
+            <a:off x="7351059" y="4291431"/>
+            <a:ext cx="2002770" cy="2002770"/>
+          </a:xfrm>
+          <a:prstGeom prst="rect">
+            <a:avLst/>
+          </a:prstGeom>
+        </p:spPr>
+      </p:pic>
+      <p:pic>
+        <p:nvPicPr>
+          <p:cNvPr id="30" name="Picture 29">
+            <a:extLst>
+              <a:ext uri="{FF2B5EF4-FFF2-40B4-BE49-F238E27FC236}">
+                <a16:creationId xmlns:a16="http://schemas.microsoft.com/office/drawing/2014/main" id="{C30A5564-9987-7848-09AA-36BFD0A83922}"/>
+              </a:ext>
+            </a:extLst>
+          </p:cNvPr>
+          <p:cNvPicPr>
+            <a:picLocks noChangeAspect="1"/>
+          </p:cNvPicPr>
+          <p:nvPr/>
+        </p:nvPicPr>
+        <p:blipFill>
+          <a:blip r:embed="rId3">
+            <a:duotone>
+              <a:schemeClr val="accent4">
+                <a:shade val="45000"/>
+                <a:satMod val="135000"/>
+              </a:schemeClr>
+              <a:prstClr val="white"/>
+            </a:duotone>
+          </a:blip>
+          <a:stretch>
+            <a:fillRect/>
+          </a:stretch>
+        </p:blipFill>
+        <p:spPr>
+          <a:xfrm>
+            <a:off x="9607503" y="4291431"/>
+            <a:ext cx="2002770" cy="2002770"/>
+          </a:xfrm>
+          <a:prstGeom prst="rect">
+            <a:avLst/>
+          </a:prstGeom>
+        </p:spPr>
+      </p:pic>
+      <p:sp>
+        <p:nvSpPr>
+          <p:cNvPr id="31" name="Right Arrow 30">
+            <a:extLst>
+              <a:ext uri="{FF2B5EF4-FFF2-40B4-BE49-F238E27FC236}">
+                <a16:creationId xmlns:a16="http://schemas.microsoft.com/office/drawing/2014/main" id="{E1EB8228-CD43-F81C-F630-1B964F7B4BC8}"/>
+              </a:ext>
+            </a:extLst>
+          </p:cNvPr>
+          <p:cNvSpPr/>
+          <p:nvPr/>
+        </p:nvSpPr>
+        <p:spPr>
+          <a:xfrm>
+            <a:off x="5432612" y="2566569"/>
+            <a:ext cx="663388" cy="266278"/>
+          </a:xfrm>
+          <a:prstGeom prst="rightArrow">
+            <a:avLst/>
+          </a:prstGeom>
+        </p:spPr>
+        <p:style>
+          <a:lnRef idx="2">
+            <a:schemeClr val="dk1">
+              <a:shade val="15000"/>
+            </a:schemeClr>
+          </a:lnRef>
+          <a:fillRef idx="1">
+            <a:schemeClr val="dk1"/>
+          </a:fillRef>
+          <a:effectRef idx="0">
+            <a:schemeClr val="dk1"/>
+          </a:effectRef>
+          <a:fontRef idx="minor">
+            <a:schemeClr val="lt1"/>
+          </a:fontRef>
+        </p:style>
+        <p:txBody>
+          <a:bodyPr rtlCol="0" anchor="ctr"/>
           <a:lstStyle/>
           <a:p>
             <a:pPr algn="ctr"/>
-            <a:r>
-              <a:rPr lang="en-US" sz="4000" dirty="0"/>
-              <a:t>y = </a:t>
-            </a:r>
-            <a:r>
-              <a:rPr lang="en-US" sz="4000" i="1" dirty="0" err="1"/>
-              <a:t>w</a:t>
-            </a:r>
-            <a:r>
-              <a:rPr lang="en-US" sz="4000" dirty="0" err="1"/>
-              <a:t>x</a:t>
-            </a:r>
-            <a:r>
-              <a:rPr lang="en-US" sz="4000" dirty="0"/>
-              <a:t> + </a:t>
-            </a:r>
-            <a:r>
-              <a:rPr lang="en-US" sz="4000" i="1" dirty="0"/>
-              <a:t>b</a:t>
-            </a:r>
+            <a:endParaRPr lang="en-US"/>
+          </a:p>
+        </p:txBody>
+      </p:sp>
+      <p:sp>
+        <p:nvSpPr>
+          <p:cNvPr id="32" name="Right Arrow 31">
+            <a:extLst>
+              <a:ext uri="{FF2B5EF4-FFF2-40B4-BE49-F238E27FC236}">
+                <a16:creationId xmlns:a16="http://schemas.microsoft.com/office/drawing/2014/main" id="{5DF2D318-CFB1-5BA2-DC61-7A1CB394BD49}"/>
+              </a:ext>
+            </a:extLst>
+          </p:cNvPr>
+          <p:cNvSpPr/>
+          <p:nvPr/>
+        </p:nvSpPr>
+        <p:spPr>
+          <a:xfrm>
+            <a:off x="4382411" y="5153864"/>
+            <a:ext cx="663388" cy="266278"/>
+          </a:xfrm>
+          <a:prstGeom prst="rightArrow">
+            <a:avLst/>
+          </a:prstGeom>
+        </p:spPr>
+        <p:style>
+          <a:lnRef idx="2">
+            <a:schemeClr val="dk1">
+              <a:shade val="15000"/>
+            </a:schemeClr>
+          </a:lnRef>
+          <a:fillRef idx="1">
+            <a:schemeClr val="dk1"/>
+          </a:fillRef>
+          <a:effectRef idx="0">
+            <a:schemeClr val="dk1"/>
+          </a:effectRef>
+          <a:fontRef idx="minor">
+            <a:schemeClr val="lt1"/>
+          </a:fontRef>
+        </p:style>
+        <p:txBody>
+          <a:bodyPr rtlCol="0" anchor="ctr"/>
+          <a:lstStyle/>
+          <a:p>
+            <a:pPr algn="ctr"/>
+            <a:endParaRPr lang="en-US"/>
           </a:p>
         </p:txBody>
       </p:sp>
@@ -3355,7 +4246,13 @@
   <p:cSld>
     <p:spTree>
       <p:nvGrpSpPr>
-        <p:cNvPr id="1" name=""/>
+        <p:cNvPr id="1" name="">
+          <a:extLst>
+            <a:ext uri="{FF2B5EF4-FFF2-40B4-BE49-F238E27FC236}">
+              <a16:creationId xmlns:a16="http://schemas.microsoft.com/office/drawing/2014/main" id="{A6678052-EB5C-3593-7FB8-C7E95A6C97BD}"/>
+            </a:ext>
+          </a:extLst>
+        </p:cNvPr>
         <p:cNvGrpSpPr/>
         <p:nvPr/>
       </p:nvGrpSpPr>
@@ -3369,7 +4266,13 @@
       </p:grpSpPr>
       <p:sp>
         <p:nvSpPr>
-          <p:cNvPr id="2" name="Title 1"/>
+          <p:cNvPr id="2" name="Title 1">
+            <a:extLst>
+              <a:ext uri="{FF2B5EF4-FFF2-40B4-BE49-F238E27FC236}">
+                <a16:creationId xmlns:a16="http://schemas.microsoft.com/office/drawing/2014/main" id="{ABF8728F-DE02-AD72-992B-4126DF611F9B}"/>
+              </a:ext>
+            </a:extLst>
+          </p:cNvPr>
           <p:cNvSpPr>
             <a:spLocks noGrp="1"/>
           </p:cNvSpPr>
@@ -3379,21 +4282,41 @@
         </p:nvSpPr>
         <p:spPr/>
         <p:txBody>
-          <a:bodyPr>
-            <a:normAutofit fontScale="90000"/>
-          </a:bodyPr>
-          <a:lstStyle/>
-          <a:p>
-            <a:r>
-              <a:rPr b="1" dirty="0"/>
-              <a:t>How Does a Neural Network 'Learn'?</a:t>
-            </a:r>
-          </a:p>
-        </p:txBody>
-      </p:sp>
-      <p:sp>
-        <p:nvSpPr>
-          <p:cNvPr id="3" name="Content Placeholder 2"/>
+          <a:bodyPr/>
+          <a:lstStyle/>
+          <a:p>
+            <a:r>
+              <a:rPr b="1"/>
+              <a:t>What is a </a:t>
+            </a:r>
+            <a:r>
+              <a:rPr lang="en-GB" b="1"/>
+              <a:t>'</a:t>
+            </a:r>
+            <a:r>
+              <a:rPr b="1"/>
+              <a:t>Neuron</a:t>
+            </a:r>
+            <a:r>
+              <a:rPr lang="en-GB" b="1"/>
+              <a:t>'</a:t>
+            </a:r>
+            <a:r>
+              <a:rPr b="1"/>
+              <a:t>?</a:t>
+            </a:r>
+          </a:p>
+        </p:txBody>
+      </p:sp>
+      <p:sp>
+        <p:nvSpPr>
+          <p:cNvPr id="3" name="Content Placeholder 2">
+            <a:extLst>
+              <a:ext uri="{FF2B5EF4-FFF2-40B4-BE49-F238E27FC236}">
+                <a16:creationId xmlns:a16="http://schemas.microsoft.com/office/drawing/2014/main" id="{FA984AB3-0EED-5770-AC70-44FAD3773694}"/>
+              </a:ext>
+            </a:extLst>
+          </p:cNvPr>
           <p:cNvSpPr>
             <a:spLocks noGrp="1"/>
           </p:cNvSpPr>
@@ -3410,28 +4333,99 @@
           <a:p>
             <a:r>
               <a:rPr sz="2400" dirty="0"/>
-              <a:t>Neural networks learn through a process of forward and backpropagation:</a:t>
+              <a:t>A neuron in a neural network is a mathematical function </a:t>
             </a:r>
             <a:endParaRPr lang="en-GB" sz="2400" dirty="0"/>
           </a:p>
           <a:p>
-            <a:pPr lvl="1"/>
+            <a:r>
+              <a:rPr lang="en-GB" sz="2400" dirty="0"/>
+              <a:t>T</a:t>
+            </a:r>
+            <a:r>
+              <a:rPr sz="2400" dirty="0" err="1"/>
+              <a:t>akes</a:t>
+            </a:r>
             <a:r>
               <a:rPr sz="2400" dirty="0"/>
-              <a:t>Forward propagation calculates the output based on inputs and weights.</a:t>
+              <a:t> inputs, applies weights and biases, and outputs an activation. </a:t>
             </a:r>
             <a:endParaRPr lang="en-GB" sz="2400" dirty="0"/>
           </a:p>
           <a:p>
-            <a:pPr lvl="1"/>
             <a:r>
               <a:rPr sz="2400" dirty="0"/>
-              <a:t>Backpropagation adjusts weights based on the error in output, reducing the error over time.</a:t>
+              <a:t>Inspired by biological neurons, though </a:t>
+            </a:r>
+            <a:r>
+              <a:rPr sz="2400" i="1" dirty="0"/>
+              <a:t>greatly</a:t>
+            </a:r>
+            <a:r>
+              <a:rPr sz="2400" dirty="0"/>
+              <a:t> simplified.</a:t>
+            </a:r>
+          </a:p>
+        </p:txBody>
+      </p:sp>
+      <p:sp>
+        <p:nvSpPr>
+          <p:cNvPr id="4" name="TextBox 3">
+            <a:extLst>
+              <a:ext uri="{FF2B5EF4-FFF2-40B4-BE49-F238E27FC236}">
+                <a16:creationId xmlns:a16="http://schemas.microsoft.com/office/drawing/2014/main" id="{63A14D69-AB30-E758-0113-78629CBAA811}"/>
+              </a:ext>
+            </a:extLst>
+          </p:cNvPr>
+          <p:cNvSpPr txBox="1"/>
+          <p:nvPr/>
+        </p:nvSpPr>
+        <p:spPr>
+          <a:xfrm>
+            <a:off x="4035632" y="3749633"/>
+            <a:ext cx="4120737" cy="707886"/>
+          </a:xfrm>
+          <a:prstGeom prst="rect">
+            <a:avLst/>
+          </a:prstGeom>
+          <a:noFill/>
+        </p:spPr>
+        <p:txBody>
+          <a:bodyPr wrap="square" rtlCol="0">
+            <a:spAutoFit/>
+          </a:bodyPr>
+          <a:lstStyle/>
+          <a:p>
+            <a:pPr algn="ctr"/>
+            <a:r>
+              <a:rPr lang="en-US" sz="4000"/>
+              <a:t>y = </a:t>
+            </a:r>
+            <a:r>
+              <a:rPr lang="en-US" sz="4000" i="1" err="1"/>
+              <a:t>w</a:t>
+            </a:r>
+            <a:r>
+              <a:rPr lang="en-US" sz="4000" err="1"/>
+              <a:t>x</a:t>
+            </a:r>
+            <a:r>
+              <a:rPr lang="en-US" sz="4000"/>
+              <a:t> + </a:t>
+            </a:r>
+            <a:r>
+              <a:rPr lang="en-US" sz="4000" i="1"/>
+              <a:t>b</a:t>
             </a:r>
           </a:p>
         </p:txBody>
       </p:sp>
     </p:spTree>
+    <p:extLst>
+      <p:ext uri="{BB962C8B-B14F-4D97-AF65-F5344CB8AC3E}">
+        <p14:creationId xmlns:p14="http://schemas.microsoft.com/office/powerpoint/2010/main" val="774331437"/>
+      </p:ext>
+    </p:extLst>
   </p:cSld>
   <p:clrMapOvr>
     <a:masterClrMapping/>
@@ -3469,13 +4463,13 @@
         <p:spPr/>
         <p:txBody>
           <a:bodyPr>
-            <a:normAutofit fontScale="90000"/>
+            <a:normAutofit/>
           </a:bodyPr>
           <a:lstStyle/>
           <a:p>
             <a:r>
-              <a:rPr b="1" dirty="0"/>
-              <a:t>What is a Convolutional Neural Network?</a:t>
+              <a:rPr b="1"/>
+              <a:t>How Does a Neural Network 'Learn'?</a:t>
             </a:r>
           </a:p>
         </p:txBody>
@@ -3498,23 +4492,22 @@
           <a:lstStyle/>
           <a:p>
             <a:r>
-              <a:rPr sz="2400" dirty="0"/>
-              <a:t>A CNN is a type of neural network designed specifically for image processing tasks. </a:t>
-            </a:r>
-            <a:endParaRPr lang="en-GB" sz="2400" dirty="0"/>
-          </a:p>
-          <a:p>
-            <a:r>
-              <a:rPr lang="en-GB" sz="2400" dirty="0"/>
-              <a:t>U</a:t>
-            </a:r>
-            <a:r>
-              <a:rPr sz="2400" dirty="0" err="1"/>
-              <a:t>ses</a:t>
-            </a:r>
-            <a:r>
-              <a:rPr sz="2400" dirty="0"/>
-              <a:t> convolutional layers to detect spatial features and hierarchies in data.</a:t>
+              <a:rPr sz="2400"/>
+              <a:t>Neural networks learn through a process of forward and backpropagation:</a:t>
+            </a:r>
+            <a:endParaRPr lang="en-GB" sz="2400"/>
+          </a:p>
+          <a:p>
+            <a:pPr lvl="1"/>
+            <a:r>
+              <a:t>Forward propagation calculates the output based on inputs and weights.</a:t>
+            </a:r>
+            <a:endParaRPr lang="en-GB"/>
+          </a:p>
+          <a:p>
+            <a:pPr lvl="1"/>
+            <a:r>
+              <a:t>Backpropagation adjusts weights based on the error in output, reducing the error over time.</a:t>
             </a:r>
           </a:p>
         </p:txBody>
@@ -3556,84 +4549,147 @@
         </p:nvSpPr>
         <p:spPr/>
         <p:txBody>
-          <a:bodyPr/>
-          <a:lstStyle/>
-          <a:p>
-            <a:r>
-              <a:rPr lang="en-GB" b="1" dirty="0"/>
-              <a:t>Some terms</a:t>
-            </a:r>
-            <a:endParaRPr b="1" dirty="0"/>
-          </a:p>
-        </p:txBody>
-      </p:sp>
-      <p:sp>
-        <p:nvSpPr>
-          <p:cNvPr id="3" name="Content Placeholder 2"/>
-          <p:cNvSpPr>
-            <a:spLocks noGrp="1"/>
-          </p:cNvSpPr>
-          <p:nvPr>
-            <p:ph idx="1"/>
-          </p:nvPr>
-        </p:nvSpPr>
-        <p:spPr/>
-        <p:txBody>
           <a:bodyPr>
             <a:normAutofit/>
           </a:bodyPr>
           <a:lstStyle/>
           <a:p>
             <a:r>
-              <a:rPr sz="2400" b="1" dirty="0" err="1"/>
-              <a:t>ReLU</a:t>
-            </a:r>
-            <a:r>
-              <a:rPr sz="2400" dirty="0"/>
-              <a:t>: An activation function that introduces non-linearity by converting negative values to zero.</a:t>
-            </a:r>
-            <a:endParaRPr lang="en-GB" sz="2400" dirty="0"/>
-          </a:p>
-          <a:p>
-            <a:r>
-              <a:rPr sz="2400" b="1" dirty="0" err="1"/>
-              <a:t>Softmax</a:t>
-            </a:r>
-            <a:r>
-              <a:rPr sz="2400" dirty="0"/>
-              <a:t>: A function that converts outputs to probabilities, used in classification tasks.</a:t>
-            </a:r>
-            <a:endParaRPr lang="en-GB" sz="2400" dirty="0"/>
-          </a:p>
-          <a:p>
-            <a:r>
-              <a:rPr sz="2400" b="1" dirty="0"/>
-              <a:t>Pooling</a:t>
-            </a:r>
-            <a:r>
-              <a:rPr sz="2400" dirty="0"/>
-              <a:t>: A layer that reduces spatial dimensions, helping with feature abstraction and reducing computation.</a:t>
-            </a:r>
-            <a:endParaRPr lang="en-GB" sz="2400" dirty="0"/>
-          </a:p>
-          <a:p>
-            <a:r>
-              <a:rPr lang="en-GB" sz="2400" b="1" dirty="0"/>
-              <a:t>Loss function</a:t>
-            </a:r>
-            <a:r>
-              <a:rPr lang="en-GB" sz="2400" dirty="0"/>
-              <a:t>: a mathematical function that quantifies the deviation of the predictions from the actual targets.</a:t>
-            </a:r>
-          </a:p>
-          <a:p>
-            <a:r>
-              <a:rPr lang="en-GB" sz="2400" b="1" dirty="0"/>
-              <a:t>Optimizer</a:t>
-            </a:r>
-            <a:r>
-              <a:rPr lang="en-GB" sz="2400" dirty="0"/>
-              <a:t>: a method to alter the weights and biases to minimize the loss.</a:t>
+              <a:rPr b="1"/>
+              <a:t>What is a Convolutional Neural Network?</a:t>
+            </a:r>
+          </a:p>
+        </p:txBody>
+      </p:sp>
+      <p:sp>
+        <p:nvSpPr>
+          <p:cNvPr id="3" name="Content Placeholder 2"/>
+          <p:cNvSpPr>
+            <a:spLocks noGrp="1"/>
+          </p:cNvSpPr>
+          <p:nvPr>
+            <p:ph idx="1"/>
+          </p:nvPr>
+        </p:nvSpPr>
+        <p:spPr/>
+        <p:txBody>
+          <a:bodyPr>
+            <a:normAutofit/>
+          </a:bodyPr>
+          <a:lstStyle/>
+          <a:p>
+            <a:r>
+              <a:rPr sz="2400"/>
+              <a:t>A CNN is a type of neural network designed specifically for image processing tasks. </a:t>
+            </a:r>
+            <a:endParaRPr lang="en-GB" sz="2400"/>
+          </a:p>
+          <a:p>
+            <a:r>
+              <a:rPr lang="en-GB" sz="2400"/>
+              <a:t>U</a:t>
+            </a:r>
+            <a:r>
+              <a:rPr sz="2400" err="1"/>
+              <a:t>ses</a:t>
+            </a:r>
+            <a:r>
+              <a:rPr sz="2400"/>
+              <a:t> convolutional layers to detect spatial features and hierarchies in data.</a:t>
+            </a:r>
+          </a:p>
+        </p:txBody>
+      </p:sp>
+      <p:pic>
+        <p:nvPicPr>
+          <p:cNvPr id="1026" name="Picture 2" descr="figure 2">
+            <a:extLst>
+              <a:ext uri="{FF2B5EF4-FFF2-40B4-BE49-F238E27FC236}">
+                <a16:creationId xmlns:a16="http://schemas.microsoft.com/office/drawing/2014/main" id="{D857B268-9D04-C7A9-4A47-D98C481A9F92}"/>
+              </a:ext>
+            </a:extLst>
+          </p:cNvPr>
+          <p:cNvPicPr>
+            <a:picLocks noChangeAspect="1" noChangeArrowheads="1"/>
+          </p:cNvPicPr>
+          <p:nvPr/>
+        </p:nvPicPr>
+        <p:blipFill>
+          <a:blip r:embed="rId2">
+            <a:extLst>
+              <a:ext uri="{28A0092B-C50C-407E-A947-70E740481C1C}">
+                <a14:useLocalDpi xmlns:a14="http://schemas.microsoft.com/office/drawing/2010/main" val="0"/>
+              </a:ext>
+            </a:extLst>
+          </a:blip>
+          <a:srcRect/>
+          <a:stretch>
+            <a:fillRect/>
+          </a:stretch>
+        </p:blipFill>
+        <p:spPr bwMode="auto">
+          <a:xfrm>
+            <a:off x="856129" y="3277627"/>
+            <a:ext cx="7568539" cy="3215248"/>
+          </a:xfrm>
+          <a:prstGeom prst="rect">
+            <a:avLst/>
+          </a:prstGeom>
+          <a:noFill/>
+          <a:extLst>
+            <a:ext uri="{909E8E84-426E-40DD-AFC4-6F175D3DCCD1}">
+              <a14:hiddenFill xmlns:a14="http://schemas.microsoft.com/office/drawing/2010/main">
+                <a:solidFill>
+                  <a:srgbClr val="FFFFFF"/>
+                </a:solidFill>
+              </a14:hiddenFill>
+            </a:ext>
+          </a:extLst>
+        </p:spPr>
+      </p:pic>
+      <p:sp>
+        <p:nvSpPr>
+          <p:cNvPr id="4" name="TextBox 3">
+            <a:extLst>
+              <a:ext uri="{FF2B5EF4-FFF2-40B4-BE49-F238E27FC236}">
+                <a16:creationId xmlns:a16="http://schemas.microsoft.com/office/drawing/2014/main" id="{19CB0226-241F-F9D2-4AC3-C9BD3B94F1FA}"/>
+              </a:ext>
+            </a:extLst>
+          </p:cNvPr>
+          <p:cNvSpPr txBox="1"/>
+          <p:nvPr/>
+        </p:nvSpPr>
+        <p:spPr>
+          <a:xfrm>
+            <a:off x="7135906" y="5988734"/>
+            <a:ext cx="4840942" cy="646331"/>
+          </a:xfrm>
+          <a:prstGeom prst="rect">
+            <a:avLst/>
+          </a:prstGeom>
+          <a:noFill/>
+        </p:spPr>
+        <p:txBody>
+          <a:bodyPr wrap="square" rtlCol="0">
+            <a:spAutoFit/>
+          </a:bodyPr>
+          <a:lstStyle/>
+          <a:p>
+            <a:r>
+              <a:rPr lang="en-US" dirty="0"/>
+              <a:t>LeCun et al., Nature 2015</a:t>
+            </a:r>
+          </a:p>
+          <a:p>
+            <a:r>
+              <a:rPr lang="en-US" dirty="0">
+                <a:hlinkClick r:id="rId3"/>
+              </a:rPr>
+              <a:t>https://www.nature.com/articles/nature14539</a:t>
+            </a:r>
+            <a:r>
+              <a:rPr lang="en-US" dirty="0"/>
+              <a:t> </a:t>
             </a:r>
           </a:p>
         </p:txBody>
@@ -3679,9 +4735,10 @@
           <a:lstStyle/>
           <a:p>
             <a:r>
-              <a:rPr b="1" dirty="0"/>
-              <a:t>What are Hyperparameters?</a:t>
-            </a:r>
+              <a:rPr lang="en-GB" b="1"/>
+              <a:t>Some terms</a:t>
+            </a:r>
+            <a:endParaRPr b="1"/>
           </a:p>
         </p:txBody>
       </p:sp>
@@ -3702,39 +4759,56 @@
           </a:bodyPr>
           <a:lstStyle/>
           <a:p>
-            <a:pPr marL="0" indent="0">
-              <a:buNone/>
-            </a:pPr>
-            <a:r>
-              <a:rPr sz="2400" dirty="0"/>
-              <a:t>Hyperparameters are configurations external to the model</a:t>
-            </a:r>
-            <a:r>
-              <a:rPr lang="en-GB" sz="2400" dirty="0"/>
-              <a:t> which impact model performance and training efficiency</a:t>
-            </a:r>
-          </a:p>
-          <a:p>
-            <a:r>
-              <a:rPr sz="2400" dirty="0"/>
-              <a:t>learning rat</a:t>
-            </a:r>
-            <a:r>
-              <a:rPr lang="en-GB" sz="2400" dirty="0"/>
-              <a:t>e</a:t>
-            </a:r>
-          </a:p>
-          <a:p>
-            <a:r>
-              <a:rPr sz="2400" dirty="0"/>
-              <a:t>batch size</a:t>
-            </a:r>
-            <a:endParaRPr lang="en-GB" sz="2400" dirty="0"/>
-          </a:p>
-          <a:p>
-            <a:r>
-              <a:rPr sz="2400" dirty="0"/>
-              <a:t>number of layers</a:t>
+            <a:r>
+              <a:rPr sz="2400" b="1" err="1"/>
+              <a:t>ReLU</a:t>
+            </a:r>
+            <a:r>
+              <a:rPr sz="2400"/>
+              <a:t>: An activation function that introduces non-linearity by converting negative values to zero.</a:t>
+            </a:r>
+            <a:endParaRPr lang="en-GB" sz="2400"/>
+          </a:p>
+          <a:p>
+            <a:r>
+              <a:rPr sz="2400" b="1" err="1"/>
+              <a:t>Softmax</a:t>
+            </a:r>
+            <a:r>
+              <a:rPr sz="2400"/>
+              <a:t>: A function that converts outputs to probabilities, used in classification tasks.</a:t>
+            </a:r>
+            <a:endParaRPr lang="en-GB" sz="2400"/>
+          </a:p>
+          <a:p>
+            <a:r>
+              <a:rPr sz="2400" b="1"/>
+              <a:t>Pooling</a:t>
+            </a:r>
+            <a:r>
+              <a:rPr sz="2400"/>
+              <a:t>: A layer that reduces spatial dimensions, helping with feature abstraction and reducing computation.</a:t>
+            </a:r>
+            <a:endParaRPr lang="en-GB" sz="2400"/>
+          </a:p>
+          <a:p>
+            <a:r>
+              <a:rPr lang="en-GB" sz="2400" b="1"/>
+              <a:t>Loss function</a:t>
+            </a:r>
+            <a:r>
+              <a:rPr lang="en-GB" sz="2400"/>
+              <a:t>: a mathematical function that quantifies the deviation of the predictions from the actual targets.</a:t>
+            </a:r>
+          </a:p>
+          <a:p>
+            <a:r>
+              <a:rPr lang="en-GB" sz="2400" b="1"/>
+              <a:t>Optimizer</a:t>
+            </a:r>
+            <a:r>
+              <a:rPr lang="en-GB" sz="2400"/>
+              <a:t>: a method to alter the weights and biases to minimize the loss.</a:t>
             </a:r>
           </a:p>
         </p:txBody>
@@ -3776,14 +4850,12 @@
         </p:nvSpPr>
         <p:spPr/>
         <p:txBody>
-          <a:bodyPr>
-            <a:normAutofit fontScale="90000"/>
-          </a:bodyPr>
-          <a:lstStyle/>
-          <a:p>
-            <a:r>
-              <a:rPr b="1" dirty="0"/>
-              <a:t>How Can You Use Pre-trained Models?</a:t>
+          <a:bodyPr/>
+          <a:lstStyle/>
+          <a:p>
+            <a:r>
+              <a:rPr b="1"/>
+              <a:t>What are Hyperparameters?</a:t>
             </a:r>
           </a:p>
         </p:txBody>
@@ -3805,16 +4877,39 @@
           </a:bodyPr>
           <a:lstStyle/>
           <a:p>
-            <a:r>
-              <a:rPr sz="2400" dirty="0"/>
-              <a:t>Pre-trained models are neural networks that have been trained on large datasets. </a:t>
-            </a:r>
-            <a:endParaRPr lang="en-GB" sz="2400" dirty="0"/>
-          </a:p>
-          <a:p>
-            <a:r>
-              <a:rPr sz="2400" dirty="0"/>
-              <a:t>They can be fine-tuned for specific tasks, saving time and resources.</a:t>
+            <a:pPr marL="0" indent="0">
+              <a:buNone/>
+            </a:pPr>
+            <a:r>
+              <a:rPr sz="2400"/>
+              <a:t>Hyperparameters are configurations external to the model</a:t>
+            </a:r>
+            <a:r>
+              <a:rPr lang="en-GB" sz="2400"/>
+              <a:t> which impact model performance and training efficiency</a:t>
+            </a:r>
+          </a:p>
+          <a:p>
+            <a:r>
+              <a:rPr sz="2400"/>
+              <a:t>learning rat</a:t>
+            </a:r>
+            <a:r>
+              <a:rPr lang="en-GB" sz="2400"/>
+              <a:t>e</a:t>
+            </a:r>
+          </a:p>
+          <a:p>
+            <a:r>
+              <a:rPr sz="2400"/>
+              <a:t>batch size</a:t>
+            </a:r>
+            <a:endParaRPr lang="en-GB" sz="2400"/>
+          </a:p>
+          <a:p>
+            <a:r>
+              <a:rPr sz="2400"/>
+              <a:t>number of layers</a:t>
             </a:r>
           </a:p>
         </p:txBody>
@@ -3856,11 +4951,215 @@
         </p:nvSpPr>
         <p:spPr/>
         <p:txBody>
+          <a:bodyPr>
+            <a:normAutofit/>
+          </a:bodyPr>
+          <a:lstStyle/>
+          <a:p>
+            <a:r>
+              <a:rPr b="1"/>
+              <a:t>How Can You Use Pre-trained Models?</a:t>
+            </a:r>
+          </a:p>
+        </p:txBody>
+      </p:sp>
+      <p:sp>
+        <p:nvSpPr>
+          <p:cNvPr id="3" name="Content Placeholder 2"/>
+          <p:cNvSpPr>
+            <a:spLocks noGrp="1"/>
+          </p:cNvSpPr>
+          <p:nvPr>
+            <p:ph idx="1"/>
+          </p:nvPr>
+        </p:nvSpPr>
+        <p:spPr/>
+        <p:txBody>
+          <a:bodyPr>
+            <a:normAutofit/>
+          </a:bodyPr>
+          <a:lstStyle/>
+          <a:p>
+            <a:r>
+              <a:rPr sz="2400"/>
+              <a:t>Pre-trained models are neural networks that have been trained on large datasets. </a:t>
+            </a:r>
+            <a:endParaRPr lang="en-GB" sz="2400"/>
+          </a:p>
+          <a:p>
+            <a:r>
+              <a:rPr sz="2400"/>
+              <a:t>They can be fine-tuned for specific tasks, saving time and resources.</a:t>
+            </a:r>
+          </a:p>
+        </p:txBody>
+      </p:sp>
+      <p:pic>
+        <p:nvPicPr>
+          <p:cNvPr id="2050" name="Picture 2">
+            <a:extLst>
+              <a:ext uri="{FF2B5EF4-FFF2-40B4-BE49-F238E27FC236}">
+                <a16:creationId xmlns:a16="http://schemas.microsoft.com/office/drawing/2014/main" id="{6680F5AD-65B5-5314-B6E7-51B0864D56DA}"/>
+              </a:ext>
+            </a:extLst>
+          </p:cNvPr>
+          <p:cNvPicPr>
+            <a:picLocks noChangeAspect="1" noChangeArrowheads="1"/>
+          </p:cNvPicPr>
+          <p:nvPr/>
+        </p:nvPicPr>
+        <p:blipFill>
+          <a:blip r:embed="rId2">
+            <a:extLst>
+              <a:ext uri="{28A0092B-C50C-407E-A947-70E740481C1C}">
+                <a14:useLocalDpi xmlns:a14="http://schemas.microsoft.com/office/drawing/2010/main" val="0"/>
+              </a:ext>
+            </a:extLst>
+          </a:blip>
+          <a:srcRect/>
+          <a:stretch>
+            <a:fillRect/>
+          </a:stretch>
+        </p:blipFill>
+        <p:spPr bwMode="auto">
+          <a:xfrm>
+            <a:off x="4782671" y="3063875"/>
+            <a:ext cx="3429000" cy="3429000"/>
+          </a:xfrm>
+          <a:prstGeom prst="rect">
+            <a:avLst/>
+          </a:prstGeom>
+          <a:noFill/>
+          <a:extLst>
+            <a:ext uri="{909E8E84-426E-40DD-AFC4-6F175D3DCCD1}">
+              <a14:hiddenFill xmlns:a14="http://schemas.microsoft.com/office/drawing/2010/main">
+                <a:solidFill>
+                  <a:srgbClr val="FFFFFF"/>
+                </a:solidFill>
+              </a14:hiddenFill>
+            </a:ext>
+          </a:extLst>
+        </p:spPr>
+      </p:pic>
+      <p:sp>
+        <p:nvSpPr>
+          <p:cNvPr id="4" name="TextBox 3">
+            <a:extLst>
+              <a:ext uri="{FF2B5EF4-FFF2-40B4-BE49-F238E27FC236}">
+                <a16:creationId xmlns:a16="http://schemas.microsoft.com/office/drawing/2014/main" id="{B5358C91-CBF9-A0DB-5BA9-4D747D5B9E36}"/>
+              </a:ext>
+            </a:extLst>
+          </p:cNvPr>
+          <p:cNvSpPr txBox="1"/>
+          <p:nvPr/>
+        </p:nvSpPr>
+        <p:spPr>
+          <a:xfrm>
+            <a:off x="3793578" y="6492875"/>
+            <a:ext cx="5407186" cy="369332"/>
+          </a:xfrm>
+          <a:prstGeom prst="rect">
+            <a:avLst/>
+          </a:prstGeom>
+          <a:noFill/>
+        </p:spPr>
+        <p:txBody>
+          <a:bodyPr wrap="none" rtlCol="0">
+            <a:spAutoFit/>
+          </a:bodyPr>
+          <a:lstStyle/>
+          <a:p>
+            <a:r>
+              <a:rPr lang="en-US" dirty="0">
+                <a:hlinkClick r:id="rId3"/>
+              </a:rPr>
+              <a:t>https://cs.stanford.edu/people/karpathy/cnnembed/</a:t>
+            </a:r>
+            <a:r>
+              <a:rPr lang="en-US" dirty="0"/>
+              <a:t> </a:t>
+            </a:r>
+          </a:p>
+        </p:txBody>
+      </p:sp>
+      <p:sp>
+        <p:nvSpPr>
+          <p:cNvPr id="5" name="TextBox 4">
+            <a:extLst>
+              <a:ext uri="{FF2B5EF4-FFF2-40B4-BE49-F238E27FC236}">
+                <a16:creationId xmlns:a16="http://schemas.microsoft.com/office/drawing/2014/main" id="{83CF7AA5-2CF8-49A3-E6C4-758E86CEE932}"/>
+              </a:ext>
+            </a:extLst>
+          </p:cNvPr>
+          <p:cNvSpPr txBox="1"/>
+          <p:nvPr/>
+        </p:nvSpPr>
+        <p:spPr>
+          <a:xfrm>
+            <a:off x="2348753" y="4178210"/>
+            <a:ext cx="2272553" cy="1200329"/>
+          </a:xfrm>
+          <a:prstGeom prst="rect">
+            <a:avLst/>
+          </a:prstGeom>
+          <a:noFill/>
+        </p:spPr>
+        <p:txBody>
+          <a:bodyPr wrap="square" rtlCol="0">
+            <a:spAutoFit/>
+          </a:bodyPr>
+          <a:lstStyle/>
+          <a:p>
+            <a:pPr algn="ctr"/>
+            <a:r>
+              <a:rPr lang="en-US" dirty="0"/>
+              <a:t>Pre-training done on general image dataset such as ImageNet</a:t>
+            </a:r>
+          </a:p>
+        </p:txBody>
+      </p:sp>
+    </p:spTree>
+  </p:cSld>
+  <p:clrMapOvr>
+    <a:masterClrMapping/>
+  </p:clrMapOvr>
+</p:sld>
+</file>
+
+<file path=ppt/slides/slide9.xml><?xml version="1.0" encoding="utf-8"?>
+<p:sld xmlns:a="http://schemas.openxmlformats.org/drawingml/2006/main" xmlns:r="http://schemas.openxmlformats.org/officeDocument/2006/relationships" xmlns:p="http://schemas.openxmlformats.org/presentationml/2006/main">
+  <p:cSld>
+    <p:spTree>
+      <p:nvGrpSpPr>
+        <p:cNvPr id="1" name=""/>
+        <p:cNvGrpSpPr/>
+        <p:nvPr/>
+      </p:nvGrpSpPr>
+      <p:grpSpPr>
+        <a:xfrm>
+          <a:off x="0" y="0"/>
+          <a:ext cx="0" cy="0"/>
+          <a:chOff x="0" y="0"/>
+          <a:chExt cx="0" cy="0"/>
+        </a:xfrm>
+      </p:grpSpPr>
+      <p:sp>
+        <p:nvSpPr>
+          <p:cNvPr id="2" name="Title 1"/>
+          <p:cNvSpPr>
+            <a:spLocks noGrp="1"/>
+          </p:cNvSpPr>
+          <p:nvPr>
+            <p:ph type="title"/>
+          </p:nvPr>
+        </p:nvSpPr>
+        <p:spPr/>
+        <p:txBody>
           <a:bodyPr/>
           <a:lstStyle/>
           <a:p>
             <a:r>
-              <a:rPr b="1" dirty="0"/>
+              <a:rPr b="1"/>
               <a:t>Transformer Models</a:t>
             </a:r>
           </a:p>
@@ -3882,40 +5181,38 @@
           <a:lstStyle/>
           <a:p>
             <a:r>
-              <a:rPr sz="2400" dirty="0"/>
+              <a:rPr sz="2400"/>
               <a:t>Transformers, initially developed for NLP, have been applied to image analysis</a:t>
             </a:r>
             <a:r>
-              <a:rPr lang="en-GB" sz="2400" dirty="0"/>
+              <a:rPr lang="en-GB" sz="2400"/>
               <a:t> (</a:t>
             </a:r>
             <a:r>
-              <a:rPr lang="en-GB" sz="2400" dirty="0" err="1"/>
+              <a:rPr lang="en-GB" sz="2400" err="1"/>
               <a:t>VisionTransformer</a:t>
             </a:r>
             <a:r>
-              <a:rPr lang="en-GB" sz="2400" dirty="0"/>
+              <a:rPr lang="en-GB" sz="2400"/>
               <a:t>)</a:t>
             </a:r>
           </a:p>
           <a:p>
             <a:r>
-              <a:rPr lang="en-GB" sz="2400" dirty="0"/>
+              <a:rPr lang="en-GB" sz="2400"/>
               <a:t>Compared to CNNs:</a:t>
             </a:r>
           </a:p>
           <a:p>
             <a:pPr lvl="1"/>
             <a:r>
-              <a:rPr sz="2400" dirty="0"/>
               <a:t>Advantages: Better handling of long-range dependencies, flexibility in tasks.</a:t>
             </a:r>
-            <a:endParaRPr lang="en-GB" sz="2400" dirty="0"/>
+            <a:endParaRPr lang="en-GB"/>
           </a:p>
           <a:p>
             <a:pPr lvl="1"/>
             <a:r>
-              <a:rPr sz="2400" dirty="0"/>
               <a:t>Disadvantages: Higher computational cost, especially for large inputs.</a:t>
             </a:r>
           </a:p>
@@ -3940,44 +5237,44 @@
         <a:sysClr val="window" lastClr="FFFFFF"/>
       </a:lt1>
       <a:dk2>
-        <a:srgbClr val="1F497D"/>
+        <a:srgbClr val="0E2841"/>
       </a:dk2>
       <a:lt2>
-        <a:srgbClr val="EEECE1"/>
+        <a:srgbClr val="E8E8E8"/>
       </a:lt2>
       <a:accent1>
-        <a:srgbClr val="4F81BD"/>
+        <a:srgbClr val="156082"/>
       </a:accent1>
       <a:accent2>
-        <a:srgbClr val="C0504D"/>
+        <a:srgbClr val="E97132"/>
       </a:accent2>
       <a:accent3>
-        <a:srgbClr val="9BBB59"/>
+        <a:srgbClr val="196B24"/>
       </a:accent3>
       <a:accent4>
-        <a:srgbClr val="8064A2"/>
+        <a:srgbClr val="0F9ED5"/>
       </a:accent4>
       <a:accent5>
-        <a:srgbClr val="4BACC6"/>
+        <a:srgbClr val="A02B93"/>
       </a:accent5>
       <a:accent6>
-        <a:srgbClr val="F79646"/>
+        <a:srgbClr val="4EA72E"/>
       </a:accent6>
       <a:hlink>
-        <a:srgbClr val="0000FF"/>
+        <a:srgbClr val="467886"/>
       </a:hlink>
       <a:folHlink>
-        <a:srgbClr val="800080"/>
+        <a:srgbClr val="96607D"/>
       </a:folHlink>
     </a:clrScheme>
     <a:fontScheme name="Office">
       <a:majorFont>
-        <a:latin typeface="Calibri"/>
+        <a:latin typeface="Aptos Display" panose="02110004020202020204"/>
         <a:ea typeface=""/>
         <a:cs typeface=""/>
-        <a:font script="Jpan" typeface="ＭＳ Ｐゴシック"/>
+        <a:font script="Jpan" typeface="游ゴシック Light"/>
         <a:font script="Hang" typeface="맑은 고딕"/>
-        <a:font script="Hans" typeface="宋体"/>
+        <a:font script="Hans" typeface="等线 Light"/>
         <a:font script="Hant" typeface="新細明體"/>
         <a:font script="Arab" typeface="Times New Roman"/>
         <a:font script="Hebr" typeface="Times New Roman"/>
@@ -4005,14 +5302,31 @@
         <a:font script="Viet" typeface="Times New Roman"/>
         <a:font script="Uigh" typeface="Microsoft Uighur"/>
         <a:font script="Geor" typeface="Sylfaen"/>
+        <a:font script="Armn" typeface="Arial"/>
+        <a:font script="Bugi" typeface="Leelawadee UI"/>
+        <a:font script="Bopo" typeface="Microsoft JhengHei"/>
+        <a:font script="Java" typeface="Javanese Text"/>
+        <a:font script="Lisu" typeface="Segoe UI"/>
+        <a:font script="Mymr" typeface="Myanmar Text"/>
+        <a:font script="Nkoo" typeface="Ebrima"/>
+        <a:font script="Olck" typeface="Nirmala UI"/>
+        <a:font script="Osma" typeface="Ebrima"/>
+        <a:font script="Phag" typeface="Phagspa"/>
+        <a:font script="Syrn" typeface="Estrangelo Edessa"/>
+        <a:font script="Syrj" typeface="Estrangelo Edessa"/>
+        <a:font script="Syre" typeface="Estrangelo Edessa"/>
+        <a:font script="Sora" typeface="Nirmala UI"/>
+        <a:font script="Tale" typeface="Microsoft Tai Le"/>
+        <a:font script="Talu" typeface="Microsoft New Tai Lue"/>
+        <a:font script="Tfng" typeface="Ebrima"/>
       </a:majorFont>
       <a:minorFont>
-        <a:latin typeface="Calibri"/>
+        <a:latin typeface="Aptos" panose="02110004020202020204"/>
         <a:ea typeface=""/>
         <a:cs typeface=""/>
-        <a:font script="Jpan" typeface="ＭＳ Ｐゴシック"/>
+        <a:font script="Jpan" typeface="游ゴシック"/>
         <a:font script="Hang" typeface="맑은 고딕"/>
-        <a:font script="Hans" typeface="宋体"/>
+        <a:font script="Hans" typeface="等线"/>
         <a:font script="Hant" typeface="新細明體"/>
         <a:font script="Arab" typeface="Arial"/>
         <a:font script="Hebr" typeface="Arial"/>
@@ -4040,6 +5354,23 @@
         <a:font script="Viet" typeface="Arial"/>
         <a:font script="Uigh" typeface="Microsoft Uighur"/>
         <a:font script="Geor" typeface="Sylfaen"/>
+        <a:font script="Armn" typeface="Arial"/>
+        <a:font script="Bugi" typeface="Leelawadee UI"/>
+        <a:font script="Bopo" typeface="Microsoft JhengHei"/>
+        <a:font script="Java" typeface="Javanese Text"/>
+        <a:font script="Lisu" typeface="Segoe UI"/>
+        <a:font script="Mymr" typeface="Myanmar Text"/>
+        <a:font script="Nkoo" typeface="Ebrima"/>
+        <a:font script="Olck" typeface="Nirmala UI"/>
+        <a:font script="Osma" typeface="Ebrima"/>
+        <a:font script="Phag" typeface="Phagspa"/>
+        <a:font script="Syrn" typeface="Estrangelo Edessa"/>
+        <a:font script="Syrj" typeface="Estrangelo Edessa"/>
+        <a:font script="Syre" typeface="Estrangelo Edessa"/>
+        <a:font script="Sora" typeface="Nirmala UI"/>
+        <a:font script="Tale" typeface="Microsoft Tai Le"/>
+        <a:font script="Talu" typeface="Microsoft New Tai Lue"/>
+        <a:font script="Tfng" typeface="Ebrima"/>
       </a:minorFont>
     </a:fontScheme>
     <a:fmtScheme name="Office">
@@ -4051,180 +5382,136 @@
           <a:gsLst>
             <a:gs pos="0">
               <a:schemeClr val="phClr">
-                <a:tint val="50000"/>
-                <a:satMod val="300000"/>
+                <a:lumMod val="110000"/>
+                <a:satMod val="105000"/>
+                <a:tint val="67000"/>
               </a:schemeClr>
             </a:gs>
-            <a:gs pos="35000">
+            <a:gs pos="50000">
               <a:schemeClr val="phClr">
-                <a:tint val="37000"/>
-                <a:satMod val="300000"/>
+                <a:lumMod val="105000"/>
+                <a:satMod val="103000"/>
+                <a:tint val="73000"/>
               </a:schemeClr>
             </a:gs>
             <a:gs pos="100000">
               <a:schemeClr val="phClr">
-                <a:tint val="15000"/>
-                <a:satMod val="350000"/>
+                <a:lumMod val="105000"/>
+                <a:satMod val="109000"/>
+                <a:tint val="81000"/>
               </a:schemeClr>
             </a:gs>
           </a:gsLst>
-          <a:lin ang="16200000" scaled="1"/>
+          <a:lin ang="5400000" scaled="0"/>
         </a:gradFill>
         <a:gradFill rotWithShape="1">
           <a:gsLst>
             <a:gs pos="0">
               <a:schemeClr val="phClr">
-                <a:tint val="100000"/>
+                <a:satMod val="103000"/>
+                <a:lumMod val="102000"/>
+                <a:tint val="94000"/>
+              </a:schemeClr>
+            </a:gs>
+            <a:gs pos="50000">
+              <a:schemeClr val="phClr">
+                <a:satMod val="110000"/>
+                <a:lumMod val="100000"/>
                 <a:shade val="100000"/>
-                <a:satMod val="130000"/>
               </a:schemeClr>
             </a:gs>
             <a:gs pos="100000">
               <a:schemeClr val="phClr">
-                <a:tint val="50000"/>
-                <a:shade val="100000"/>
-                <a:satMod val="350000"/>
+                <a:lumMod val="99000"/>
+                <a:satMod val="120000"/>
+                <a:shade val="78000"/>
               </a:schemeClr>
             </a:gs>
           </a:gsLst>
-          <a:lin ang="16200000" scaled="0"/>
+          <a:lin ang="5400000" scaled="0"/>
         </a:gradFill>
       </a:fillStyleLst>
       <a:lnStyleLst>
-        <a:ln w="9525" cap="flat" cmpd="sng" algn="ctr">
+        <a:ln w="12700" cap="flat" cmpd="sng" algn="ctr">
           <a:solidFill>
-            <a:schemeClr val="phClr">
-              <a:shade val="95000"/>
-              <a:satMod val="105000"/>
-            </a:schemeClr>
+            <a:schemeClr val="phClr"/>
           </a:solidFill>
           <a:prstDash val="solid"/>
+          <a:miter lim="800000"/>
+        </a:ln>
+        <a:ln w="19050" cap="flat" cmpd="sng" algn="ctr">
+          <a:solidFill>
+            <a:schemeClr val="phClr"/>
+          </a:solidFill>
+          <a:prstDash val="solid"/>
+          <a:miter lim="800000"/>
         </a:ln>
         <a:ln w="25400" cap="flat" cmpd="sng" algn="ctr">
           <a:solidFill>
             <a:schemeClr val="phClr"/>
           </a:solidFill>
           <a:prstDash val="solid"/>
-        </a:ln>
-        <a:ln w="38100" cap="flat" cmpd="sng" algn="ctr">
-          <a:solidFill>
-            <a:schemeClr val="phClr"/>
-          </a:solidFill>
-          <a:prstDash val="solid"/>
+          <a:miter lim="800000"/>
         </a:ln>
       </a:lnStyleLst>
       <a:effectStyleLst>
         <a:effectStyle>
+          <a:effectLst/>
+        </a:effectStyle>
+        <a:effectStyle>
+          <a:effectLst/>
+        </a:effectStyle>
+        <a:effectStyle>
           <a:effectLst>
-            <a:outerShdw blurRad="40000" dist="20000" dir="5400000" rotWithShape="0">
+            <a:outerShdw blurRad="57150" dist="19050" dir="5400000" algn="ctr" rotWithShape="0">
               <a:srgbClr val="000000">
-                <a:alpha val="38000"/>
+                <a:alpha val="63000"/>
               </a:srgbClr>
             </a:outerShdw>
           </a:effectLst>
-        </a:effectStyle>
-        <a:effectStyle>
-          <a:effectLst>
-            <a:outerShdw blurRad="40000" dist="23000" dir="5400000" rotWithShape="0">
-              <a:srgbClr val="000000">
-                <a:alpha val="35000"/>
-              </a:srgbClr>
-            </a:outerShdw>
-          </a:effectLst>
-        </a:effectStyle>
-        <a:effectStyle>
-          <a:effectLst>
-            <a:outerShdw blurRad="40000" dist="23000" dir="5400000" rotWithShape="0">
-              <a:srgbClr val="000000">
-                <a:alpha val="35000"/>
-              </a:srgbClr>
-            </a:outerShdw>
-          </a:effectLst>
-          <a:scene3d>
-            <a:camera prst="orthographicFront">
-              <a:rot lat="0" lon="0" rev="0"/>
-            </a:camera>
-            <a:lightRig rig="threePt" dir="t">
-              <a:rot lat="0" lon="0" rev="1200000"/>
-            </a:lightRig>
-          </a:scene3d>
-          <a:sp3d>
-            <a:bevelT w="63500" h="25400"/>
-          </a:sp3d>
         </a:effectStyle>
       </a:effectStyleLst>
       <a:bgFillStyleLst>
         <a:solidFill>
           <a:schemeClr val="phClr"/>
         </a:solidFill>
+        <a:solidFill>
+          <a:schemeClr val="phClr">
+            <a:tint val="95000"/>
+            <a:satMod val="170000"/>
+          </a:schemeClr>
+        </a:solidFill>
         <a:gradFill rotWithShape="1">
           <a:gsLst>
             <a:gs pos="0">
               <a:schemeClr val="phClr">
-                <a:tint val="40000"/>
-                <a:satMod val="350000"/>
+                <a:tint val="93000"/>
+                <a:satMod val="150000"/>
+                <a:shade val="98000"/>
+                <a:lumMod val="102000"/>
               </a:schemeClr>
             </a:gs>
-            <a:gs pos="40000">
+            <a:gs pos="50000">
               <a:schemeClr val="phClr">
-                <a:tint val="45000"/>
-                <a:shade val="99000"/>
-                <a:satMod val="350000"/>
+                <a:tint val="98000"/>
+                <a:satMod val="130000"/>
+                <a:shade val="90000"/>
+                <a:lumMod val="103000"/>
               </a:schemeClr>
             </a:gs>
             <a:gs pos="100000">
               <a:schemeClr val="phClr">
-                <a:shade val="20000"/>
-                <a:satMod val="255000"/>
+                <a:shade val="63000"/>
+                <a:satMod val="120000"/>
               </a:schemeClr>
             </a:gs>
           </a:gsLst>
-          <a:path path="circle">
-            <a:fillToRect l="50000" t="-80000" r="50000" b="180000"/>
-          </a:path>
-        </a:gradFill>
-        <a:gradFill rotWithShape="1">
-          <a:gsLst>
-            <a:gs pos="0">
-              <a:schemeClr val="phClr">
-                <a:tint val="80000"/>
-                <a:satMod val="300000"/>
-              </a:schemeClr>
-            </a:gs>
-            <a:gs pos="100000">
-              <a:schemeClr val="phClr">
-                <a:shade val="30000"/>
-                <a:satMod val="200000"/>
-              </a:schemeClr>
-            </a:gs>
-          </a:gsLst>
-          <a:path path="circle">
-            <a:fillToRect l="50000" t="50000" r="50000" b="50000"/>
-          </a:path>
+          <a:lin ang="5400000" scaled="0"/>
         </a:gradFill>
       </a:bgFillStyleLst>
     </a:fmtScheme>
   </a:themeElements>
   <a:objectDefaults>
-    <a:spDef>
-      <a:spPr/>
-      <a:bodyPr/>
-      <a:lstStyle/>
-      <a:style>
-        <a:lnRef idx="1">
-          <a:schemeClr val="accent1"/>
-        </a:lnRef>
-        <a:fillRef idx="3">
-          <a:schemeClr val="accent1"/>
-        </a:fillRef>
-        <a:effectRef idx="2">
-          <a:schemeClr val="accent1"/>
-        </a:effectRef>
-        <a:fontRef idx="minor">
-          <a:schemeClr val="lt1"/>
-        </a:fontRef>
-      </a:style>
-    </a:spDef>
     <a:lnDef>
       <a:spPr/>
       <a:bodyPr/>
@@ -4246,5 +5533,10 @@
     </a:lnDef>
   </a:objectDefaults>
   <a:extraClrSchemeLst/>
+  <a:extLst>
+    <a:ext uri="{05A4C25C-085E-4340-85A3-A5531E510DB2}">
+      <thm15:themeFamily xmlns:thm15="http://schemas.microsoft.com/office/thememl/2012/main" name="Office Theme" id="{2E142A2C-CD16-42D6-873A-C26D2A0506FA}" vid="{1BDDFF52-6CD6-40A5-AB3C-68EB2F1E4D0A}"/>
+    </a:ext>
+  </a:extLst>
 </a:theme>
 </file>
--- a/Session_2_ML_DL_intro_python_MT2024.pptx
+++ b/Session_2_ML_DL_intro_python_MT2024.pptx
@@ -617,7 +617,7 @@
           <a:p>
             <a:fld id="{7C7E9CC2-F8D3-6047-97B4-E95E02B9DE73}" type="datetimeFigureOut">
               <a:rPr lang="en-US" smtClean="0"/>
-              <a:t>11/3/24</a:t>
+              <a:t>11/3/2024</a:t>
             </a:fld>
             <a:endParaRPr lang="en-US"/>
           </a:p>
@@ -817,7 +817,7 @@
           <a:p>
             <a:fld id="{7C7E9CC2-F8D3-6047-97B4-E95E02B9DE73}" type="datetimeFigureOut">
               <a:rPr lang="en-US" smtClean="0"/>
-              <a:t>11/3/24</a:t>
+              <a:t>11/3/2024</a:t>
             </a:fld>
             <a:endParaRPr lang="en-US"/>
           </a:p>
@@ -1027,7 +1027,7 @@
           <a:p>
             <a:fld id="{7C7E9CC2-F8D3-6047-97B4-E95E02B9DE73}" type="datetimeFigureOut">
               <a:rPr lang="en-US" smtClean="0"/>
-              <a:t>11/3/24</a:t>
+              <a:t>11/3/2024</a:t>
             </a:fld>
             <a:endParaRPr lang="en-US"/>
           </a:p>
@@ -1227,7 +1227,7 @@
           <a:p>
             <a:fld id="{7C7E9CC2-F8D3-6047-97B4-E95E02B9DE73}" type="datetimeFigureOut">
               <a:rPr lang="en-US" smtClean="0"/>
-              <a:t>11/3/24</a:t>
+              <a:t>11/3/2024</a:t>
             </a:fld>
             <a:endParaRPr lang="en-US"/>
           </a:p>
@@ -1503,7 +1503,7 @@
           <a:p>
             <a:fld id="{7C7E9CC2-F8D3-6047-97B4-E95E02B9DE73}" type="datetimeFigureOut">
               <a:rPr lang="en-US" smtClean="0"/>
-              <a:t>11/3/24</a:t>
+              <a:t>11/3/2024</a:t>
             </a:fld>
             <a:endParaRPr lang="en-US"/>
           </a:p>
@@ -1771,7 +1771,7 @@
           <a:p>
             <a:fld id="{7C7E9CC2-F8D3-6047-97B4-E95E02B9DE73}" type="datetimeFigureOut">
               <a:rPr lang="en-US" smtClean="0"/>
-              <a:t>11/3/24</a:t>
+              <a:t>11/3/2024</a:t>
             </a:fld>
             <a:endParaRPr lang="en-US"/>
           </a:p>
@@ -2186,7 +2186,7 @@
           <a:p>
             <a:fld id="{7C7E9CC2-F8D3-6047-97B4-E95E02B9DE73}" type="datetimeFigureOut">
               <a:rPr lang="en-US" smtClean="0"/>
-              <a:t>11/3/24</a:t>
+              <a:t>11/3/2024</a:t>
             </a:fld>
             <a:endParaRPr lang="en-US"/>
           </a:p>
@@ -2328,7 +2328,7 @@
           <a:p>
             <a:fld id="{7C7E9CC2-F8D3-6047-97B4-E95E02B9DE73}" type="datetimeFigureOut">
               <a:rPr lang="en-US" smtClean="0"/>
-              <a:t>11/3/24</a:t>
+              <a:t>11/3/2024</a:t>
             </a:fld>
             <a:endParaRPr lang="en-US"/>
           </a:p>
@@ -2441,7 +2441,7 @@
           <a:p>
             <a:fld id="{7C7E9CC2-F8D3-6047-97B4-E95E02B9DE73}" type="datetimeFigureOut">
               <a:rPr lang="en-US" smtClean="0"/>
-              <a:t>11/3/24</a:t>
+              <a:t>11/3/2024</a:t>
             </a:fld>
             <a:endParaRPr lang="en-US"/>
           </a:p>
@@ -2754,7 +2754,7 @@
           <a:p>
             <a:fld id="{7C7E9CC2-F8D3-6047-97B4-E95E02B9DE73}" type="datetimeFigureOut">
               <a:rPr lang="en-US" smtClean="0"/>
-              <a:t>11/3/24</a:t>
+              <a:t>11/3/2024</a:t>
             </a:fld>
             <a:endParaRPr lang="en-US"/>
           </a:p>
@@ -3043,7 +3043,7 @@
           <a:p>
             <a:fld id="{7C7E9CC2-F8D3-6047-97B4-E95E02B9DE73}" type="datetimeFigureOut">
               <a:rPr lang="en-US" smtClean="0"/>
-              <a:t>11/3/24</a:t>
+              <a:t>11/3/2024</a:t>
             </a:fld>
             <a:endParaRPr lang="en-US"/>
           </a:p>
@@ -3286,7 +3286,7 @@
           <a:p>
             <a:fld id="{7C7E9CC2-F8D3-6047-97B4-E95E02B9DE73}" type="datetimeFigureOut">
               <a:rPr lang="en-US" smtClean="0"/>
-              <a:t>11/3/24</a:t>
+              <a:t>11/3/2024</a:t>
             </a:fld>
             <a:endParaRPr lang="en-US"/>
           </a:p>
@@ -3743,53 +3743,53 @@
           <a:lstStyle/>
           <a:p>
             <a:r>
-              <a:rPr sz="2400" dirty="0"/>
+              <a:rPr sz="2400"/>
               <a:t>Deep learning is a subset of machine learning</a:t>
             </a:r>
-            <a:endParaRPr lang="en-GB" sz="2400" dirty="0"/>
-          </a:p>
-          <a:p>
-            <a:r>
-              <a:rPr lang="en-GB" sz="2400" dirty="0"/>
+            <a:endParaRPr lang="en-GB" sz="2400"/>
+          </a:p>
+          <a:p>
+            <a:r>
+              <a:rPr lang="en-GB" sz="2400"/>
               <a:t>N</a:t>
             </a:r>
             <a:r>
-              <a:rPr sz="2400" dirty="0" err="1"/>
+              <a:rPr sz="2400" err="1"/>
               <a:t>eural</a:t>
             </a:r>
             <a:r>
-              <a:rPr sz="2400" dirty="0"/>
+              <a:rPr sz="2400"/>
               <a:t> networks with multiple layers learn to extract complex patterns from data. </a:t>
             </a:r>
-            <a:endParaRPr lang="en-GB" sz="2400" dirty="0"/>
-          </a:p>
-          <a:p>
-            <a:r>
-              <a:rPr lang="en-GB" sz="2400" dirty="0"/>
+            <a:endParaRPr lang="en-GB" sz="2400"/>
+          </a:p>
+          <a:p>
+            <a:r>
+              <a:rPr lang="en-GB" sz="2400"/>
               <a:t>W</a:t>
             </a:r>
             <a:r>
-              <a:rPr sz="2400" dirty="0" err="1"/>
+              <a:rPr sz="2400" err="1"/>
               <a:t>idely</a:t>
             </a:r>
             <a:r>
-              <a:rPr sz="2400" dirty="0"/>
+              <a:rPr sz="2400"/>
               <a:t> used for tasks like image recognition, natural language processing, and more.</a:t>
             </a:r>
-            <a:endParaRPr lang="en-GB" sz="2400" dirty="0"/>
-          </a:p>
-          <a:p>
-            <a:r>
-              <a:rPr lang="en-GB" sz="2400" dirty="0"/>
+            <a:endParaRPr lang="en-GB" sz="2400"/>
+          </a:p>
+          <a:p>
+            <a:r>
+              <a:rPr lang="en-GB" sz="2400"/>
               <a:t>In contrast to other ML approaches, DL is a ‘black box’ </a:t>
             </a:r>
           </a:p>
           <a:p>
             <a:r>
-              <a:rPr lang="en-GB" sz="2400" dirty="0"/>
+              <a:rPr lang="en-GB" sz="2400"/>
               <a:t>the network determines the relative importance of combinations of features through an iterative process</a:t>
             </a:r>
-            <a:endParaRPr sz="2400" dirty="0"/>
+            <a:endParaRPr sz="2400"/>
           </a:p>
         </p:txBody>
       </p:sp>
@@ -3834,10 +3834,10 @@
           <a:lstStyle/>
           <a:p>
             <a:r>
-              <a:rPr lang="en-GB" b="1" dirty="0"/>
+              <a:rPr lang="en-GB" b="1"/>
               <a:t>Introduction to image data</a:t>
             </a:r>
-            <a:endParaRPr b="1" dirty="0"/>
+            <a:endParaRPr b="1"/>
           </a:p>
         </p:txBody>
       </p:sp>
@@ -4332,37 +4332,37 @@
           <a:lstStyle/>
           <a:p>
             <a:r>
-              <a:rPr sz="2400" dirty="0"/>
+              <a:rPr sz="2400"/>
               <a:t>A neuron in a neural network is a mathematical function </a:t>
             </a:r>
-            <a:endParaRPr lang="en-GB" sz="2400" dirty="0"/>
-          </a:p>
-          <a:p>
-            <a:r>
-              <a:rPr lang="en-GB" sz="2400" dirty="0"/>
+            <a:endParaRPr lang="en-GB" sz="2400"/>
+          </a:p>
+          <a:p>
+            <a:r>
+              <a:rPr lang="en-GB" sz="2400"/>
               <a:t>T</a:t>
             </a:r>
             <a:r>
-              <a:rPr sz="2400" dirty="0" err="1"/>
+              <a:rPr sz="2400" err="1"/>
               <a:t>akes</a:t>
             </a:r>
             <a:r>
-              <a:rPr sz="2400" dirty="0"/>
+              <a:rPr sz="2400"/>
               <a:t> inputs, applies weights and biases, and outputs an activation. </a:t>
             </a:r>
-            <a:endParaRPr lang="en-GB" sz="2400" dirty="0"/>
-          </a:p>
-          <a:p>
-            <a:r>
-              <a:rPr sz="2400" dirty="0"/>
+            <a:endParaRPr lang="en-GB" sz="2400"/>
+          </a:p>
+          <a:p>
+            <a:r>
+              <a:rPr sz="2400"/>
               <a:t>Inspired by biological neurons, though </a:t>
             </a:r>
             <a:r>
-              <a:rPr sz="2400" i="1" dirty="0"/>
+              <a:rPr sz="2400" i="1"/>
               <a:t>greatly</a:t>
             </a:r>
             <a:r>
-              <a:rPr sz="2400" dirty="0"/>
+              <a:rPr sz="2400"/>
               <a:t> simplified.</a:t>
             </a:r>
           </a:p>
@@ -4676,19 +4676,19 @@
           <a:lstStyle/>
           <a:p>
             <a:r>
-              <a:rPr lang="en-US" dirty="0"/>
+              <a:rPr lang="en-US"/>
               <a:t>LeCun et al., Nature 2015</a:t>
             </a:r>
           </a:p>
           <a:p>
             <a:r>
-              <a:rPr lang="en-US" dirty="0">
+              <a:rPr lang="en-US">
                 <a:hlinkClick r:id="rId3"/>
               </a:rPr>
               <a:t>https://www.nature.com/articles/nature14539</a:t>
             </a:r>
             <a:r>
-              <a:rPr lang="en-US" dirty="0"/>
+              <a:rPr lang="en-US"/>
               <a:t> </a:t>
             </a:r>
           </a:p>
@@ -5070,13 +5070,13 @@
           <a:lstStyle/>
           <a:p>
             <a:r>
-              <a:rPr lang="en-US" dirty="0">
+              <a:rPr lang="en-US">
                 <a:hlinkClick r:id="rId3"/>
               </a:rPr>
               <a:t>https://cs.stanford.edu/people/karpathy/cnnembed/</a:t>
             </a:r>
             <a:r>
-              <a:rPr lang="en-US" dirty="0"/>
+              <a:rPr lang="en-US"/>
               <a:t> </a:t>
             </a:r>
           </a:p>
@@ -5112,7 +5112,7 @@
           <a:p>
             <a:pPr algn="ctr"/>
             <a:r>
-              <a:rPr lang="en-US" dirty="0"/>
+              <a:rPr lang="en-US"/>
               <a:t>Pre-training done on general image dataset such as ImageNet</a:t>
             </a:r>
           </a:p>
